--- a/Specific-range-of-slides-to-image/.NET/Specific-range-of-slides-to-image/Specific-range-of-slides-to-image/Template.pptx
+++ b/Specific-range-of-slides-to-image/.NET/Specific-range-of-slides-to-image/Specific-range-of-slides-to-image/Template.pptx
@@ -1,22 +1,24 @@
 
 <file path=ppt/presentation.xml><?xml version="1.0" encoding="utf-8"?>
-<p:presentation xmlns:a="http://schemas.openxmlformats.org/drawingml/2006/main" xmlns:r="http://schemas.openxmlformats.org/officeDocument/2006/relationships" xmlns:p="http://schemas.openxmlformats.org/presentationml/2006/main">
+<p:presentation xmlns:a="http://schemas.openxmlformats.org/drawingml/2006/main" xmlns:r="http://schemas.openxmlformats.org/officeDocument/2006/relationships" xmlns:p="http://schemas.openxmlformats.org/presentationml/2006/main" saveSubsetFonts="1">
   <p:sldMasterIdLst>
     <p:sldMasterId id="2147483648" r:id="rId1"/>
   </p:sldMasterIdLst>
   <p:sldIdLst>
-    <p:sldId id="256" r:id="rId3"/>
-    <p:sldId id="257" r:id="rId2"/>
-    <p:sldId id="261" r:id="rId4"/>
+    <p:sldId id="256" r:id="rId2"/>
+    <p:sldId id="257" r:id="rId3"/>
+    <p:sldId id="260" r:id="rId4"/>
+    <p:sldId id="261" r:id="rId5"/>
+    <p:sldId id="263" r:id="rId6"/>
   </p:sldIdLst>
-  <p:sldSz cx="12192000" cy="6858000" type="custom"/>
+  <p:sldSz cx="12192000" cy="6858000"/>
   <p:notesSz cx="6858000" cy="9144000"/>
   <p:defaultTextStyle>
-    <a:defPPr defTabSz="914400">
-      <a:defRPr lang="en-US" dirty="0"/>
+    <a:defPPr>
+      <a:defRPr lang="en-US"/>
     </a:defPPr>
-    <a:lvl1pPr marL="0" rtl="0" algn="l" defTabSz="914400">
-      <a:defRPr sz="1800" kern="1200" dirty="0">
+    <a:lvl1pPr marL="0" algn="l" defTabSz="914400" rtl="0" eaLnBrk="1" latinLnBrk="0" hangingPunct="1">
+      <a:defRPr sz="1800" kern="1200">
         <a:solidFill>
           <a:schemeClr val="tx1"/>
         </a:solidFill>
@@ -25,8 +27,8 @@
         <a:cs typeface="+mn-cs"/>
       </a:defRPr>
     </a:lvl1pPr>
-    <a:lvl2pPr marL="457200" rtl="0" algn="l" defTabSz="914400">
-      <a:defRPr sz="1800" kern="1200" dirty="0">
+    <a:lvl2pPr marL="457200" algn="l" defTabSz="914400" rtl="0" eaLnBrk="1" latinLnBrk="0" hangingPunct="1">
+      <a:defRPr sz="1800" kern="1200">
         <a:solidFill>
           <a:schemeClr val="tx1"/>
         </a:solidFill>
@@ -35,8 +37,8 @@
         <a:cs typeface="+mn-cs"/>
       </a:defRPr>
     </a:lvl2pPr>
-    <a:lvl3pPr marL="914400" rtl="0" algn="l" defTabSz="914400">
-      <a:defRPr sz="1800" kern="1200" dirty="0">
+    <a:lvl3pPr marL="914400" algn="l" defTabSz="914400" rtl="0" eaLnBrk="1" latinLnBrk="0" hangingPunct="1">
+      <a:defRPr sz="1800" kern="1200">
         <a:solidFill>
           <a:schemeClr val="tx1"/>
         </a:solidFill>
@@ -45,8 +47,8 @@
         <a:cs typeface="+mn-cs"/>
       </a:defRPr>
     </a:lvl3pPr>
-    <a:lvl4pPr marL="1371600" rtl="0" algn="l" defTabSz="914400">
-      <a:defRPr sz="1800" kern="1200" dirty="0">
+    <a:lvl4pPr marL="1371600" algn="l" defTabSz="914400" rtl="0" eaLnBrk="1" latinLnBrk="0" hangingPunct="1">
+      <a:defRPr sz="1800" kern="1200">
         <a:solidFill>
           <a:schemeClr val="tx1"/>
         </a:solidFill>
@@ -55,8 +57,8 @@
         <a:cs typeface="+mn-cs"/>
       </a:defRPr>
     </a:lvl4pPr>
-    <a:lvl5pPr marL="1828800" rtl="0" algn="l" defTabSz="914400">
-      <a:defRPr sz="1800" kern="1200" dirty="0">
+    <a:lvl5pPr marL="1828800" algn="l" defTabSz="914400" rtl="0" eaLnBrk="1" latinLnBrk="0" hangingPunct="1">
+      <a:defRPr sz="1800" kern="1200">
         <a:solidFill>
           <a:schemeClr val="tx1"/>
         </a:solidFill>
@@ -65,8 +67,8 @@
         <a:cs typeface="+mn-cs"/>
       </a:defRPr>
     </a:lvl5pPr>
-    <a:lvl6pPr marL="2286000" rtl="0" algn="l" defTabSz="914400">
-      <a:defRPr sz="1800" kern="1200" dirty="0">
+    <a:lvl6pPr marL="2286000" algn="l" defTabSz="914400" rtl="0" eaLnBrk="1" latinLnBrk="0" hangingPunct="1">
+      <a:defRPr sz="1800" kern="1200">
         <a:solidFill>
           <a:schemeClr val="tx1"/>
         </a:solidFill>
@@ -75,8 +77,8 @@
         <a:cs typeface="+mn-cs"/>
       </a:defRPr>
     </a:lvl6pPr>
-    <a:lvl7pPr marL="2743200" rtl="0" algn="l" defTabSz="914400">
-      <a:defRPr sz="1800" kern="1200" dirty="0">
+    <a:lvl7pPr marL="2743200" algn="l" defTabSz="914400" rtl="0" eaLnBrk="1" latinLnBrk="0" hangingPunct="1">
+      <a:defRPr sz="1800" kern="1200">
         <a:solidFill>
           <a:schemeClr val="tx1"/>
         </a:solidFill>
@@ -85,8 +87,8 @@
         <a:cs typeface="+mn-cs"/>
       </a:defRPr>
     </a:lvl7pPr>
-    <a:lvl8pPr marL="3200400" rtl="0" algn="l" defTabSz="914400">
-      <a:defRPr sz="1800" kern="1200" dirty="0">
+    <a:lvl8pPr marL="3200400" algn="l" defTabSz="914400" rtl="0" eaLnBrk="1" latinLnBrk="0" hangingPunct="1">
+      <a:defRPr sz="1800" kern="1200">
         <a:solidFill>
           <a:schemeClr val="tx1"/>
         </a:solidFill>
@@ -95,8 +97,8 @@
         <a:cs typeface="+mn-cs"/>
       </a:defRPr>
     </a:lvl8pPr>
-    <a:lvl9pPr marL="3657600" rtl="0" algn="l" defTabSz="914400">
-      <a:defRPr sz="1800" kern="1200" dirty="0">
+    <a:lvl9pPr marL="3657600" algn="l" defTabSz="914400" rtl="0" eaLnBrk="1" latinLnBrk="0" hangingPunct="1">
+      <a:defRPr sz="1800" kern="1200">
         <a:solidFill>
           <a:schemeClr val="tx1"/>
         </a:solidFill>
@@ -106,15 +108,1041 @@
       </a:defRPr>
     </a:lvl9pPr>
   </p:defaultTextStyle>
+  <p:extLst>
+    <p:ext uri="{EFAFB233-063F-42B5-8137-9DF3F51BA10A}">
+      <p15:sldGuideLst xmlns:p15="http://schemas.microsoft.com/office/powerpoint/2012/main"/>
+    </p:ext>
+  </p:extLst>
 </p:presentation>
 </file>
 
-<file path=ppt/commentAuthors.xml><?xml version="1.0" encoding="utf-8"?>
-<p:cmAuthorLst xmlns:a="http://schemas.openxmlformats.org/drawingml/2006/main" xmlns:r="http://schemas.openxmlformats.org/officeDocument/2006/relationships" xmlns:p="http://schemas.openxmlformats.org/presentationml/2006/main"/>
+<file path=ppt/charts/chart1.xml><?xml version="1.0" encoding="utf-8"?>
+<c:chartSpace xmlns:c="http://schemas.openxmlformats.org/drawingml/2006/chart" xmlns:a="http://schemas.openxmlformats.org/drawingml/2006/main" xmlns:r="http://schemas.openxmlformats.org/officeDocument/2006/relationships" xmlns:c16r2="http://schemas.microsoft.com/office/drawing/2015/06/chart">
+  <c:date1904 val="0"/>
+  <c:lang val="en-US"/>
+  <c:roundedCorners val="0"/>
+  <mc:AlternateContent xmlns:mc="http://schemas.openxmlformats.org/markup-compatibility/2006">
+    <mc:Choice xmlns:c14="http://schemas.microsoft.com/office/drawing/2007/8/2/chart" Requires="c14">
+      <c14:style val="102"/>
+    </mc:Choice>
+    <mc:Fallback>
+      <c:style val="2"/>
+    </mc:Fallback>
+  </mc:AlternateContent>
+  <c:chart>
+    <c:title>
+      <c:tx>
+        <c:rich>
+          <a:bodyPr rot="0" spcFirstLastPara="1" vertOverflow="ellipsis" vert="horz" wrap="square" anchor="ctr" anchorCtr="1"/>
+          <a:lstStyle/>
+          <a:p>
+            <a:pPr>
+              <a:defRPr sz="1862" b="0" i="0" u="none" strike="noStrike" kern="1200" spc="0" baseline="0">
+                <a:solidFill>
+                  <a:schemeClr val="tx1">
+                    <a:lumMod val="65000"/>
+                    <a:lumOff val="35000"/>
+                  </a:schemeClr>
+                </a:solidFill>
+                <a:latin typeface="+mn-lt"/>
+                <a:ea typeface="+mn-ea"/>
+                <a:cs typeface="+mn-cs"/>
+              </a:defRPr>
+            </a:pPr>
+            <a:r>
+              <a:rPr lang="en-US" dirty="0"/>
+              <a:t>Sales comparison</a:t>
+            </a:r>
+          </a:p>
+        </c:rich>
+      </c:tx>
+      <c:overlay val="0"/>
+      <c:spPr>
+        <a:noFill/>
+        <a:ln>
+          <a:noFill/>
+        </a:ln>
+        <a:effectLst/>
+      </c:spPr>
+      <c:txPr>
+        <a:bodyPr rot="0" spcFirstLastPara="1" vertOverflow="ellipsis" vert="horz" wrap="square" anchor="ctr" anchorCtr="1"/>
+        <a:lstStyle/>
+        <a:p>
+          <a:pPr>
+            <a:defRPr sz="1862" b="0" i="0" u="none" strike="noStrike" kern="1200" spc="0" baseline="0">
+              <a:solidFill>
+                <a:schemeClr val="tx1">
+                  <a:lumMod val="65000"/>
+                  <a:lumOff val="35000"/>
+                </a:schemeClr>
+              </a:solidFill>
+              <a:latin typeface="+mn-lt"/>
+              <a:ea typeface="+mn-ea"/>
+              <a:cs typeface="+mn-cs"/>
+            </a:defRPr>
+          </a:pPr>
+          <a:endParaRPr lang="en-US"/>
+        </a:p>
+      </c:txPr>
+    </c:title>
+    <c:autoTitleDeleted val="0"/>
+    <c:plotArea>
+      <c:layout/>
+      <c:barChart>
+        <c:barDir val="col"/>
+        <c:grouping val="clustered"/>
+        <c:varyColors val="0"/>
+        <c:ser>
+          <c:idx val="0"/>
+          <c:order val="0"/>
+          <c:tx>
+            <c:strRef>
+              <c:f>Sheet1!$B$1</c:f>
+              <c:strCache>
+                <c:ptCount val="1"/>
+                <c:pt idx="0">
+                  <c:v>Series 1</c:v>
+                </c:pt>
+              </c:strCache>
+            </c:strRef>
+          </c:tx>
+          <c:spPr>
+            <a:solidFill>
+              <a:schemeClr val="accent1"/>
+            </a:solidFill>
+            <a:ln>
+              <a:noFill/>
+            </a:ln>
+            <a:effectLst/>
+          </c:spPr>
+          <c:invertIfNegative val="0"/>
+          <c:cat>
+            <c:strRef>
+              <c:f>Sheet1!$A$2:$A$5</c:f>
+              <c:strCache>
+                <c:ptCount val="4"/>
+                <c:pt idx="0">
+                  <c:v>Category 1</c:v>
+                </c:pt>
+                <c:pt idx="1">
+                  <c:v>Category 2</c:v>
+                </c:pt>
+                <c:pt idx="2">
+                  <c:v>Category 3</c:v>
+                </c:pt>
+                <c:pt idx="3">
+                  <c:v>Category 4</c:v>
+                </c:pt>
+              </c:strCache>
+            </c:strRef>
+          </c:cat>
+          <c:val>
+            <c:numRef>
+              <c:f>Sheet1!$B$2:$B$5</c:f>
+              <c:numCache>
+                <c:formatCode>General</c:formatCode>
+                <c:ptCount val="4"/>
+                <c:pt idx="0">
+                  <c:v>4.3</c:v>
+                </c:pt>
+                <c:pt idx="1">
+                  <c:v>2.5</c:v>
+                </c:pt>
+                <c:pt idx="2">
+                  <c:v>3.5</c:v>
+                </c:pt>
+                <c:pt idx="3">
+                  <c:v>4.5</c:v>
+                </c:pt>
+              </c:numCache>
+            </c:numRef>
+          </c:val>
+          <c:extLst>
+            <c:ext xmlns:c16="http://schemas.microsoft.com/office/drawing/2014/chart" uri="{C3380CC4-5D6E-409C-BE32-E72D297353CC}">
+              <c16:uniqueId val="{00000000-AD57-4191-AAF5-BA179257C2BD}"/>
+            </c:ext>
+          </c:extLst>
+        </c:ser>
+        <c:ser>
+          <c:idx val="1"/>
+          <c:order val="1"/>
+          <c:tx>
+            <c:strRef>
+              <c:f>Sheet1!$C$1</c:f>
+              <c:strCache>
+                <c:ptCount val="1"/>
+                <c:pt idx="0">
+                  <c:v>Series 2</c:v>
+                </c:pt>
+              </c:strCache>
+            </c:strRef>
+          </c:tx>
+          <c:spPr>
+            <a:solidFill>
+              <a:schemeClr val="accent2"/>
+            </a:solidFill>
+            <a:ln>
+              <a:noFill/>
+            </a:ln>
+            <a:effectLst/>
+          </c:spPr>
+          <c:invertIfNegative val="0"/>
+          <c:cat>
+            <c:strRef>
+              <c:f>Sheet1!$A$2:$A$5</c:f>
+              <c:strCache>
+                <c:ptCount val="4"/>
+                <c:pt idx="0">
+                  <c:v>Category 1</c:v>
+                </c:pt>
+                <c:pt idx="1">
+                  <c:v>Category 2</c:v>
+                </c:pt>
+                <c:pt idx="2">
+                  <c:v>Category 3</c:v>
+                </c:pt>
+                <c:pt idx="3">
+                  <c:v>Category 4</c:v>
+                </c:pt>
+              </c:strCache>
+            </c:strRef>
+          </c:cat>
+          <c:val>
+            <c:numRef>
+              <c:f>Sheet1!$C$2:$C$5</c:f>
+              <c:numCache>
+                <c:formatCode>General</c:formatCode>
+                <c:ptCount val="4"/>
+                <c:pt idx="0">
+                  <c:v>2.4</c:v>
+                </c:pt>
+                <c:pt idx="1">
+                  <c:v>4.4000000000000004</c:v>
+                </c:pt>
+                <c:pt idx="2">
+                  <c:v>1.8</c:v>
+                </c:pt>
+                <c:pt idx="3">
+                  <c:v>2.8</c:v>
+                </c:pt>
+              </c:numCache>
+            </c:numRef>
+          </c:val>
+          <c:extLst>
+            <c:ext xmlns:c16="http://schemas.microsoft.com/office/drawing/2014/chart" uri="{C3380CC4-5D6E-409C-BE32-E72D297353CC}">
+              <c16:uniqueId val="{00000001-AD57-4191-AAF5-BA179257C2BD}"/>
+            </c:ext>
+          </c:extLst>
+        </c:ser>
+        <c:ser>
+          <c:idx val="2"/>
+          <c:order val="2"/>
+          <c:tx>
+            <c:strRef>
+              <c:f>Sheet1!$D$1</c:f>
+              <c:strCache>
+                <c:ptCount val="1"/>
+                <c:pt idx="0">
+                  <c:v>Series 3</c:v>
+                </c:pt>
+              </c:strCache>
+            </c:strRef>
+          </c:tx>
+          <c:spPr>
+            <a:solidFill>
+              <a:schemeClr val="accent3"/>
+            </a:solidFill>
+            <a:ln>
+              <a:noFill/>
+            </a:ln>
+            <a:effectLst/>
+          </c:spPr>
+          <c:invertIfNegative val="0"/>
+          <c:cat>
+            <c:strRef>
+              <c:f>Sheet1!$A$2:$A$5</c:f>
+              <c:strCache>
+                <c:ptCount val="4"/>
+                <c:pt idx="0">
+                  <c:v>Category 1</c:v>
+                </c:pt>
+                <c:pt idx="1">
+                  <c:v>Category 2</c:v>
+                </c:pt>
+                <c:pt idx="2">
+                  <c:v>Category 3</c:v>
+                </c:pt>
+                <c:pt idx="3">
+                  <c:v>Category 4</c:v>
+                </c:pt>
+              </c:strCache>
+            </c:strRef>
+          </c:cat>
+          <c:val>
+            <c:numRef>
+              <c:f>Sheet1!$D$2:$D$5</c:f>
+              <c:numCache>
+                <c:formatCode>General</c:formatCode>
+                <c:ptCount val="4"/>
+                <c:pt idx="0">
+                  <c:v>2</c:v>
+                </c:pt>
+                <c:pt idx="1">
+                  <c:v>2</c:v>
+                </c:pt>
+                <c:pt idx="2">
+                  <c:v>3</c:v>
+                </c:pt>
+                <c:pt idx="3">
+                  <c:v>5</c:v>
+                </c:pt>
+              </c:numCache>
+            </c:numRef>
+          </c:val>
+          <c:extLst>
+            <c:ext xmlns:c16="http://schemas.microsoft.com/office/drawing/2014/chart" uri="{C3380CC4-5D6E-409C-BE32-E72D297353CC}">
+              <c16:uniqueId val="{00000002-AD57-4191-AAF5-BA179257C2BD}"/>
+            </c:ext>
+          </c:extLst>
+        </c:ser>
+        <c:dLbls>
+          <c:showLegendKey val="0"/>
+          <c:showVal val="0"/>
+          <c:showCatName val="0"/>
+          <c:showSerName val="0"/>
+          <c:showPercent val="0"/>
+          <c:showBubbleSize val="0"/>
+        </c:dLbls>
+        <c:gapWidth val="219"/>
+        <c:overlap val="-27"/>
+        <c:axId val="524599032"/>
+        <c:axId val="524595752"/>
+      </c:barChart>
+      <c:catAx>
+        <c:axId val="524599032"/>
+        <c:scaling>
+          <c:orientation val="minMax"/>
+        </c:scaling>
+        <c:delete val="0"/>
+        <c:axPos val="b"/>
+        <c:numFmt formatCode="General" sourceLinked="1"/>
+        <c:majorTickMark val="none"/>
+        <c:minorTickMark val="none"/>
+        <c:tickLblPos val="nextTo"/>
+        <c:spPr>
+          <a:noFill/>
+          <a:ln w="9525" cap="flat" cmpd="sng" algn="ctr">
+            <a:solidFill>
+              <a:schemeClr val="tx1">
+                <a:lumMod val="15000"/>
+                <a:lumOff val="85000"/>
+              </a:schemeClr>
+            </a:solidFill>
+            <a:round/>
+          </a:ln>
+          <a:effectLst/>
+        </c:spPr>
+        <c:txPr>
+          <a:bodyPr rot="-60000000" spcFirstLastPara="1" vertOverflow="ellipsis" vert="horz" wrap="square" anchor="ctr" anchorCtr="1"/>
+          <a:lstStyle/>
+          <a:p>
+            <a:pPr>
+              <a:defRPr sz="1197" b="0" i="0" u="none" strike="noStrike" kern="1200" baseline="0">
+                <a:solidFill>
+                  <a:schemeClr val="tx1">
+                    <a:lumMod val="65000"/>
+                    <a:lumOff val="35000"/>
+                  </a:schemeClr>
+                </a:solidFill>
+                <a:latin typeface="+mn-lt"/>
+                <a:ea typeface="+mn-ea"/>
+                <a:cs typeface="+mn-cs"/>
+              </a:defRPr>
+            </a:pPr>
+            <a:endParaRPr lang="en-US"/>
+          </a:p>
+        </c:txPr>
+        <c:crossAx val="524595752"/>
+        <c:crosses val="autoZero"/>
+        <c:auto val="1"/>
+        <c:lblAlgn val="ctr"/>
+        <c:lblOffset val="100"/>
+        <c:noMultiLvlLbl val="0"/>
+      </c:catAx>
+      <c:valAx>
+        <c:axId val="524595752"/>
+        <c:scaling>
+          <c:orientation val="minMax"/>
+        </c:scaling>
+        <c:delete val="0"/>
+        <c:axPos val="l"/>
+        <c:majorGridlines>
+          <c:spPr>
+            <a:ln w="9525" cap="flat" cmpd="sng" algn="ctr">
+              <a:solidFill>
+                <a:schemeClr val="tx1">
+                  <a:lumMod val="15000"/>
+                  <a:lumOff val="85000"/>
+                </a:schemeClr>
+              </a:solidFill>
+              <a:round/>
+            </a:ln>
+            <a:effectLst/>
+          </c:spPr>
+        </c:majorGridlines>
+        <c:numFmt formatCode="General" sourceLinked="1"/>
+        <c:majorTickMark val="none"/>
+        <c:minorTickMark val="none"/>
+        <c:tickLblPos val="nextTo"/>
+        <c:spPr>
+          <a:noFill/>
+          <a:ln>
+            <a:noFill/>
+          </a:ln>
+          <a:effectLst/>
+        </c:spPr>
+        <c:txPr>
+          <a:bodyPr rot="-60000000" spcFirstLastPara="1" vertOverflow="ellipsis" vert="horz" wrap="square" anchor="ctr" anchorCtr="1"/>
+          <a:lstStyle/>
+          <a:p>
+            <a:pPr>
+              <a:defRPr sz="1197" b="0" i="0" u="none" strike="noStrike" kern="1200" baseline="0">
+                <a:solidFill>
+                  <a:schemeClr val="tx1">
+                    <a:lumMod val="65000"/>
+                    <a:lumOff val="35000"/>
+                  </a:schemeClr>
+                </a:solidFill>
+                <a:latin typeface="+mn-lt"/>
+                <a:ea typeface="+mn-ea"/>
+                <a:cs typeface="+mn-cs"/>
+              </a:defRPr>
+            </a:pPr>
+            <a:endParaRPr lang="en-US"/>
+          </a:p>
+        </c:txPr>
+        <c:crossAx val="524599032"/>
+        <c:crosses val="autoZero"/>
+        <c:crossBetween val="between"/>
+      </c:valAx>
+      <c:spPr>
+        <a:noFill/>
+        <a:ln>
+          <a:noFill/>
+        </a:ln>
+        <a:effectLst/>
+      </c:spPr>
+    </c:plotArea>
+    <c:legend>
+      <c:legendPos val="b"/>
+      <c:overlay val="0"/>
+      <c:spPr>
+        <a:noFill/>
+        <a:ln>
+          <a:noFill/>
+        </a:ln>
+        <a:effectLst/>
+      </c:spPr>
+      <c:txPr>
+        <a:bodyPr rot="0" spcFirstLastPara="1" vertOverflow="ellipsis" vert="horz" wrap="square" anchor="ctr" anchorCtr="1"/>
+        <a:lstStyle/>
+        <a:p>
+          <a:pPr>
+            <a:defRPr sz="1197" b="0" i="0" u="none" strike="noStrike" kern="1200" baseline="0">
+              <a:solidFill>
+                <a:schemeClr val="tx1">
+                  <a:lumMod val="65000"/>
+                  <a:lumOff val="35000"/>
+                </a:schemeClr>
+              </a:solidFill>
+              <a:latin typeface="+mn-lt"/>
+              <a:ea typeface="+mn-ea"/>
+              <a:cs typeface="+mn-cs"/>
+            </a:defRPr>
+          </a:pPr>
+          <a:endParaRPr lang="en-US"/>
+        </a:p>
+      </c:txPr>
+    </c:legend>
+    <c:plotVisOnly val="1"/>
+    <c:dispBlanksAs val="gap"/>
+    <c:extLst>
+      <c:ext xmlns:c16r3="http://schemas.microsoft.com/office/drawing/2017/03/chart" uri="{56B9EC1D-385E-4148-901F-78D8002777C0}">
+        <c16r3:dataDisplayOptions16>
+          <c16r3:dispNaAsBlank val="1"/>
+        </c16r3:dataDisplayOptions16>
+      </c:ext>
+    </c:extLst>
+    <c:showDLblsOverMax val="0"/>
+  </c:chart>
+  <c:spPr>
+    <a:noFill/>
+    <a:ln>
+      <a:noFill/>
+    </a:ln>
+    <a:effectLst/>
+  </c:spPr>
+  <c:txPr>
+    <a:bodyPr/>
+    <a:lstStyle/>
+    <a:p>
+      <a:pPr>
+        <a:defRPr/>
+      </a:pPr>
+      <a:endParaRPr lang="en-US"/>
+    </a:p>
+  </c:txPr>
+  <c:externalData r:id="rId3">
+    <c:autoUpdate val="0"/>
+  </c:externalData>
+</c:chartSpace>
+</file>
+
+<file path=ppt/charts/colors1.xml><?xml version="1.0" encoding="utf-8"?>
+<cs:colorStyle xmlns:cs="http://schemas.microsoft.com/office/drawing/2012/chartStyle" xmlns:a="http://schemas.openxmlformats.org/drawingml/2006/main" meth="cycle" id="10">
+  <a:schemeClr val="accent1"/>
+  <a:schemeClr val="accent2"/>
+  <a:schemeClr val="accent3"/>
+  <a:schemeClr val="accent4"/>
+  <a:schemeClr val="accent5"/>
+  <a:schemeClr val="accent6"/>
+  <cs:variation/>
+  <cs:variation>
+    <a:lumMod val="60000"/>
+  </cs:variation>
+  <cs:variation>
+    <a:lumMod val="80000"/>
+    <a:lumOff val="20000"/>
+  </cs:variation>
+  <cs:variation>
+    <a:lumMod val="80000"/>
+  </cs:variation>
+  <cs:variation>
+    <a:lumMod val="60000"/>
+    <a:lumOff val="40000"/>
+  </cs:variation>
+  <cs:variation>
+    <a:lumMod val="50000"/>
+  </cs:variation>
+  <cs:variation>
+    <a:lumMod val="70000"/>
+    <a:lumOff val="30000"/>
+  </cs:variation>
+  <cs:variation>
+    <a:lumMod val="70000"/>
+  </cs:variation>
+  <cs:variation>
+    <a:lumMod val="50000"/>
+    <a:lumOff val="50000"/>
+  </cs:variation>
+</cs:colorStyle>
+</file>
+
+<file path=ppt/charts/style1.xml><?xml version="1.0" encoding="utf-8"?>
+<cs:chartStyle xmlns:cs="http://schemas.microsoft.com/office/drawing/2012/chartStyle" xmlns:a="http://schemas.openxmlformats.org/drawingml/2006/main" id="201">
+  <cs:axisTitle>
+    <cs:lnRef idx="0"/>
+    <cs:fillRef idx="0"/>
+    <cs:effectRef idx="0"/>
+    <cs:fontRef idx="minor">
+      <a:schemeClr val="tx1">
+        <a:lumMod val="65000"/>
+        <a:lumOff val="35000"/>
+      </a:schemeClr>
+    </cs:fontRef>
+    <cs:defRPr sz="1330" kern="1200"/>
+  </cs:axisTitle>
+  <cs:categoryAxis>
+    <cs:lnRef idx="0"/>
+    <cs:fillRef idx="0"/>
+    <cs:effectRef idx="0"/>
+    <cs:fontRef idx="minor">
+      <a:schemeClr val="tx1">
+        <a:lumMod val="65000"/>
+        <a:lumOff val="35000"/>
+      </a:schemeClr>
+    </cs:fontRef>
+    <cs:spPr>
+      <a:ln w="9525" cap="flat" cmpd="sng" algn="ctr">
+        <a:solidFill>
+          <a:schemeClr val="tx1">
+            <a:lumMod val="15000"/>
+            <a:lumOff val="85000"/>
+          </a:schemeClr>
+        </a:solidFill>
+        <a:round/>
+      </a:ln>
+    </cs:spPr>
+    <cs:defRPr sz="1197" kern="1200"/>
+  </cs:categoryAxis>
+  <cs:chartArea mods="allowNoFillOverride allowNoLineOverride">
+    <cs:lnRef idx="0"/>
+    <cs:fillRef idx="0"/>
+    <cs:effectRef idx="0"/>
+    <cs:fontRef idx="minor">
+      <a:schemeClr val="tx1"/>
+    </cs:fontRef>
+    <cs:spPr>
+      <a:solidFill>
+        <a:schemeClr val="bg1"/>
+      </a:solidFill>
+      <a:ln w="9525" cap="flat" cmpd="sng" algn="ctr">
+        <a:solidFill>
+          <a:schemeClr val="tx1">
+            <a:lumMod val="15000"/>
+            <a:lumOff val="85000"/>
+          </a:schemeClr>
+        </a:solidFill>
+        <a:round/>
+      </a:ln>
+    </cs:spPr>
+    <cs:defRPr sz="1330" kern="1200"/>
+  </cs:chartArea>
+  <cs:dataLabel>
+    <cs:lnRef idx="0"/>
+    <cs:fillRef idx="0"/>
+    <cs:effectRef idx="0"/>
+    <cs:fontRef idx="minor">
+      <a:schemeClr val="tx1">
+        <a:lumMod val="75000"/>
+        <a:lumOff val="25000"/>
+      </a:schemeClr>
+    </cs:fontRef>
+    <cs:defRPr sz="1197" kern="1200"/>
+  </cs:dataLabel>
+  <cs:dataLabelCallout>
+    <cs:lnRef idx="0"/>
+    <cs:fillRef idx="0"/>
+    <cs:effectRef idx="0"/>
+    <cs:fontRef idx="minor">
+      <a:schemeClr val="dk1">
+        <a:lumMod val="65000"/>
+        <a:lumOff val="35000"/>
+      </a:schemeClr>
+    </cs:fontRef>
+    <cs:spPr>
+      <a:solidFill>
+        <a:schemeClr val="lt1"/>
+      </a:solidFill>
+      <a:ln>
+        <a:solidFill>
+          <a:schemeClr val="dk1">
+            <a:lumMod val="25000"/>
+            <a:lumOff val="75000"/>
+          </a:schemeClr>
+        </a:solidFill>
+      </a:ln>
+    </cs:spPr>
+    <cs:defRPr sz="1197" kern="1200"/>
+    <cs:bodyPr rot="0" spcFirstLastPara="1" vertOverflow="clip" horzOverflow="clip" vert="horz" wrap="square" lIns="36576" tIns="18288" rIns="36576" bIns="18288" anchor="ctr" anchorCtr="1">
+      <a:spAutoFit/>
+    </cs:bodyPr>
+  </cs:dataLabelCallout>
+  <cs:dataPoint>
+    <cs:lnRef idx="0"/>
+    <cs:fillRef idx="1">
+      <cs:styleClr val="auto"/>
+    </cs:fillRef>
+    <cs:effectRef idx="0"/>
+    <cs:fontRef idx="minor">
+      <a:schemeClr val="tx1"/>
+    </cs:fontRef>
+  </cs:dataPoint>
+  <cs:dataPoint3D>
+    <cs:lnRef idx="0"/>
+    <cs:fillRef idx="1">
+      <cs:styleClr val="auto"/>
+    </cs:fillRef>
+    <cs:effectRef idx="0"/>
+    <cs:fontRef idx="minor">
+      <a:schemeClr val="tx1"/>
+    </cs:fontRef>
+  </cs:dataPoint3D>
+  <cs:dataPointLine>
+    <cs:lnRef idx="0">
+      <cs:styleClr val="auto"/>
+    </cs:lnRef>
+    <cs:fillRef idx="1"/>
+    <cs:effectRef idx="0"/>
+    <cs:fontRef idx="minor">
+      <a:schemeClr val="tx1"/>
+    </cs:fontRef>
+    <cs:spPr>
+      <a:ln w="28575" cap="rnd">
+        <a:solidFill>
+          <a:schemeClr val="phClr"/>
+        </a:solidFill>
+        <a:round/>
+      </a:ln>
+    </cs:spPr>
+  </cs:dataPointLine>
+  <cs:dataPointMarker>
+    <cs:lnRef idx="0">
+      <cs:styleClr val="auto"/>
+    </cs:lnRef>
+    <cs:fillRef idx="1">
+      <cs:styleClr val="auto"/>
+    </cs:fillRef>
+    <cs:effectRef idx="0"/>
+    <cs:fontRef idx="minor">
+      <a:schemeClr val="tx1"/>
+    </cs:fontRef>
+    <cs:spPr>
+      <a:ln w="9525">
+        <a:solidFill>
+          <a:schemeClr val="phClr"/>
+        </a:solidFill>
+      </a:ln>
+    </cs:spPr>
+  </cs:dataPointMarker>
+  <cs:dataPointMarkerLayout symbol="circle" size="5"/>
+  <cs:dataPointWireframe>
+    <cs:lnRef idx="0">
+      <cs:styleClr val="auto"/>
+    </cs:lnRef>
+    <cs:fillRef idx="1"/>
+    <cs:effectRef idx="0"/>
+    <cs:fontRef idx="minor">
+      <a:schemeClr val="tx1"/>
+    </cs:fontRef>
+    <cs:spPr>
+      <a:ln w="9525" cap="rnd">
+        <a:solidFill>
+          <a:schemeClr val="phClr"/>
+        </a:solidFill>
+        <a:round/>
+      </a:ln>
+    </cs:spPr>
+  </cs:dataPointWireframe>
+  <cs:dataTable>
+    <cs:lnRef idx="0"/>
+    <cs:fillRef idx="0"/>
+    <cs:effectRef idx="0"/>
+    <cs:fontRef idx="minor">
+      <a:schemeClr val="tx1">
+        <a:lumMod val="65000"/>
+        <a:lumOff val="35000"/>
+      </a:schemeClr>
+    </cs:fontRef>
+    <cs:spPr>
+      <a:noFill/>
+      <a:ln w="9525" cap="flat" cmpd="sng" algn="ctr">
+        <a:solidFill>
+          <a:schemeClr val="tx1">
+            <a:lumMod val="15000"/>
+            <a:lumOff val="85000"/>
+          </a:schemeClr>
+        </a:solidFill>
+        <a:round/>
+      </a:ln>
+    </cs:spPr>
+    <cs:defRPr sz="1197" kern="1200"/>
+  </cs:dataTable>
+  <cs:downBar>
+    <cs:lnRef idx="0"/>
+    <cs:fillRef idx="0"/>
+    <cs:effectRef idx="0"/>
+    <cs:fontRef idx="minor">
+      <a:schemeClr val="dk1"/>
+    </cs:fontRef>
+    <cs:spPr>
+      <a:solidFill>
+        <a:schemeClr val="dk1">
+          <a:lumMod val="65000"/>
+          <a:lumOff val="35000"/>
+        </a:schemeClr>
+      </a:solidFill>
+      <a:ln w="9525">
+        <a:solidFill>
+          <a:schemeClr val="tx1">
+            <a:lumMod val="65000"/>
+            <a:lumOff val="35000"/>
+          </a:schemeClr>
+        </a:solidFill>
+      </a:ln>
+    </cs:spPr>
+  </cs:downBar>
+  <cs:dropLine>
+    <cs:lnRef idx="0"/>
+    <cs:fillRef idx="0"/>
+    <cs:effectRef idx="0"/>
+    <cs:fontRef idx="minor">
+      <a:schemeClr val="tx1"/>
+    </cs:fontRef>
+    <cs:spPr>
+      <a:ln w="9525" cap="flat" cmpd="sng" algn="ctr">
+        <a:solidFill>
+          <a:schemeClr val="tx1">
+            <a:lumMod val="35000"/>
+            <a:lumOff val="65000"/>
+          </a:schemeClr>
+        </a:solidFill>
+        <a:round/>
+      </a:ln>
+    </cs:spPr>
+  </cs:dropLine>
+  <cs:errorBar>
+    <cs:lnRef idx="0"/>
+    <cs:fillRef idx="0"/>
+    <cs:effectRef idx="0"/>
+    <cs:fontRef idx="minor">
+      <a:schemeClr val="tx1"/>
+    </cs:fontRef>
+    <cs:spPr>
+      <a:ln w="9525" cap="flat" cmpd="sng" algn="ctr">
+        <a:solidFill>
+          <a:schemeClr val="tx1">
+            <a:lumMod val="65000"/>
+            <a:lumOff val="35000"/>
+          </a:schemeClr>
+        </a:solidFill>
+        <a:round/>
+      </a:ln>
+    </cs:spPr>
+  </cs:errorBar>
+  <cs:floor>
+    <cs:lnRef idx="0"/>
+    <cs:fillRef idx="0"/>
+    <cs:effectRef idx="0"/>
+    <cs:fontRef idx="minor">
+      <a:schemeClr val="tx1"/>
+    </cs:fontRef>
+    <cs:spPr>
+      <a:noFill/>
+      <a:ln>
+        <a:noFill/>
+      </a:ln>
+    </cs:spPr>
+  </cs:floor>
+  <cs:gridlineMajor>
+    <cs:lnRef idx="0"/>
+    <cs:fillRef idx="0"/>
+    <cs:effectRef idx="0"/>
+    <cs:fontRef idx="minor">
+      <a:schemeClr val="tx1"/>
+    </cs:fontRef>
+    <cs:spPr>
+      <a:ln w="9525" cap="flat" cmpd="sng" algn="ctr">
+        <a:solidFill>
+          <a:schemeClr val="tx1">
+            <a:lumMod val="15000"/>
+            <a:lumOff val="85000"/>
+          </a:schemeClr>
+        </a:solidFill>
+        <a:round/>
+      </a:ln>
+    </cs:spPr>
+  </cs:gridlineMajor>
+  <cs:gridlineMinor>
+    <cs:lnRef idx="0"/>
+    <cs:fillRef idx="0"/>
+    <cs:effectRef idx="0"/>
+    <cs:fontRef idx="minor">
+      <a:schemeClr val="tx1"/>
+    </cs:fontRef>
+    <cs:spPr>
+      <a:ln w="9525" cap="flat" cmpd="sng" algn="ctr">
+        <a:solidFill>
+          <a:schemeClr val="tx1">
+            <a:lumMod val="5000"/>
+            <a:lumOff val="95000"/>
+          </a:schemeClr>
+        </a:solidFill>
+        <a:round/>
+      </a:ln>
+    </cs:spPr>
+  </cs:gridlineMinor>
+  <cs:hiLoLine>
+    <cs:lnRef idx="0"/>
+    <cs:fillRef idx="0"/>
+    <cs:effectRef idx="0"/>
+    <cs:fontRef idx="minor">
+      <a:schemeClr val="tx1"/>
+    </cs:fontRef>
+    <cs:spPr>
+      <a:ln w="9525" cap="flat" cmpd="sng" algn="ctr">
+        <a:solidFill>
+          <a:schemeClr val="tx1">
+            <a:lumMod val="75000"/>
+            <a:lumOff val="25000"/>
+          </a:schemeClr>
+        </a:solidFill>
+        <a:round/>
+      </a:ln>
+    </cs:spPr>
+  </cs:hiLoLine>
+  <cs:leaderLine>
+    <cs:lnRef idx="0"/>
+    <cs:fillRef idx="0"/>
+    <cs:effectRef idx="0"/>
+    <cs:fontRef idx="minor">
+      <a:schemeClr val="tx1"/>
+    </cs:fontRef>
+    <cs:spPr>
+      <a:ln w="9525" cap="flat" cmpd="sng" algn="ctr">
+        <a:solidFill>
+          <a:schemeClr val="tx1">
+            <a:lumMod val="35000"/>
+            <a:lumOff val="65000"/>
+          </a:schemeClr>
+        </a:solidFill>
+        <a:round/>
+      </a:ln>
+    </cs:spPr>
+  </cs:leaderLine>
+  <cs:legend>
+    <cs:lnRef idx="0"/>
+    <cs:fillRef idx="0"/>
+    <cs:effectRef idx="0"/>
+    <cs:fontRef idx="minor">
+      <a:schemeClr val="tx1">
+        <a:lumMod val="65000"/>
+        <a:lumOff val="35000"/>
+      </a:schemeClr>
+    </cs:fontRef>
+    <cs:defRPr sz="1197" kern="1200"/>
+  </cs:legend>
+  <cs:plotArea mods="allowNoFillOverride allowNoLineOverride">
+    <cs:lnRef idx="0"/>
+    <cs:fillRef idx="0"/>
+    <cs:effectRef idx="0"/>
+    <cs:fontRef idx="minor">
+      <a:schemeClr val="tx1"/>
+    </cs:fontRef>
+  </cs:plotArea>
+  <cs:plotArea3D mods="allowNoFillOverride allowNoLineOverride">
+    <cs:lnRef idx="0"/>
+    <cs:fillRef idx="0"/>
+    <cs:effectRef idx="0"/>
+    <cs:fontRef idx="minor">
+      <a:schemeClr val="tx1"/>
+    </cs:fontRef>
+  </cs:plotArea3D>
+  <cs:seriesAxis>
+    <cs:lnRef idx="0"/>
+    <cs:fillRef idx="0"/>
+    <cs:effectRef idx="0"/>
+    <cs:fontRef idx="minor">
+      <a:schemeClr val="tx1">
+        <a:lumMod val="65000"/>
+        <a:lumOff val="35000"/>
+      </a:schemeClr>
+    </cs:fontRef>
+    <cs:defRPr sz="1197" kern="1200"/>
+  </cs:seriesAxis>
+  <cs:seriesLine>
+    <cs:lnRef idx="0"/>
+    <cs:fillRef idx="0"/>
+    <cs:effectRef idx="0"/>
+    <cs:fontRef idx="minor">
+      <a:schemeClr val="tx1"/>
+    </cs:fontRef>
+    <cs:spPr>
+      <a:ln w="9525" cap="flat" cmpd="sng" algn="ctr">
+        <a:solidFill>
+          <a:schemeClr val="tx1">
+            <a:lumMod val="35000"/>
+            <a:lumOff val="65000"/>
+          </a:schemeClr>
+        </a:solidFill>
+        <a:round/>
+      </a:ln>
+    </cs:spPr>
+  </cs:seriesLine>
+  <cs:title>
+    <cs:lnRef idx="0"/>
+    <cs:fillRef idx="0"/>
+    <cs:effectRef idx="0"/>
+    <cs:fontRef idx="minor">
+      <a:schemeClr val="tx1">
+        <a:lumMod val="65000"/>
+        <a:lumOff val="35000"/>
+      </a:schemeClr>
+    </cs:fontRef>
+    <cs:defRPr sz="1862" b="0" kern="1200" spc="0" baseline="0"/>
+  </cs:title>
+  <cs:trendline>
+    <cs:lnRef idx="0">
+      <cs:styleClr val="auto"/>
+    </cs:lnRef>
+    <cs:fillRef idx="0"/>
+    <cs:effectRef idx="0"/>
+    <cs:fontRef idx="minor">
+      <a:schemeClr val="tx1"/>
+    </cs:fontRef>
+    <cs:spPr>
+      <a:ln w="19050" cap="rnd">
+        <a:solidFill>
+          <a:schemeClr val="phClr"/>
+        </a:solidFill>
+        <a:prstDash val="sysDot"/>
+      </a:ln>
+    </cs:spPr>
+  </cs:trendline>
+  <cs:trendlineLabel>
+    <cs:lnRef idx="0"/>
+    <cs:fillRef idx="0"/>
+    <cs:effectRef idx="0"/>
+    <cs:fontRef idx="minor">
+      <a:schemeClr val="tx1">
+        <a:lumMod val="65000"/>
+        <a:lumOff val="35000"/>
+      </a:schemeClr>
+    </cs:fontRef>
+    <cs:defRPr sz="1197" kern="1200"/>
+  </cs:trendlineLabel>
+  <cs:upBar>
+    <cs:lnRef idx="0"/>
+    <cs:fillRef idx="0"/>
+    <cs:effectRef idx="0"/>
+    <cs:fontRef idx="minor">
+      <a:schemeClr val="dk1"/>
+    </cs:fontRef>
+    <cs:spPr>
+      <a:solidFill>
+        <a:schemeClr val="lt1"/>
+      </a:solidFill>
+      <a:ln w="9525">
+        <a:solidFill>
+          <a:schemeClr val="tx1">
+            <a:lumMod val="15000"/>
+            <a:lumOff val="85000"/>
+          </a:schemeClr>
+        </a:solidFill>
+      </a:ln>
+    </cs:spPr>
+  </cs:upBar>
+  <cs:valueAxis>
+    <cs:lnRef idx="0"/>
+    <cs:fillRef idx="0"/>
+    <cs:effectRef idx="0"/>
+    <cs:fontRef idx="minor">
+      <a:schemeClr val="tx1">
+        <a:lumMod val="65000"/>
+        <a:lumOff val="35000"/>
+      </a:schemeClr>
+    </cs:fontRef>
+    <cs:defRPr sz="1197" kern="1200"/>
+  </cs:valueAxis>
+  <cs:wall>
+    <cs:lnRef idx="0"/>
+    <cs:fillRef idx="0"/>
+    <cs:effectRef idx="0"/>
+    <cs:fontRef idx="minor">
+      <a:schemeClr val="tx1"/>
+    </cs:fontRef>
+    <cs:spPr>
+      <a:noFill/>
+      <a:ln>
+        <a:noFill/>
+      </a:ln>
+    </cs:spPr>
+  </cs:wall>
+</cs:chartStyle>
 </file>
 
 <file path=ppt/slideLayouts/slideLayout1.xml><?xml version="1.0" encoding="utf-8"?>
-<p:sldLayout xmlns:a="http://schemas.openxmlformats.org/drawingml/2006/main" xmlns:r="http://schemas.openxmlformats.org/officeDocument/2006/relationships" xmlns:p="http://schemas.openxmlformats.org/presentationml/2006/main">
+<p:sldLayout xmlns:a="http://schemas.openxmlformats.org/drawingml/2006/main" xmlns:r="http://schemas.openxmlformats.org/officeDocument/2006/relationships" xmlns:p="http://schemas.openxmlformats.org/presentationml/2006/main" type="title" preserve="1">
   <p:cSld name="Title Slide">
     <p:spTree>
       <p:nvGrpSpPr>
@@ -132,7 +1160,13 @@
       </p:grpSpPr>
       <p:sp>
         <p:nvSpPr>
-          <p:cNvPr id="2" name="Title 1"/>
+          <p:cNvPr id="2" name="Title 1">
+            <a:extLst>
+              <a:ext uri="{FF2B5EF4-FFF2-40B4-BE49-F238E27FC236}">
+                <a16:creationId xmlns:a16="http://schemas.microsoft.com/office/drawing/2014/main" id="{95388092-E867-4E68-9886-B0205E2A27D0}"/>
+              </a:ext>
+            </a:extLst>
+          </p:cNvPr>
           <p:cNvSpPr>
             <a:spLocks noGrp="1"/>
           </p:cNvSpPr>
@@ -140,27 +1174,22 @@
             <p:ph type="ctrTitle"/>
           </p:nvPr>
         </p:nvSpPr>
-        <p:spPr bwMode="white">
+        <p:spPr>
           <a:xfrm>
             <a:off x="1524000" y="1122363"/>
             <a:ext cx="9144000" cy="2387600"/>
           </a:xfrm>
-          <a:ln>
-            <a:headEnd type="none"/>
-            <a:tailEnd type="none"/>
-          </a:ln>
         </p:spPr>
         <p:txBody>
-          <a:bodyPr anchor="b" wrap="square"/>
+          <a:bodyPr anchor="b"/>
           <a:lstStyle>
             <a:lvl1pPr algn="ctr">
-              <a:defRPr sz="6000" dirty="0"/>
+              <a:defRPr sz="6000"/>
             </a:lvl1pPr>
           </a:lstStyle>
           <a:p>
-            <a:pPr/>
-            <a:r>
-              <a:rPr lang="en-US" dirty="0"/>
+            <a:r>
+              <a:rPr lang="en-US"/>
               <a:t>Click to edit Master title style</a:t>
             </a:r>
           </a:p>
@@ -168,7 +1197,13 @@
       </p:sp>
       <p:sp>
         <p:nvSpPr>
-          <p:cNvPr id="3" name="Subtitle 2"/>
+          <p:cNvPr id="3" name="Subtitle 2">
+            <a:extLst>
+              <a:ext uri="{FF2B5EF4-FFF2-40B4-BE49-F238E27FC236}">
+                <a16:creationId xmlns:a16="http://schemas.microsoft.com/office/drawing/2014/main" id="{28A09C4B-0CC4-4993-9D0F-D27A49D730DD}"/>
+              </a:ext>
+            </a:extLst>
+          </p:cNvPr>
           <p:cNvSpPr>
             <a:spLocks noGrp="1"/>
           </p:cNvSpPr>
@@ -176,60 +1211,55 @@
             <p:ph type="subTitle" idx="1"/>
           </p:nvPr>
         </p:nvSpPr>
-        <p:spPr bwMode="white">
+        <p:spPr>
           <a:xfrm>
             <a:off x="1524000" y="3602038"/>
             <a:ext cx="9144000" cy="1655762"/>
           </a:xfrm>
-          <a:ln>
-            <a:headEnd type="none"/>
-            <a:tailEnd type="none"/>
-          </a:ln>
         </p:spPr>
         <p:txBody>
-          <a:bodyPr wrap="square"/>
+          <a:bodyPr/>
           <a:lstStyle>
             <a:lvl1pPr marL="0" indent="0" algn="ctr">
               <a:buNone/>
-              <a:defRPr sz="2400" dirty="0"/>
+              <a:defRPr sz="2400"/>
             </a:lvl1pPr>
             <a:lvl2pPr marL="457200" indent="0" algn="ctr">
               <a:buNone/>
-              <a:defRPr sz="2000" dirty="0"/>
+              <a:defRPr sz="2000"/>
             </a:lvl2pPr>
             <a:lvl3pPr marL="914400" indent="0" algn="ctr">
               <a:buNone/>
-              <a:defRPr sz="1800" dirty="0"/>
+              <a:defRPr sz="1800"/>
             </a:lvl3pPr>
             <a:lvl4pPr marL="1371600" indent="0" algn="ctr">
               <a:buNone/>
-              <a:defRPr sz="1600" dirty="0"/>
+              <a:defRPr sz="1600"/>
             </a:lvl4pPr>
             <a:lvl5pPr marL="1828800" indent="0" algn="ctr">
               <a:buNone/>
-              <a:defRPr sz="1600" dirty="0"/>
+              <a:defRPr sz="1600"/>
             </a:lvl5pPr>
             <a:lvl6pPr marL="2286000" indent="0" algn="ctr">
               <a:buNone/>
-              <a:defRPr sz="1600" dirty="0"/>
+              <a:defRPr sz="1600"/>
             </a:lvl6pPr>
             <a:lvl7pPr marL="2743200" indent="0" algn="ctr">
               <a:buNone/>
-              <a:defRPr sz="1600" dirty="0"/>
+              <a:defRPr sz="1600"/>
             </a:lvl7pPr>
             <a:lvl8pPr marL="3200400" indent="0" algn="ctr">
               <a:buNone/>
-              <a:defRPr sz="1600" dirty="0"/>
+              <a:defRPr sz="1600"/>
             </a:lvl8pPr>
             <a:lvl9pPr marL="3657600" indent="0" algn="ctr">
               <a:buNone/>
-              <a:defRPr sz="1600" dirty="0"/>
+              <a:defRPr sz="1600"/>
             </a:lvl9pPr>
           </a:lstStyle>
           <a:p>
-            <a:pPr/>
-            <a:r>
-              <a:rPr lang="en-US" dirty="0"/>
+            <a:r>
+              <a:rPr lang="en-US"/>
               <a:t>Click to edit Master subtitle style</a:t>
             </a:r>
           </a:p>
@@ -237,7 +1267,13 @@
       </p:sp>
       <p:sp>
         <p:nvSpPr>
-          <p:cNvPr id="4" name="Date Placeholder 3"/>
+          <p:cNvPr id="4" name="Date Placeholder 3">
+            <a:extLst>
+              <a:ext uri="{FF2B5EF4-FFF2-40B4-BE49-F238E27FC236}">
+                <a16:creationId xmlns:a16="http://schemas.microsoft.com/office/drawing/2014/main" id="{78D9D6B2-3203-48A7-85C0-06852B52786A}"/>
+              </a:ext>
+            </a:extLst>
+          </p:cNvPr>
           <p:cNvSpPr>
             <a:spLocks noGrp="1"/>
           </p:cNvSpPr>
@@ -245,28 +1281,28 @@
             <p:ph type="dt" sz="half" idx="10"/>
           </p:nvPr>
         </p:nvSpPr>
-        <p:spPr bwMode="white">
-          <a:ln>
-            <a:headEnd type="none"/>
-            <a:tailEnd type="none"/>
-          </a:ln>
-        </p:spPr>
+        <p:spPr/>
         <p:txBody>
-          <a:bodyPr wrap="square"/>
+          <a:bodyPr/>
           <a:lstStyle/>
           <a:p>
-            <a:pPr/>
             <a:fld id="{5455A7CF-DB6C-4325-93B5-8C3F06D80356}" type="datetimeFigureOut">
-              <a:rPr lang="en-US" dirty="0"/>
-              <a:t>25-Nov-22</a:t>
+              <a:rPr lang="en-US" smtClean="0"/>
+              <a:t>12/17/2024</a:t>
             </a:fld>
-            <a:endParaRPr lang="en-US" dirty="0"/>
+            <a:endParaRPr lang="en-US"/>
           </a:p>
         </p:txBody>
       </p:sp>
       <p:sp>
         <p:nvSpPr>
-          <p:cNvPr id="5" name="Footer Placeholder 4"/>
+          <p:cNvPr id="5" name="Footer Placeholder 4">
+            <a:extLst>
+              <a:ext uri="{FF2B5EF4-FFF2-40B4-BE49-F238E27FC236}">
+                <a16:creationId xmlns:a16="http://schemas.microsoft.com/office/drawing/2014/main" id="{A8B66A1C-EA7F-4E6F-ABAD-D25AF2A5DC93}"/>
+              </a:ext>
+            </a:extLst>
+          </p:cNvPr>
           <p:cNvSpPr>
             <a:spLocks noGrp="1"/>
           </p:cNvSpPr>
@@ -274,24 +1310,24 @@
             <p:ph type="ftr" sz="quarter" idx="11"/>
           </p:nvPr>
         </p:nvSpPr>
-        <p:spPr bwMode="white">
-          <a:ln>
-            <a:headEnd type="none"/>
-            <a:tailEnd type="none"/>
-          </a:ln>
-        </p:spPr>
+        <p:spPr/>
         <p:txBody>
-          <a:bodyPr wrap="square"/>
+          <a:bodyPr/>
           <a:lstStyle/>
           <a:p>
-            <a:pPr/>
-            <a:endParaRPr lang="en-US" dirty="0"/>
+            <a:endParaRPr lang="en-US"/>
           </a:p>
         </p:txBody>
       </p:sp>
       <p:sp>
         <p:nvSpPr>
-          <p:cNvPr id="6" name="Slide Number Placeholder 5"/>
+          <p:cNvPr id="6" name="Slide Number Placeholder 5">
+            <a:extLst>
+              <a:ext uri="{FF2B5EF4-FFF2-40B4-BE49-F238E27FC236}">
+                <a16:creationId xmlns:a16="http://schemas.microsoft.com/office/drawing/2014/main" id="{A5CB37CF-1A86-42A3-A07C-D2DA7880CA4C}"/>
+              </a:ext>
+            </a:extLst>
+          </p:cNvPr>
           <p:cNvSpPr>
             <a:spLocks noGrp="1"/>
           </p:cNvSpPr>
@@ -299,26 +1335,25 @@
             <p:ph type="sldNum" sz="quarter" idx="12"/>
           </p:nvPr>
         </p:nvSpPr>
-        <p:spPr bwMode="white">
-          <a:ln>
-            <a:headEnd type="none"/>
-            <a:tailEnd type="none"/>
-          </a:ln>
-        </p:spPr>
+        <p:spPr/>
         <p:txBody>
-          <a:bodyPr wrap="square"/>
+          <a:bodyPr/>
           <a:lstStyle/>
           <a:p>
-            <a:pPr/>
             <a:fld id="{24E76E65-7777-4C32-B153-6028045D6BD3}" type="slidenum">
-              <a:rPr lang="en-US" dirty="0"/>
+              <a:rPr lang="en-US" smtClean="0"/>
               <a:t>‹#›</a:t>
             </a:fld>
-            <a:endParaRPr lang="en-US" dirty="0"/>
+            <a:endParaRPr lang="en-US"/>
           </a:p>
         </p:txBody>
       </p:sp>
     </p:spTree>
+    <p:extLst>
+      <p:ext uri="{BB962C8B-B14F-4D97-AF65-F5344CB8AC3E}">
+        <p14:creationId xmlns:p14="http://schemas.microsoft.com/office/powerpoint/2010/main" val="987980493"/>
+      </p:ext>
+    </p:extLst>
   </p:cSld>
   <p:clrMapOvr>
     <a:masterClrMapping/>
@@ -327,7 +1362,7 @@
 </file>
 
 <file path=ppt/slideLayouts/slideLayout10.xml><?xml version="1.0" encoding="utf-8"?>
-<p:sldLayout xmlns:a="http://schemas.openxmlformats.org/drawingml/2006/main" xmlns:r="http://schemas.openxmlformats.org/officeDocument/2006/relationships" xmlns:p="http://schemas.openxmlformats.org/presentationml/2006/main">
+<p:sldLayout xmlns:a="http://schemas.openxmlformats.org/drawingml/2006/main" xmlns:r="http://schemas.openxmlformats.org/officeDocument/2006/relationships" xmlns:p="http://schemas.openxmlformats.org/presentationml/2006/main" type="vertTx" preserve="1">
   <p:cSld name="Title and Vertical Text">
     <p:spTree>
       <p:nvGrpSpPr>
@@ -345,7 +1380,13 @@
       </p:grpSpPr>
       <p:sp>
         <p:nvSpPr>
-          <p:cNvPr id="2" name="Title 1"/>
+          <p:cNvPr id="2" name="Title 1">
+            <a:extLst>
+              <a:ext uri="{FF2B5EF4-FFF2-40B4-BE49-F238E27FC236}">
+                <a16:creationId xmlns:a16="http://schemas.microsoft.com/office/drawing/2014/main" id="{47514EA1-58E4-42A7-8DCA-725AFB10B7F9}"/>
+              </a:ext>
+            </a:extLst>
+          </p:cNvPr>
           <p:cNvSpPr>
             <a:spLocks noGrp="1"/>
           </p:cNvSpPr>
@@ -353,19 +1394,13 @@
             <p:ph type="title"/>
           </p:nvPr>
         </p:nvSpPr>
-        <p:spPr bwMode="white">
-          <a:ln>
-            <a:headEnd type="none"/>
-            <a:tailEnd type="none"/>
-          </a:ln>
-        </p:spPr>
+        <p:spPr/>
         <p:txBody>
-          <a:bodyPr wrap="square"/>
+          <a:bodyPr/>
           <a:lstStyle/>
           <a:p>
-            <a:pPr/>
-            <a:r>
-              <a:rPr lang="en-US" dirty="0"/>
+            <a:r>
+              <a:rPr lang="en-US"/>
               <a:t>Click to edit Master title style</a:t>
             </a:r>
           </a:p>
@@ -373,7 +1408,13 @@
       </p:sp>
       <p:sp>
         <p:nvSpPr>
-          <p:cNvPr id="3" name="Vertical Text Placeholder 2"/>
+          <p:cNvPr id="3" name="Vertical Text Placeholder 2">
+            <a:extLst>
+              <a:ext uri="{FF2B5EF4-FFF2-40B4-BE49-F238E27FC236}">
+                <a16:creationId xmlns:a16="http://schemas.microsoft.com/office/drawing/2014/main" id="{FF60006E-D4B9-44A0-A059-EBC6CC39ACB9}"/>
+              </a:ext>
+            </a:extLst>
+          </p:cNvPr>
           <p:cNvSpPr>
             <a:spLocks noGrp="1"/>
           </p:cNvSpPr>
@@ -381,47 +1422,42 @@
             <p:ph type="body" orient="vert" idx="1"/>
           </p:nvPr>
         </p:nvSpPr>
-        <p:spPr bwMode="white">
-          <a:ln>
-            <a:headEnd type="none"/>
-            <a:tailEnd type="none"/>
-          </a:ln>
-        </p:spPr>
+        <p:spPr/>
         <p:txBody>
-          <a:bodyPr vert="eaVert" wrap="square"/>
+          <a:bodyPr vert="eaVert"/>
           <a:lstStyle/>
           <a:p>
-            <a:pPr/>
-            <a:r>
-              <a:rPr lang="en-US" dirty="0"/>
+            <a:pPr lvl="0"/>
+            <a:r>
+              <a:rPr lang="en-US"/>
               <a:t>Edit Master text styles</a:t>
             </a:r>
           </a:p>
           <a:p>
             <a:pPr lvl="1"/>
             <a:r>
-              <a:rPr lang="en-US" dirty="0"/>
+              <a:rPr lang="en-US"/>
               <a:t>Second level</a:t>
             </a:r>
           </a:p>
           <a:p>
             <a:pPr lvl="2"/>
             <a:r>
-              <a:rPr lang="en-US" dirty="0"/>
+              <a:rPr lang="en-US"/>
               <a:t>Third level</a:t>
             </a:r>
           </a:p>
           <a:p>
             <a:pPr lvl="3"/>
             <a:r>
-              <a:rPr lang="en-US" dirty="0"/>
+              <a:rPr lang="en-US"/>
               <a:t>Fourth level</a:t>
             </a:r>
           </a:p>
           <a:p>
             <a:pPr lvl="4"/>
             <a:r>
-              <a:rPr lang="en-US" dirty="0"/>
+              <a:rPr lang="en-US"/>
               <a:t>Fifth level</a:t>
             </a:r>
           </a:p>
@@ -429,7 +1465,13 @@
       </p:sp>
       <p:sp>
         <p:nvSpPr>
-          <p:cNvPr id="4" name="Date Placeholder 3"/>
+          <p:cNvPr id="4" name="Date Placeholder 3">
+            <a:extLst>
+              <a:ext uri="{FF2B5EF4-FFF2-40B4-BE49-F238E27FC236}">
+                <a16:creationId xmlns:a16="http://schemas.microsoft.com/office/drawing/2014/main" id="{DE3CE83F-AD46-425B-A854-996B54ABE788}"/>
+              </a:ext>
+            </a:extLst>
+          </p:cNvPr>
           <p:cNvSpPr>
             <a:spLocks noGrp="1"/>
           </p:cNvSpPr>
@@ -437,28 +1479,28 @@
             <p:ph type="dt" sz="half" idx="10"/>
           </p:nvPr>
         </p:nvSpPr>
-        <p:spPr bwMode="white">
-          <a:ln>
-            <a:headEnd type="none"/>
-            <a:tailEnd type="none"/>
-          </a:ln>
-        </p:spPr>
+        <p:spPr/>
         <p:txBody>
-          <a:bodyPr wrap="square"/>
+          <a:bodyPr/>
           <a:lstStyle/>
           <a:p>
-            <a:pPr/>
             <a:fld id="{5455A7CF-DB6C-4325-93B5-8C3F06D80356}" type="datetimeFigureOut">
-              <a:rPr lang="en-US" dirty="0"/>
-              <a:t>25-Nov-22</a:t>
+              <a:rPr lang="en-US" smtClean="0"/>
+              <a:t>12/17/2024</a:t>
             </a:fld>
-            <a:endParaRPr lang="en-US" dirty="0"/>
+            <a:endParaRPr lang="en-US"/>
           </a:p>
         </p:txBody>
       </p:sp>
       <p:sp>
         <p:nvSpPr>
-          <p:cNvPr id="5" name="Footer Placeholder 4"/>
+          <p:cNvPr id="5" name="Footer Placeholder 4">
+            <a:extLst>
+              <a:ext uri="{FF2B5EF4-FFF2-40B4-BE49-F238E27FC236}">
+                <a16:creationId xmlns:a16="http://schemas.microsoft.com/office/drawing/2014/main" id="{A257BED7-15D0-4FA7-999F-F2D1804AD760}"/>
+              </a:ext>
+            </a:extLst>
+          </p:cNvPr>
           <p:cNvSpPr>
             <a:spLocks noGrp="1"/>
           </p:cNvSpPr>
@@ -466,24 +1508,24 @@
             <p:ph type="ftr" sz="quarter" idx="11"/>
           </p:nvPr>
         </p:nvSpPr>
-        <p:spPr bwMode="white">
-          <a:ln>
-            <a:headEnd type="none"/>
-            <a:tailEnd type="none"/>
-          </a:ln>
-        </p:spPr>
+        <p:spPr/>
         <p:txBody>
-          <a:bodyPr wrap="square"/>
+          <a:bodyPr/>
           <a:lstStyle/>
           <a:p>
-            <a:pPr/>
-            <a:endParaRPr lang="en-US" dirty="0"/>
+            <a:endParaRPr lang="en-US"/>
           </a:p>
         </p:txBody>
       </p:sp>
       <p:sp>
         <p:nvSpPr>
-          <p:cNvPr id="6" name="Slide Number Placeholder 5"/>
+          <p:cNvPr id="6" name="Slide Number Placeholder 5">
+            <a:extLst>
+              <a:ext uri="{FF2B5EF4-FFF2-40B4-BE49-F238E27FC236}">
+                <a16:creationId xmlns:a16="http://schemas.microsoft.com/office/drawing/2014/main" id="{F9A33827-58FD-4965-A7A7-AB35B2772676}"/>
+              </a:ext>
+            </a:extLst>
+          </p:cNvPr>
           <p:cNvSpPr>
             <a:spLocks noGrp="1"/>
           </p:cNvSpPr>
@@ -491,26 +1533,25 @@
             <p:ph type="sldNum" sz="quarter" idx="12"/>
           </p:nvPr>
         </p:nvSpPr>
-        <p:spPr bwMode="white">
-          <a:ln>
-            <a:headEnd type="none"/>
-            <a:tailEnd type="none"/>
-          </a:ln>
-        </p:spPr>
+        <p:spPr/>
         <p:txBody>
-          <a:bodyPr wrap="square"/>
+          <a:bodyPr/>
           <a:lstStyle/>
           <a:p>
-            <a:pPr/>
             <a:fld id="{24E76E65-7777-4C32-B153-6028045D6BD3}" type="slidenum">
-              <a:rPr lang="en-US" dirty="0"/>
+              <a:rPr lang="en-US" smtClean="0"/>
               <a:t>‹#›</a:t>
             </a:fld>
-            <a:endParaRPr lang="en-US" dirty="0"/>
+            <a:endParaRPr lang="en-US"/>
           </a:p>
         </p:txBody>
       </p:sp>
     </p:spTree>
+    <p:extLst>
+      <p:ext uri="{BB962C8B-B14F-4D97-AF65-F5344CB8AC3E}">
+        <p14:creationId xmlns:p14="http://schemas.microsoft.com/office/powerpoint/2010/main" val="1625837535"/>
+      </p:ext>
+    </p:extLst>
   </p:cSld>
   <p:clrMapOvr>
     <a:masterClrMapping/>
@@ -519,7 +1560,7 @@
 </file>
 
 <file path=ppt/slideLayouts/slideLayout11.xml><?xml version="1.0" encoding="utf-8"?>
-<p:sldLayout xmlns:a="http://schemas.openxmlformats.org/drawingml/2006/main" xmlns:r="http://schemas.openxmlformats.org/officeDocument/2006/relationships" xmlns:p="http://schemas.openxmlformats.org/presentationml/2006/main">
+<p:sldLayout xmlns:a="http://schemas.openxmlformats.org/drawingml/2006/main" xmlns:r="http://schemas.openxmlformats.org/officeDocument/2006/relationships" xmlns:p="http://schemas.openxmlformats.org/presentationml/2006/main" type="vertTitleAndTx" preserve="1">
   <p:cSld name="Vertical Title and Text">
     <p:spTree>
       <p:nvGrpSpPr>
@@ -537,7 +1578,13 @@
       </p:grpSpPr>
       <p:sp>
         <p:nvSpPr>
-          <p:cNvPr id="2" name="Vertical Title 1"/>
+          <p:cNvPr id="2" name="Vertical Title 1">
+            <a:extLst>
+              <a:ext uri="{FF2B5EF4-FFF2-40B4-BE49-F238E27FC236}">
+                <a16:creationId xmlns:a16="http://schemas.microsoft.com/office/drawing/2014/main" id="{7797E049-7767-4915-BFAD-AA6268FC1305}"/>
+              </a:ext>
+            </a:extLst>
+          </p:cNvPr>
           <p:cNvSpPr>
             <a:spLocks noGrp="1"/>
           </p:cNvSpPr>
@@ -545,23 +1592,18 @@
             <p:ph type="title" orient="vert"/>
           </p:nvPr>
         </p:nvSpPr>
-        <p:spPr bwMode="white">
+        <p:spPr>
           <a:xfrm>
             <a:off x="8724900" y="365125"/>
             <a:ext cx="2628900" cy="5811838"/>
           </a:xfrm>
-          <a:ln>
-            <a:headEnd type="none"/>
-            <a:tailEnd type="none"/>
-          </a:ln>
         </p:spPr>
         <p:txBody>
-          <a:bodyPr vert="eaVert" wrap="square"/>
+          <a:bodyPr vert="eaVert"/>
           <a:lstStyle/>
           <a:p>
-            <a:pPr/>
-            <a:r>
-              <a:rPr lang="en-US" dirty="0"/>
+            <a:r>
+              <a:rPr lang="en-US"/>
               <a:t>Click to edit Master title style</a:t>
             </a:r>
           </a:p>
@@ -569,7 +1611,13 @@
       </p:sp>
       <p:sp>
         <p:nvSpPr>
-          <p:cNvPr id="3" name="Vertical Text Placeholder 2"/>
+          <p:cNvPr id="3" name="Vertical Text Placeholder 2">
+            <a:extLst>
+              <a:ext uri="{FF2B5EF4-FFF2-40B4-BE49-F238E27FC236}">
+                <a16:creationId xmlns:a16="http://schemas.microsoft.com/office/drawing/2014/main" id="{2E53A7E7-6996-49F7-8B45-7C9EA3F14BC1}"/>
+              </a:ext>
+            </a:extLst>
+          </p:cNvPr>
           <p:cNvSpPr>
             <a:spLocks noGrp="1"/>
           </p:cNvSpPr>
@@ -577,51 +1625,47 @@
             <p:ph type="body" orient="vert" idx="1"/>
           </p:nvPr>
         </p:nvSpPr>
-        <p:spPr bwMode="white">
+        <p:spPr>
           <a:xfrm>
             <a:off x="838200" y="365125"/>
             <a:ext cx="7734300" cy="5811838"/>
           </a:xfrm>
-          <a:ln>
-            <a:headEnd type="none"/>
-            <a:tailEnd type="none"/>
-          </a:ln>
         </p:spPr>
         <p:txBody>
-          <a:bodyPr vert="eaVert" wrap="square"/>
+          <a:bodyPr vert="eaVert"/>
           <a:lstStyle/>
           <a:p>
-            <a:pPr/>
-            <a:r>
-              <a:rPr lang="en-US" dirty="0"/>
+            <a:pPr lvl="0"/>
+            <a:r>
+              <a:rPr lang="en-US"/>
               <a:t>Edit Master text styles</a:t>
             </a:r>
           </a:p>
           <a:p>
             <a:pPr lvl="1"/>
             <a:r>
-              <a:rPr lang="en-US" dirty="0"/>
+              <a:rPr lang="en-US"/>
               <a:t>Second level</a:t>
             </a:r>
           </a:p>
           <a:p>
             <a:pPr lvl="2"/>
             <a:r>
-              <a:rPr lang="en-US" dirty="0"/>
+              <a:rPr lang="en-US"/>
               <a:t>Third level</a:t>
             </a:r>
           </a:p>
           <a:p>
             <a:pPr lvl="3"/>
             <a:r>
-              <a:rPr lang="en-US" dirty="0"/>
+              <a:rPr lang="en-US"/>
               <a:t>Fourth level</a:t>
             </a:r>
           </a:p>
           <a:p>
             <a:pPr lvl="4"/>
             <a:r>
-              <a:rPr lang="en-US" dirty="0"/>
+              <a:rPr lang="en-US"/>
               <a:t>Fifth level</a:t>
             </a:r>
           </a:p>
@@ -629,7 +1673,13 @@
       </p:sp>
       <p:sp>
         <p:nvSpPr>
-          <p:cNvPr id="4" name="Date Placeholder 3"/>
+          <p:cNvPr id="4" name="Date Placeholder 3">
+            <a:extLst>
+              <a:ext uri="{FF2B5EF4-FFF2-40B4-BE49-F238E27FC236}">
+                <a16:creationId xmlns:a16="http://schemas.microsoft.com/office/drawing/2014/main" id="{77DE4FD6-252D-4974-83FB-A1C670961515}"/>
+              </a:ext>
+            </a:extLst>
+          </p:cNvPr>
           <p:cNvSpPr>
             <a:spLocks noGrp="1"/>
           </p:cNvSpPr>
@@ -637,28 +1687,28 @@
             <p:ph type="dt" sz="half" idx="10"/>
           </p:nvPr>
         </p:nvSpPr>
-        <p:spPr bwMode="white">
-          <a:ln>
-            <a:headEnd type="none"/>
-            <a:tailEnd type="none"/>
-          </a:ln>
-        </p:spPr>
+        <p:spPr/>
         <p:txBody>
-          <a:bodyPr wrap="square"/>
+          <a:bodyPr/>
           <a:lstStyle/>
           <a:p>
-            <a:pPr/>
             <a:fld id="{5455A7CF-DB6C-4325-93B5-8C3F06D80356}" type="datetimeFigureOut">
-              <a:rPr lang="en-US" dirty="0"/>
-              <a:t>25-Nov-22</a:t>
+              <a:rPr lang="en-US" smtClean="0"/>
+              <a:t>12/17/2024</a:t>
             </a:fld>
-            <a:endParaRPr lang="en-US" dirty="0"/>
+            <a:endParaRPr lang="en-US"/>
           </a:p>
         </p:txBody>
       </p:sp>
       <p:sp>
         <p:nvSpPr>
-          <p:cNvPr id="5" name="Footer Placeholder 4"/>
+          <p:cNvPr id="5" name="Footer Placeholder 4">
+            <a:extLst>
+              <a:ext uri="{FF2B5EF4-FFF2-40B4-BE49-F238E27FC236}">
+                <a16:creationId xmlns:a16="http://schemas.microsoft.com/office/drawing/2014/main" id="{75E65431-35DC-476B-ABEA-82F227DD08A0}"/>
+              </a:ext>
+            </a:extLst>
+          </p:cNvPr>
           <p:cNvSpPr>
             <a:spLocks noGrp="1"/>
           </p:cNvSpPr>
@@ -666,24 +1716,24 @@
             <p:ph type="ftr" sz="quarter" idx="11"/>
           </p:nvPr>
         </p:nvSpPr>
-        <p:spPr bwMode="white">
-          <a:ln>
-            <a:headEnd type="none"/>
-            <a:tailEnd type="none"/>
-          </a:ln>
-        </p:spPr>
+        <p:spPr/>
         <p:txBody>
-          <a:bodyPr wrap="square"/>
+          <a:bodyPr/>
           <a:lstStyle/>
           <a:p>
-            <a:pPr/>
-            <a:endParaRPr lang="en-US" dirty="0"/>
+            <a:endParaRPr lang="en-US"/>
           </a:p>
         </p:txBody>
       </p:sp>
       <p:sp>
         <p:nvSpPr>
-          <p:cNvPr id="6" name="Slide Number Placeholder 5"/>
+          <p:cNvPr id="6" name="Slide Number Placeholder 5">
+            <a:extLst>
+              <a:ext uri="{FF2B5EF4-FFF2-40B4-BE49-F238E27FC236}">
+                <a16:creationId xmlns:a16="http://schemas.microsoft.com/office/drawing/2014/main" id="{6D35E16B-5E75-4104-B122-F4472006EB30}"/>
+              </a:ext>
+            </a:extLst>
+          </p:cNvPr>
           <p:cNvSpPr>
             <a:spLocks noGrp="1"/>
           </p:cNvSpPr>
@@ -691,26 +1741,25 @@
             <p:ph type="sldNum" sz="quarter" idx="12"/>
           </p:nvPr>
         </p:nvSpPr>
-        <p:spPr bwMode="white">
-          <a:ln>
-            <a:headEnd type="none"/>
-            <a:tailEnd type="none"/>
-          </a:ln>
-        </p:spPr>
+        <p:spPr/>
         <p:txBody>
-          <a:bodyPr wrap="square"/>
+          <a:bodyPr/>
           <a:lstStyle/>
           <a:p>
-            <a:pPr/>
             <a:fld id="{24E76E65-7777-4C32-B153-6028045D6BD3}" type="slidenum">
-              <a:rPr lang="en-US" dirty="0"/>
+              <a:rPr lang="en-US" smtClean="0"/>
               <a:t>‹#›</a:t>
             </a:fld>
-            <a:endParaRPr lang="en-US" dirty="0"/>
+            <a:endParaRPr lang="en-US"/>
           </a:p>
         </p:txBody>
       </p:sp>
     </p:spTree>
+    <p:extLst>
+      <p:ext uri="{BB962C8B-B14F-4D97-AF65-F5344CB8AC3E}">
+        <p14:creationId xmlns:p14="http://schemas.microsoft.com/office/powerpoint/2010/main" val="2982463374"/>
+      </p:ext>
+    </p:extLst>
   </p:cSld>
   <p:clrMapOvr>
     <a:masterClrMapping/>
@@ -719,7 +1768,7 @@
 </file>
 
 <file path=ppt/slideLayouts/slideLayout2.xml><?xml version="1.0" encoding="utf-8"?>
-<p:sldLayout xmlns:a="http://schemas.openxmlformats.org/drawingml/2006/main" xmlns:r="http://schemas.openxmlformats.org/officeDocument/2006/relationships" xmlns:p="http://schemas.openxmlformats.org/presentationml/2006/main">
+<p:sldLayout xmlns:a="http://schemas.openxmlformats.org/drawingml/2006/main" xmlns:r="http://schemas.openxmlformats.org/officeDocument/2006/relationships" xmlns:p="http://schemas.openxmlformats.org/presentationml/2006/main" type="obj" preserve="1">
   <p:cSld name="Title and Content">
     <p:spTree>
       <p:nvGrpSpPr>
@@ -737,7 +1786,13 @@
       </p:grpSpPr>
       <p:sp>
         <p:nvSpPr>
-          <p:cNvPr id="2" name="Title 1"/>
+          <p:cNvPr id="2" name="Title 1">
+            <a:extLst>
+              <a:ext uri="{FF2B5EF4-FFF2-40B4-BE49-F238E27FC236}">
+                <a16:creationId xmlns:a16="http://schemas.microsoft.com/office/drawing/2014/main" id="{9B8A55BD-9E4B-40B7-8EB9-7F10B7270B9D}"/>
+              </a:ext>
+            </a:extLst>
+          </p:cNvPr>
           <p:cNvSpPr>
             <a:spLocks noGrp="1"/>
           </p:cNvSpPr>
@@ -745,19 +1800,13 @@
             <p:ph type="title"/>
           </p:nvPr>
         </p:nvSpPr>
-        <p:spPr bwMode="white">
-          <a:ln>
-            <a:headEnd type="none"/>
-            <a:tailEnd type="none"/>
-          </a:ln>
-        </p:spPr>
+        <p:spPr/>
         <p:txBody>
-          <a:bodyPr wrap="square"/>
+          <a:bodyPr/>
           <a:lstStyle/>
           <a:p>
-            <a:pPr/>
-            <a:r>
-              <a:rPr lang="en-US" dirty="0"/>
+            <a:r>
+              <a:rPr lang="en-US"/>
               <a:t>Click to edit Master title style</a:t>
             </a:r>
           </a:p>
@@ -765,7 +1814,13 @@
       </p:sp>
       <p:sp>
         <p:nvSpPr>
-          <p:cNvPr id="3" name="Content Placeholder 2"/>
+          <p:cNvPr id="3" name="Content Placeholder 2">
+            <a:extLst>
+              <a:ext uri="{FF2B5EF4-FFF2-40B4-BE49-F238E27FC236}">
+                <a16:creationId xmlns:a16="http://schemas.microsoft.com/office/drawing/2014/main" id="{CC51656E-1980-4619-BBC2-1C0AECF5FFEE}"/>
+              </a:ext>
+            </a:extLst>
+          </p:cNvPr>
           <p:cNvSpPr>
             <a:spLocks noGrp="1"/>
           </p:cNvSpPr>
@@ -773,47 +1828,42 @@
             <p:ph idx="1"/>
           </p:nvPr>
         </p:nvSpPr>
-        <p:spPr bwMode="white">
-          <a:ln>
-            <a:headEnd type="none"/>
-            <a:tailEnd type="none"/>
-          </a:ln>
-        </p:spPr>
+        <p:spPr/>
         <p:txBody>
-          <a:bodyPr wrap="square"/>
+          <a:bodyPr/>
           <a:lstStyle/>
           <a:p>
-            <a:pPr/>
-            <a:r>
-              <a:rPr lang="en-US" dirty="0"/>
+            <a:pPr lvl="0"/>
+            <a:r>
+              <a:rPr lang="en-US"/>
               <a:t>Edit Master text styles</a:t>
             </a:r>
           </a:p>
           <a:p>
             <a:pPr lvl="1"/>
             <a:r>
-              <a:rPr lang="en-US" dirty="0"/>
+              <a:rPr lang="en-US"/>
               <a:t>Second level</a:t>
             </a:r>
           </a:p>
           <a:p>
             <a:pPr lvl="2"/>
             <a:r>
-              <a:rPr lang="en-US" dirty="0"/>
+              <a:rPr lang="en-US"/>
               <a:t>Third level</a:t>
             </a:r>
           </a:p>
           <a:p>
             <a:pPr lvl="3"/>
             <a:r>
-              <a:rPr lang="en-US" dirty="0"/>
+              <a:rPr lang="en-US"/>
               <a:t>Fourth level</a:t>
             </a:r>
           </a:p>
           <a:p>
             <a:pPr lvl="4"/>
             <a:r>
-              <a:rPr lang="en-US" dirty="0"/>
+              <a:rPr lang="en-US"/>
               <a:t>Fifth level</a:t>
             </a:r>
           </a:p>
@@ -821,7 +1871,13 @@
       </p:sp>
       <p:sp>
         <p:nvSpPr>
-          <p:cNvPr id="4" name="Date Placeholder 3"/>
+          <p:cNvPr id="4" name="Date Placeholder 3">
+            <a:extLst>
+              <a:ext uri="{FF2B5EF4-FFF2-40B4-BE49-F238E27FC236}">
+                <a16:creationId xmlns:a16="http://schemas.microsoft.com/office/drawing/2014/main" id="{6737196B-85A7-4EE9-A037-146860D00D65}"/>
+              </a:ext>
+            </a:extLst>
+          </p:cNvPr>
           <p:cNvSpPr>
             <a:spLocks noGrp="1"/>
           </p:cNvSpPr>
@@ -829,28 +1885,28 @@
             <p:ph type="dt" sz="half" idx="10"/>
           </p:nvPr>
         </p:nvSpPr>
-        <p:spPr bwMode="white">
-          <a:ln>
-            <a:headEnd type="none"/>
-            <a:tailEnd type="none"/>
-          </a:ln>
-        </p:spPr>
+        <p:spPr/>
         <p:txBody>
-          <a:bodyPr wrap="square"/>
+          <a:bodyPr/>
           <a:lstStyle/>
           <a:p>
-            <a:pPr/>
             <a:fld id="{5455A7CF-DB6C-4325-93B5-8C3F06D80356}" type="datetimeFigureOut">
-              <a:rPr lang="en-US" dirty="0"/>
-              <a:t>25-Nov-22</a:t>
+              <a:rPr lang="en-US" smtClean="0"/>
+              <a:t>12/17/2024</a:t>
             </a:fld>
-            <a:endParaRPr lang="en-US" dirty="0"/>
+            <a:endParaRPr lang="en-US"/>
           </a:p>
         </p:txBody>
       </p:sp>
       <p:sp>
         <p:nvSpPr>
-          <p:cNvPr id="5" name="Footer Placeholder 4"/>
+          <p:cNvPr id="5" name="Footer Placeholder 4">
+            <a:extLst>
+              <a:ext uri="{FF2B5EF4-FFF2-40B4-BE49-F238E27FC236}">
+                <a16:creationId xmlns:a16="http://schemas.microsoft.com/office/drawing/2014/main" id="{9E1B61C3-1137-4444-8857-E46855FEA9FB}"/>
+              </a:ext>
+            </a:extLst>
+          </p:cNvPr>
           <p:cNvSpPr>
             <a:spLocks noGrp="1"/>
           </p:cNvSpPr>
@@ -858,24 +1914,24 @@
             <p:ph type="ftr" sz="quarter" idx="11"/>
           </p:nvPr>
         </p:nvSpPr>
-        <p:spPr bwMode="white">
-          <a:ln>
-            <a:headEnd type="none"/>
-            <a:tailEnd type="none"/>
-          </a:ln>
-        </p:spPr>
+        <p:spPr/>
         <p:txBody>
-          <a:bodyPr wrap="square"/>
+          <a:bodyPr/>
           <a:lstStyle/>
           <a:p>
-            <a:pPr/>
-            <a:endParaRPr lang="en-US" dirty="0"/>
+            <a:endParaRPr lang="en-US"/>
           </a:p>
         </p:txBody>
       </p:sp>
       <p:sp>
         <p:nvSpPr>
-          <p:cNvPr id="6" name="Slide Number Placeholder 5"/>
+          <p:cNvPr id="6" name="Slide Number Placeholder 5">
+            <a:extLst>
+              <a:ext uri="{FF2B5EF4-FFF2-40B4-BE49-F238E27FC236}">
+                <a16:creationId xmlns:a16="http://schemas.microsoft.com/office/drawing/2014/main" id="{BB8A481B-7D56-458D-9F0B-73F00649E611}"/>
+              </a:ext>
+            </a:extLst>
+          </p:cNvPr>
           <p:cNvSpPr>
             <a:spLocks noGrp="1"/>
           </p:cNvSpPr>
@@ -883,26 +1939,25 @@
             <p:ph type="sldNum" sz="quarter" idx="12"/>
           </p:nvPr>
         </p:nvSpPr>
-        <p:spPr bwMode="white">
-          <a:ln>
-            <a:headEnd type="none"/>
-            <a:tailEnd type="none"/>
-          </a:ln>
-        </p:spPr>
+        <p:spPr/>
         <p:txBody>
-          <a:bodyPr wrap="square"/>
+          <a:bodyPr/>
           <a:lstStyle/>
           <a:p>
-            <a:pPr/>
             <a:fld id="{24E76E65-7777-4C32-B153-6028045D6BD3}" type="slidenum">
-              <a:rPr lang="en-US" dirty="0"/>
+              <a:rPr lang="en-US" smtClean="0"/>
               <a:t>‹#›</a:t>
             </a:fld>
-            <a:endParaRPr lang="en-US" dirty="0"/>
+            <a:endParaRPr lang="en-US"/>
           </a:p>
         </p:txBody>
       </p:sp>
     </p:spTree>
+    <p:extLst>
+      <p:ext uri="{BB962C8B-B14F-4D97-AF65-F5344CB8AC3E}">
+        <p14:creationId xmlns:p14="http://schemas.microsoft.com/office/powerpoint/2010/main" val="1302134445"/>
+      </p:ext>
+    </p:extLst>
   </p:cSld>
   <p:clrMapOvr>
     <a:masterClrMapping/>
@@ -911,7 +1966,7 @@
 </file>
 
 <file path=ppt/slideLayouts/slideLayout3.xml><?xml version="1.0" encoding="utf-8"?>
-<p:sldLayout xmlns:a="http://schemas.openxmlformats.org/drawingml/2006/main" xmlns:r="http://schemas.openxmlformats.org/officeDocument/2006/relationships" xmlns:p="http://schemas.openxmlformats.org/presentationml/2006/main">
+<p:sldLayout xmlns:a="http://schemas.openxmlformats.org/drawingml/2006/main" xmlns:r="http://schemas.openxmlformats.org/officeDocument/2006/relationships" xmlns:p="http://schemas.openxmlformats.org/presentationml/2006/main" type="secHead" preserve="1">
   <p:cSld name="Section Header">
     <p:spTree>
       <p:nvGrpSpPr>
@@ -929,7 +1984,13 @@
       </p:grpSpPr>
       <p:sp>
         <p:nvSpPr>
-          <p:cNvPr id="2" name="Title 1"/>
+          <p:cNvPr id="2" name="Title 1">
+            <a:extLst>
+              <a:ext uri="{FF2B5EF4-FFF2-40B4-BE49-F238E27FC236}">
+                <a16:creationId xmlns:a16="http://schemas.microsoft.com/office/drawing/2014/main" id="{84DB5B27-DE83-4844-A575-54EE450B1ACE}"/>
+              </a:ext>
+            </a:extLst>
+          </p:cNvPr>
           <p:cNvSpPr>
             <a:spLocks noGrp="1"/>
           </p:cNvSpPr>
@@ -937,27 +1998,22 @@
             <p:ph type="title"/>
           </p:nvPr>
         </p:nvSpPr>
-        <p:spPr bwMode="white">
+        <p:spPr>
           <a:xfrm>
             <a:off x="831850" y="1709738"/>
             <a:ext cx="10515600" cy="2852737"/>
           </a:xfrm>
-          <a:ln>
-            <a:headEnd type="none"/>
-            <a:tailEnd type="none"/>
-          </a:ln>
         </p:spPr>
         <p:txBody>
-          <a:bodyPr anchor="b" wrap="square"/>
+          <a:bodyPr anchor="b"/>
           <a:lstStyle>
             <a:lvl1pPr>
-              <a:defRPr sz="6000" dirty="0"/>
+              <a:defRPr sz="6000"/>
             </a:lvl1pPr>
           </a:lstStyle>
           <a:p>
-            <a:pPr/>
-            <a:r>
-              <a:rPr lang="en-US" dirty="0"/>
+            <a:r>
+              <a:rPr lang="en-US"/>
               <a:t>Click to edit Master title style</a:t>
             </a:r>
           </a:p>
@@ -965,7 +2021,13 @@
       </p:sp>
       <p:sp>
         <p:nvSpPr>
-          <p:cNvPr id="3" name="Text Placeholder 2"/>
+          <p:cNvPr id="3" name="Text Placeholder 2">
+            <a:extLst>
+              <a:ext uri="{FF2B5EF4-FFF2-40B4-BE49-F238E27FC236}">
+                <a16:creationId xmlns:a16="http://schemas.microsoft.com/office/drawing/2014/main" id="{8D5B7AB5-6E0B-4DBB-86F4-37CEA31A46E4}"/>
+              </a:ext>
+            </a:extLst>
+          </p:cNvPr>
           <p:cNvSpPr>
             <a:spLocks noGrp="1"/>
           </p:cNvSpPr>
@@ -973,22 +2035,18 @@
             <p:ph type="body" idx="1"/>
           </p:nvPr>
         </p:nvSpPr>
-        <p:spPr bwMode="white">
+        <p:spPr>
           <a:xfrm>
             <a:off x="831850" y="4589463"/>
             <a:ext cx="10515600" cy="1500187"/>
           </a:xfrm>
-          <a:ln>
-            <a:headEnd type="none"/>
-            <a:tailEnd type="none"/>
-          </a:ln>
         </p:spPr>
         <p:txBody>
-          <a:bodyPr wrap="square"/>
+          <a:bodyPr/>
           <a:lstStyle>
             <a:lvl1pPr marL="0" indent="0">
               <a:buNone/>
-              <a:defRPr sz="2400" dirty="0">
+              <a:defRPr sz="2400">
                 <a:solidFill>
                   <a:schemeClr val="tx1">
                     <a:tint val="75000"/>
@@ -998,7 +2056,7 @@
             </a:lvl1pPr>
             <a:lvl2pPr marL="457200" indent="0">
               <a:buNone/>
-              <a:defRPr sz="2000" dirty="0">
+              <a:defRPr sz="2000">
                 <a:solidFill>
                   <a:schemeClr val="tx1">
                     <a:tint val="75000"/>
@@ -1008,7 +2066,7 @@
             </a:lvl2pPr>
             <a:lvl3pPr marL="914400" indent="0">
               <a:buNone/>
-              <a:defRPr sz="1800" dirty="0">
+              <a:defRPr sz="1800">
                 <a:solidFill>
                   <a:schemeClr val="tx1">
                     <a:tint val="75000"/>
@@ -1018,7 +2076,7 @@
             </a:lvl3pPr>
             <a:lvl4pPr marL="1371600" indent="0">
               <a:buNone/>
-              <a:defRPr sz="1600" dirty="0">
+              <a:defRPr sz="1600">
                 <a:solidFill>
                   <a:schemeClr val="tx1">
                     <a:tint val="75000"/>
@@ -1028,7 +2086,7 @@
             </a:lvl4pPr>
             <a:lvl5pPr marL="1828800" indent="0">
               <a:buNone/>
-              <a:defRPr sz="1600" dirty="0">
+              <a:defRPr sz="1600">
                 <a:solidFill>
                   <a:schemeClr val="tx1">
                     <a:tint val="75000"/>
@@ -1038,7 +2096,7 @@
             </a:lvl5pPr>
             <a:lvl6pPr marL="2286000" indent="0">
               <a:buNone/>
-              <a:defRPr sz="1600" dirty="0">
+              <a:defRPr sz="1600">
                 <a:solidFill>
                   <a:schemeClr val="tx1">
                     <a:tint val="75000"/>
@@ -1048,7 +2106,7 @@
             </a:lvl6pPr>
             <a:lvl7pPr marL="2743200" indent="0">
               <a:buNone/>
-              <a:defRPr sz="1600" dirty="0">
+              <a:defRPr sz="1600">
                 <a:solidFill>
                   <a:schemeClr val="tx1">
                     <a:tint val="75000"/>
@@ -1058,7 +2116,7 @@
             </a:lvl7pPr>
             <a:lvl8pPr marL="3200400" indent="0">
               <a:buNone/>
-              <a:defRPr sz="1600" dirty="0">
+              <a:defRPr sz="1600">
                 <a:solidFill>
                   <a:schemeClr val="tx1">
                     <a:tint val="75000"/>
@@ -1068,7 +2126,7 @@
             </a:lvl8pPr>
             <a:lvl9pPr marL="3657600" indent="0">
               <a:buNone/>
-              <a:defRPr sz="1600" dirty="0">
+              <a:defRPr sz="1600">
                 <a:solidFill>
                   <a:schemeClr val="tx1">
                     <a:tint val="75000"/>
@@ -1078,9 +2136,9 @@
             </a:lvl9pPr>
           </a:lstStyle>
           <a:p>
-            <a:pPr/>
-            <a:r>
-              <a:rPr lang="en-US" dirty="0"/>
+            <a:pPr lvl="0"/>
+            <a:r>
+              <a:rPr lang="en-US"/>
               <a:t>Edit Master text styles</a:t>
             </a:r>
           </a:p>
@@ -1088,7 +2146,13 @@
       </p:sp>
       <p:sp>
         <p:nvSpPr>
-          <p:cNvPr id="4" name="Date Placeholder 3"/>
+          <p:cNvPr id="4" name="Date Placeholder 3">
+            <a:extLst>
+              <a:ext uri="{FF2B5EF4-FFF2-40B4-BE49-F238E27FC236}">
+                <a16:creationId xmlns:a16="http://schemas.microsoft.com/office/drawing/2014/main" id="{B06E480A-0C03-4D18-BE4C-6E525B2F6428}"/>
+              </a:ext>
+            </a:extLst>
+          </p:cNvPr>
           <p:cNvSpPr>
             <a:spLocks noGrp="1"/>
           </p:cNvSpPr>
@@ -1096,28 +2160,28 @@
             <p:ph type="dt" sz="half" idx="10"/>
           </p:nvPr>
         </p:nvSpPr>
-        <p:spPr bwMode="white">
-          <a:ln>
-            <a:headEnd type="none"/>
-            <a:tailEnd type="none"/>
-          </a:ln>
-        </p:spPr>
+        <p:spPr/>
         <p:txBody>
-          <a:bodyPr wrap="square"/>
+          <a:bodyPr/>
           <a:lstStyle/>
           <a:p>
-            <a:pPr/>
             <a:fld id="{5455A7CF-DB6C-4325-93B5-8C3F06D80356}" type="datetimeFigureOut">
-              <a:rPr lang="en-US" dirty="0"/>
-              <a:t>25-Nov-22</a:t>
+              <a:rPr lang="en-US" smtClean="0"/>
+              <a:t>12/17/2024</a:t>
             </a:fld>
-            <a:endParaRPr lang="en-US" dirty="0"/>
+            <a:endParaRPr lang="en-US"/>
           </a:p>
         </p:txBody>
       </p:sp>
       <p:sp>
         <p:nvSpPr>
-          <p:cNvPr id="5" name="Footer Placeholder 4"/>
+          <p:cNvPr id="5" name="Footer Placeholder 4">
+            <a:extLst>
+              <a:ext uri="{FF2B5EF4-FFF2-40B4-BE49-F238E27FC236}">
+                <a16:creationId xmlns:a16="http://schemas.microsoft.com/office/drawing/2014/main" id="{992B60B8-19CB-47CB-B72B-0416852AA95B}"/>
+              </a:ext>
+            </a:extLst>
+          </p:cNvPr>
           <p:cNvSpPr>
             <a:spLocks noGrp="1"/>
           </p:cNvSpPr>
@@ -1125,24 +2189,24 @@
             <p:ph type="ftr" sz="quarter" idx="11"/>
           </p:nvPr>
         </p:nvSpPr>
-        <p:spPr bwMode="white">
-          <a:ln>
-            <a:headEnd type="none"/>
-            <a:tailEnd type="none"/>
-          </a:ln>
-        </p:spPr>
+        <p:spPr/>
         <p:txBody>
-          <a:bodyPr wrap="square"/>
+          <a:bodyPr/>
           <a:lstStyle/>
           <a:p>
-            <a:pPr/>
-            <a:endParaRPr lang="en-US" dirty="0"/>
+            <a:endParaRPr lang="en-US"/>
           </a:p>
         </p:txBody>
       </p:sp>
       <p:sp>
         <p:nvSpPr>
-          <p:cNvPr id="6" name="Slide Number Placeholder 5"/>
+          <p:cNvPr id="6" name="Slide Number Placeholder 5">
+            <a:extLst>
+              <a:ext uri="{FF2B5EF4-FFF2-40B4-BE49-F238E27FC236}">
+                <a16:creationId xmlns:a16="http://schemas.microsoft.com/office/drawing/2014/main" id="{E0B9FE0F-A484-4EA7-8FD2-04C4B8776940}"/>
+              </a:ext>
+            </a:extLst>
+          </p:cNvPr>
           <p:cNvSpPr>
             <a:spLocks noGrp="1"/>
           </p:cNvSpPr>
@@ -1150,26 +2214,25 @@
             <p:ph type="sldNum" sz="quarter" idx="12"/>
           </p:nvPr>
         </p:nvSpPr>
-        <p:spPr bwMode="white">
-          <a:ln>
-            <a:headEnd type="none"/>
-            <a:tailEnd type="none"/>
-          </a:ln>
-        </p:spPr>
+        <p:spPr/>
         <p:txBody>
-          <a:bodyPr wrap="square"/>
+          <a:bodyPr/>
           <a:lstStyle/>
           <a:p>
-            <a:pPr/>
             <a:fld id="{24E76E65-7777-4C32-B153-6028045D6BD3}" type="slidenum">
-              <a:rPr lang="en-US" dirty="0"/>
+              <a:rPr lang="en-US" smtClean="0"/>
               <a:t>‹#›</a:t>
             </a:fld>
-            <a:endParaRPr lang="en-US" dirty="0"/>
+            <a:endParaRPr lang="en-US"/>
           </a:p>
         </p:txBody>
       </p:sp>
     </p:spTree>
+    <p:extLst>
+      <p:ext uri="{BB962C8B-B14F-4D97-AF65-F5344CB8AC3E}">
+        <p14:creationId xmlns:p14="http://schemas.microsoft.com/office/powerpoint/2010/main" val="979072217"/>
+      </p:ext>
+    </p:extLst>
   </p:cSld>
   <p:clrMapOvr>
     <a:masterClrMapping/>
@@ -1178,7 +2241,7 @@
 </file>
 
 <file path=ppt/slideLayouts/slideLayout4.xml><?xml version="1.0" encoding="utf-8"?>
-<p:sldLayout xmlns:a="http://schemas.openxmlformats.org/drawingml/2006/main" xmlns:r="http://schemas.openxmlformats.org/officeDocument/2006/relationships" xmlns:p="http://schemas.openxmlformats.org/presentationml/2006/main">
+<p:sldLayout xmlns:a="http://schemas.openxmlformats.org/drawingml/2006/main" xmlns:r="http://schemas.openxmlformats.org/officeDocument/2006/relationships" xmlns:p="http://schemas.openxmlformats.org/presentationml/2006/main" type="twoObj" preserve="1">
   <p:cSld name="Two Content">
     <p:spTree>
       <p:nvGrpSpPr>
@@ -1196,7 +2259,13 @@
       </p:grpSpPr>
       <p:sp>
         <p:nvSpPr>
-          <p:cNvPr id="2" name="Title 1"/>
+          <p:cNvPr id="2" name="Title 1">
+            <a:extLst>
+              <a:ext uri="{FF2B5EF4-FFF2-40B4-BE49-F238E27FC236}">
+                <a16:creationId xmlns:a16="http://schemas.microsoft.com/office/drawing/2014/main" id="{02E4C114-EFA0-42E6-B430-30AD2967F26F}"/>
+              </a:ext>
+            </a:extLst>
+          </p:cNvPr>
           <p:cNvSpPr>
             <a:spLocks noGrp="1"/>
           </p:cNvSpPr>
@@ -1204,19 +2273,13 @@
             <p:ph type="title"/>
           </p:nvPr>
         </p:nvSpPr>
-        <p:spPr bwMode="white">
-          <a:ln>
-            <a:headEnd type="none"/>
-            <a:tailEnd type="none"/>
-          </a:ln>
-        </p:spPr>
+        <p:spPr/>
         <p:txBody>
-          <a:bodyPr wrap="square"/>
+          <a:bodyPr/>
           <a:lstStyle/>
           <a:p>
-            <a:pPr/>
-            <a:r>
-              <a:rPr lang="en-US" dirty="0"/>
+            <a:r>
+              <a:rPr lang="en-US"/>
               <a:t>Click to edit Master title style</a:t>
             </a:r>
           </a:p>
@@ -1224,7 +2287,13 @@
       </p:sp>
       <p:sp>
         <p:nvSpPr>
-          <p:cNvPr id="3" name="Content Placeholder 2"/>
+          <p:cNvPr id="3" name="Content Placeholder 2">
+            <a:extLst>
+              <a:ext uri="{FF2B5EF4-FFF2-40B4-BE49-F238E27FC236}">
+                <a16:creationId xmlns:a16="http://schemas.microsoft.com/office/drawing/2014/main" id="{6DFB1390-1CCB-4CF0-913E-185544AF4219}"/>
+              </a:ext>
+            </a:extLst>
+          </p:cNvPr>
           <p:cNvSpPr>
             <a:spLocks noGrp="1"/>
           </p:cNvSpPr>
@@ -1232,51 +2301,47 @@
             <p:ph sz="half" idx="1"/>
           </p:nvPr>
         </p:nvSpPr>
-        <p:spPr bwMode="white">
+        <p:spPr>
           <a:xfrm>
             <a:off x="838200" y="1825625"/>
             <a:ext cx="5181600" cy="4351338"/>
           </a:xfrm>
-          <a:ln>
-            <a:headEnd type="none"/>
-            <a:tailEnd type="none"/>
-          </a:ln>
         </p:spPr>
         <p:txBody>
-          <a:bodyPr wrap="square"/>
+          <a:bodyPr/>
           <a:lstStyle/>
           <a:p>
-            <a:pPr/>
-            <a:r>
-              <a:rPr lang="en-US" dirty="0"/>
+            <a:pPr lvl="0"/>
+            <a:r>
+              <a:rPr lang="en-US"/>
               <a:t>Edit Master text styles</a:t>
             </a:r>
           </a:p>
           <a:p>
             <a:pPr lvl="1"/>
             <a:r>
-              <a:rPr lang="en-US" dirty="0"/>
+              <a:rPr lang="en-US"/>
               <a:t>Second level</a:t>
             </a:r>
           </a:p>
           <a:p>
             <a:pPr lvl="2"/>
             <a:r>
-              <a:rPr lang="en-US" dirty="0"/>
+              <a:rPr lang="en-US"/>
               <a:t>Third level</a:t>
             </a:r>
           </a:p>
           <a:p>
             <a:pPr lvl="3"/>
             <a:r>
-              <a:rPr lang="en-US" dirty="0"/>
+              <a:rPr lang="en-US"/>
               <a:t>Fourth level</a:t>
             </a:r>
           </a:p>
           <a:p>
             <a:pPr lvl="4"/>
             <a:r>
-              <a:rPr lang="en-US" dirty="0"/>
+              <a:rPr lang="en-US"/>
               <a:t>Fifth level</a:t>
             </a:r>
           </a:p>
@@ -1284,7 +2349,13 @@
       </p:sp>
       <p:sp>
         <p:nvSpPr>
-          <p:cNvPr id="4" name="Content Placeholder 3"/>
+          <p:cNvPr id="4" name="Content Placeholder 3">
+            <a:extLst>
+              <a:ext uri="{FF2B5EF4-FFF2-40B4-BE49-F238E27FC236}">
+                <a16:creationId xmlns:a16="http://schemas.microsoft.com/office/drawing/2014/main" id="{0AC93107-53DE-4DCB-BE89-54BC1D44CC2D}"/>
+              </a:ext>
+            </a:extLst>
+          </p:cNvPr>
           <p:cNvSpPr>
             <a:spLocks noGrp="1"/>
           </p:cNvSpPr>
@@ -1292,51 +2363,47 @@
             <p:ph sz="half" idx="2"/>
           </p:nvPr>
         </p:nvSpPr>
-        <p:spPr bwMode="white">
+        <p:spPr>
           <a:xfrm>
             <a:off x="6172200" y="1825625"/>
             <a:ext cx="5181600" cy="4351338"/>
           </a:xfrm>
-          <a:ln>
-            <a:headEnd type="none"/>
-            <a:tailEnd type="none"/>
-          </a:ln>
         </p:spPr>
         <p:txBody>
-          <a:bodyPr wrap="square"/>
+          <a:bodyPr/>
           <a:lstStyle/>
           <a:p>
-            <a:pPr/>
-            <a:r>
-              <a:rPr lang="en-US" dirty="0"/>
+            <a:pPr lvl="0"/>
+            <a:r>
+              <a:rPr lang="en-US"/>
               <a:t>Edit Master text styles</a:t>
             </a:r>
           </a:p>
           <a:p>
             <a:pPr lvl="1"/>
             <a:r>
-              <a:rPr lang="en-US" dirty="0"/>
+              <a:rPr lang="en-US"/>
               <a:t>Second level</a:t>
             </a:r>
           </a:p>
           <a:p>
             <a:pPr lvl="2"/>
             <a:r>
-              <a:rPr lang="en-US" dirty="0"/>
+              <a:rPr lang="en-US"/>
               <a:t>Third level</a:t>
             </a:r>
           </a:p>
           <a:p>
             <a:pPr lvl="3"/>
             <a:r>
-              <a:rPr lang="en-US" dirty="0"/>
+              <a:rPr lang="en-US"/>
               <a:t>Fourth level</a:t>
             </a:r>
           </a:p>
           <a:p>
             <a:pPr lvl="4"/>
             <a:r>
-              <a:rPr lang="en-US" dirty="0"/>
+              <a:rPr lang="en-US"/>
               <a:t>Fifth level</a:t>
             </a:r>
           </a:p>
@@ -1344,7 +2411,13 @@
       </p:sp>
       <p:sp>
         <p:nvSpPr>
-          <p:cNvPr id="5" name="Date Placeholder 4"/>
+          <p:cNvPr id="5" name="Date Placeholder 4">
+            <a:extLst>
+              <a:ext uri="{FF2B5EF4-FFF2-40B4-BE49-F238E27FC236}">
+                <a16:creationId xmlns:a16="http://schemas.microsoft.com/office/drawing/2014/main" id="{5C31A65B-5BD3-4B14-A039-5A309529A78B}"/>
+              </a:ext>
+            </a:extLst>
+          </p:cNvPr>
           <p:cNvSpPr>
             <a:spLocks noGrp="1"/>
           </p:cNvSpPr>
@@ -1352,28 +2425,28 @@
             <p:ph type="dt" sz="half" idx="10"/>
           </p:nvPr>
         </p:nvSpPr>
-        <p:spPr bwMode="white">
-          <a:ln>
-            <a:headEnd type="none"/>
-            <a:tailEnd type="none"/>
-          </a:ln>
-        </p:spPr>
+        <p:spPr/>
         <p:txBody>
-          <a:bodyPr wrap="square"/>
+          <a:bodyPr/>
           <a:lstStyle/>
           <a:p>
-            <a:pPr/>
             <a:fld id="{5455A7CF-DB6C-4325-93B5-8C3F06D80356}" type="datetimeFigureOut">
-              <a:rPr lang="en-US" dirty="0"/>
-              <a:t>25-Nov-22</a:t>
+              <a:rPr lang="en-US" smtClean="0"/>
+              <a:t>12/17/2024</a:t>
             </a:fld>
-            <a:endParaRPr lang="en-US" dirty="0"/>
+            <a:endParaRPr lang="en-US"/>
           </a:p>
         </p:txBody>
       </p:sp>
       <p:sp>
         <p:nvSpPr>
-          <p:cNvPr id="6" name="Footer Placeholder 5"/>
+          <p:cNvPr id="6" name="Footer Placeholder 5">
+            <a:extLst>
+              <a:ext uri="{FF2B5EF4-FFF2-40B4-BE49-F238E27FC236}">
+                <a16:creationId xmlns:a16="http://schemas.microsoft.com/office/drawing/2014/main" id="{268F39D9-988D-459E-B1CD-C501E6C887B4}"/>
+              </a:ext>
+            </a:extLst>
+          </p:cNvPr>
           <p:cNvSpPr>
             <a:spLocks noGrp="1"/>
           </p:cNvSpPr>
@@ -1381,24 +2454,24 @@
             <p:ph type="ftr" sz="quarter" idx="11"/>
           </p:nvPr>
         </p:nvSpPr>
-        <p:spPr bwMode="white">
-          <a:ln>
-            <a:headEnd type="none"/>
-            <a:tailEnd type="none"/>
-          </a:ln>
-        </p:spPr>
+        <p:spPr/>
         <p:txBody>
-          <a:bodyPr wrap="square"/>
+          <a:bodyPr/>
           <a:lstStyle/>
           <a:p>
-            <a:pPr/>
-            <a:endParaRPr lang="en-US" dirty="0"/>
+            <a:endParaRPr lang="en-US"/>
           </a:p>
         </p:txBody>
       </p:sp>
       <p:sp>
         <p:nvSpPr>
-          <p:cNvPr id="7" name="Slide Number Placeholder 6"/>
+          <p:cNvPr id="7" name="Slide Number Placeholder 6">
+            <a:extLst>
+              <a:ext uri="{FF2B5EF4-FFF2-40B4-BE49-F238E27FC236}">
+                <a16:creationId xmlns:a16="http://schemas.microsoft.com/office/drawing/2014/main" id="{CD968384-38C5-424B-B863-1234309677FA}"/>
+              </a:ext>
+            </a:extLst>
+          </p:cNvPr>
           <p:cNvSpPr>
             <a:spLocks noGrp="1"/>
           </p:cNvSpPr>
@@ -1406,26 +2479,25 @@
             <p:ph type="sldNum" sz="quarter" idx="12"/>
           </p:nvPr>
         </p:nvSpPr>
-        <p:spPr bwMode="white">
-          <a:ln>
-            <a:headEnd type="none"/>
-            <a:tailEnd type="none"/>
-          </a:ln>
-        </p:spPr>
+        <p:spPr/>
         <p:txBody>
-          <a:bodyPr wrap="square"/>
+          <a:bodyPr/>
           <a:lstStyle/>
           <a:p>
-            <a:pPr/>
             <a:fld id="{24E76E65-7777-4C32-B153-6028045D6BD3}" type="slidenum">
-              <a:rPr lang="en-US" dirty="0"/>
+              <a:rPr lang="en-US" smtClean="0"/>
               <a:t>‹#›</a:t>
             </a:fld>
-            <a:endParaRPr lang="en-US" dirty="0"/>
+            <a:endParaRPr lang="en-US"/>
           </a:p>
         </p:txBody>
       </p:sp>
     </p:spTree>
+    <p:extLst>
+      <p:ext uri="{BB962C8B-B14F-4D97-AF65-F5344CB8AC3E}">
+        <p14:creationId xmlns:p14="http://schemas.microsoft.com/office/powerpoint/2010/main" val="3956836561"/>
+      </p:ext>
+    </p:extLst>
   </p:cSld>
   <p:clrMapOvr>
     <a:masterClrMapping/>
@@ -1434,7 +2506,7 @@
 </file>
 
 <file path=ppt/slideLayouts/slideLayout5.xml><?xml version="1.0" encoding="utf-8"?>
-<p:sldLayout xmlns:a="http://schemas.openxmlformats.org/drawingml/2006/main" xmlns:r="http://schemas.openxmlformats.org/officeDocument/2006/relationships" xmlns:p="http://schemas.openxmlformats.org/presentationml/2006/main">
+<p:sldLayout xmlns:a="http://schemas.openxmlformats.org/drawingml/2006/main" xmlns:r="http://schemas.openxmlformats.org/officeDocument/2006/relationships" xmlns:p="http://schemas.openxmlformats.org/presentationml/2006/main" type="twoTxTwoObj" preserve="1">
   <p:cSld name="Comparison">
     <p:spTree>
       <p:nvGrpSpPr>
@@ -1452,7 +2524,13 @@
       </p:grpSpPr>
       <p:sp>
         <p:nvSpPr>
-          <p:cNvPr id="2" name="Title 1"/>
+          <p:cNvPr id="2" name="Title 1">
+            <a:extLst>
+              <a:ext uri="{FF2B5EF4-FFF2-40B4-BE49-F238E27FC236}">
+                <a16:creationId xmlns:a16="http://schemas.microsoft.com/office/drawing/2014/main" id="{6D1FDCAC-57AB-4D6E-BC77-E5FBF27FE7F3}"/>
+              </a:ext>
+            </a:extLst>
+          </p:cNvPr>
           <p:cNvSpPr>
             <a:spLocks noGrp="1"/>
           </p:cNvSpPr>
@@ -1460,23 +2538,18 @@
             <p:ph type="title"/>
           </p:nvPr>
         </p:nvSpPr>
-        <p:spPr bwMode="white">
+        <p:spPr>
           <a:xfrm>
             <a:off x="839788" y="365125"/>
             <a:ext cx="10515600" cy="1325563"/>
           </a:xfrm>
-          <a:ln>
-            <a:headEnd type="none"/>
-            <a:tailEnd type="none"/>
-          </a:ln>
         </p:spPr>
         <p:txBody>
-          <a:bodyPr wrap="square"/>
+          <a:bodyPr/>
           <a:lstStyle/>
           <a:p>
-            <a:pPr/>
-            <a:r>
-              <a:rPr lang="en-US" dirty="0"/>
+            <a:r>
+              <a:rPr lang="en-US"/>
               <a:t>Click to edit Master title style</a:t>
             </a:r>
           </a:p>
@@ -1484,7 +2557,13 @@
       </p:sp>
       <p:sp>
         <p:nvSpPr>
-          <p:cNvPr id="3" name="Text Placeholder 2"/>
+          <p:cNvPr id="3" name="Text Placeholder 2">
+            <a:extLst>
+              <a:ext uri="{FF2B5EF4-FFF2-40B4-BE49-F238E27FC236}">
+                <a16:creationId xmlns:a16="http://schemas.microsoft.com/office/drawing/2014/main" id="{26BFAF32-0E0F-4B9B-ABF8-08957C05BA82}"/>
+              </a:ext>
+            </a:extLst>
+          </p:cNvPr>
           <p:cNvSpPr>
             <a:spLocks noGrp="1"/>
           </p:cNvSpPr>
@@ -1492,60 +2571,56 @@
             <p:ph type="body" idx="1"/>
           </p:nvPr>
         </p:nvSpPr>
-        <p:spPr bwMode="white">
+        <p:spPr>
           <a:xfrm>
             <a:off x="839788" y="1681163"/>
             <a:ext cx="5157787" cy="823912"/>
           </a:xfrm>
-          <a:ln>
-            <a:headEnd type="none"/>
-            <a:tailEnd type="none"/>
-          </a:ln>
         </p:spPr>
         <p:txBody>
-          <a:bodyPr anchor="b" wrap="square"/>
+          <a:bodyPr anchor="b"/>
           <a:lstStyle>
             <a:lvl1pPr marL="0" indent="0">
               <a:buNone/>
-              <a:defRPr sz="2400" b="1" dirty="0"/>
+              <a:defRPr sz="2400" b="1"/>
             </a:lvl1pPr>
             <a:lvl2pPr marL="457200" indent="0">
               <a:buNone/>
-              <a:defRPr sz="2000" b="1" dirty="0"/>
+              <a:defRPr sz="2000" b="1"/>
             </a:lvl2pPr>
             <a:lvl3pPr marL="914400" indent="0">
               <a:buNone/>
-              <a:defRPr sz="1800" b="1" dirty="0"/>
+              <a:defRPr sz="1800" b="1"/>
             </a:lvl3pPr>
             <a:lvl4pPr marL="1371600" indent="0">
               <a:buNone/>
-              <a:defRPr sz="1600" b="1" dirty="0"/>
+              <a:defRPr sz="1600" b="1"/>
             </a:lvl4pPr>
             <a:lvl5pPr marL="1828800" indent="0">
               <a:buNone/>
-              <a:defRPr sz="1600" b="1" dirty="0"/>
+              <a:defRPr sz="1600" b="1"/>
             </a:lvl5pPr>
             <a:lvl6pPr marL="2286000" indent="0">
               <a:buNone/>
-              <a:defRPr sz="1600" b="1" dirty="0"/>
+              <a:defRPr sz="1600" b="1"/>
             </a:lvl6pPr>
             <a:lvl7pPr marL="2743200" indent="0">
               <a:buNone/>
-              <a:defRPr sz="1600" b="1" dirty="0"/>
+              <a:defRPr sz="1600" b="1"/>
             </a:lvl7pPr>
             <a:lvl8pPr marL="3200400" indent="0">
               <a:buNone/>
-              <a:defRPr sz="1600" b="1" dirty="0"/>
+              <a:defRPr sz="1600" b="1"/>
             </a:lvl8pPr>
             <a:lvl9pPr marL="3657600" indent="0">
               <a:buNone/>
-              <a:defRPr sz="1600" b="1" dirty="0"/>
+              <a:defRPr sz="1600" b="1"/>
             </a:lvl9pPr>
           </a:lstStyle>
           <a:p>
-            <a:pPr/>
-            <a:r>
-              <a:rPr lang="en-US" dirty="0"/>
+            <a:pPr lvl="0"/>
+            <a:r>
+              <a:rPr lang="en-US"/>
               <a:t>Edit Master text styles</a:t>
             </a:r>
           </a:p>
@@ -1553,7 +2628,13 @@
       </p:sp>
       <p:sp>
         <p:nvSpPr>
-          <p:cNvPr id="4" name="Content Placeholder 3"/>
+          <p:cNvPr id="4" name="Content Placeholder 3">
+            <a:extLst>
+              <a:ext uri="{FF2B5EF4-FFF2-40B4-BE49-F238E27FC236}">
+                <a16:creationId xmlns:a16="http://schemas.microsoft.com/office/drawing/2014/main" id="{3B6BFCF4-C2D9-425F-B022-40ACE4EA8C94}"/>
+              </a:ext>
+            </a:extLst>
+          </p:cNvPr>
           <p:cNvSpPr>
             <a:spLocks noGrp="1"/>
           </p:cNvSpPr>
@@ -1561,51 +2642,47 @@
             <p:ph sz="half" idx="2"/>
           </p:nvPr>
         </p:nvSpPr>
-        <p:spPr bwMode="white">
+        <p:spPr>
           <a:xfrm>
             <a:off x="839788" y="2505075"/>
             <a:ext cx="5157787" cy="3684588"/>
           </a:xfrm>
-          <a:ln>
-            <a:headEnd type="none"/>
-            <a:tailEnd type="none"/>
-          </a:ln>
         </p:spPr>
         <p:txBody>
-          <a:bodyPr wrap="square"/>
+          <a:bodyPr/>
           <a:lstStyle/>
           <a:p>
-            <a:pPr/>
-            <a:r>
-              <a:rPr lang="en-US" dirty="0"/>
+            <a:pPr lvl="0"/>
+            <a:r>
+              <a:rPr lang="en-US"/>
               <a:t>Edit Master text styles</a:t>
             </a:r>
           </a:p>
           <a:p>
             <a:pPr lvl="1"/>
             <a:r>
-              <a:rPr lang="en-US" dirty="0"/>
+              <a:rPr lang="en-US"/>
               <a:t>Second level</a:t>
             </a:r>
           </a:p>
           <a:p>
             <a:pPr lvl="2"/>
             <a:r>
-              <a:rPr lang="en-US" dirty="0"/>
+              <a:rPr lang="en-US"/>
               <a:t>Third level</a:t>
             </a:r>
           </a:p>
           <a:p>
             <a:pPr lvl="3"/>
             <a:r>
-              <a:rPr lang="en-US" dirty="0"/>
+              <a:rPr lang="en-US"/>
               <a:t>Fourth level</a:t>
             </a:r>
           </a:p>
           <a:p>
             <a:pPr lvl="4"/>
             <a:r>
-              <a:rPr lang="en-US" dirty="0"/>
+              <a:rPr lang="en-US"/>
               <a:t>Fifth level</a:t>
             </a:r>
           </a:p>
@@ -1613,7 +2690,13 @@
       </p:sp>
       <p:sp>
         <p:nvSpPr>
-          <p:cNvPr id="5" name="Text Placeholder 4"/>
+          <p:cNvPr id="5" name="Text Placeholder 4">
+            <a:extLst>
+              <a:ext uri="{FF2B5EF4-FFF2-40B4-BE49-F238E27FC236}">
+                <a16:creationId xmlns:a16="http://schemas.microsoft.com/office/drawing/2014/main" id="{BC980780-05D2-4D96-A9D5-53484814E559}"/>
+              </a:ext>
+            </a:extLst>
+          </p:cNvPr>
           <p:cNvSpPr>
             <a:spLocks noGrp="1"/>
           </p:cNvSpPr>
@@ -1621,60 +2704,56 @@
             <p:ph type="body" sz="quarter" idx="3"/>
           </p:nvPr>
         </p:nvSpPr>
-        <p:spPr bwMode="white">
+        <p:spPr>
           <a:xfrm>
             <a:off x="6172200" y="1681163"/>
             <a:ext cx="5183188" cy="823912"/>
           </a:xfrm>
-          <a:ln>
-            <a:headEnd type="none"/>
-            <a:tailEnd type="none"/>
-          </a:ln>
         </p:spPr>
         <p:txBody>
-          <a:bodyPr anchor="b" wrap="square"/>
+          <a:bodyPr anchor="b"/>
           <a:lstStyle>
             <a:lvl1pPr marL="0" indent="0">
               <a:buNone/>
-              <a:defRPr sz="2400" b="1" dirty="0"/>
+              <a:defRPr sz="2400" b="1"/>
             </a:lvl1pPr>
             <a:lvl2pPr marL="457200" indent="0">
               <a:buNone/>
-              <a:defRPr sz="2000" b="1" dirty="0"/>
+              <a:defRPr sz="2000" b="1"/>
             </a:lvl2pPr>
             <a:lvl3pPr marL="914400" indent="0">
               <a:buNone/>
-              <a:defRPr sz="1800" b="1" dirty="0"/>
+              <a:defRPr sz="1800" b="1"/>
             </a:lvl3pPr>
             <a:lvl4pPr marL="1371600" indent="0">
               <a:buNone/>
-              <a:defRPr sz="1600" b="1" dirty="0"/>
+              <a:defRPr sz="1600" b="1"/>
             </a:lvl4pPr>
             <a:lvl5pPr marL="1828800" indent="0">
               <a:buNone/>
-              <a:defRPr sz="1600" b="1" dirty="0"/>
+              <a:defRPr sz="1600" b="1"/>
             </a:lvl5pPr>
             <a:lvl6pPr marL="2286000" indent="0">
               <a:buNone/>
-              <a:defRPr sz="1600" b="1" dirty="0"/>
+              <a:defRPr sz="1600" b="1"/>
             </a:lvl6pPr>
             <a:lvl7pPr marL="2743200" indent="0">
               <a:buNone/>
-              <a:defRPr sz="1600" b="1" dirty="0"/>
+              <a:defRPr sz="1600" b="1"/>
             </a:lvl7pPr>
             <a:lvl8pPr marL="3200400" indent="0">
               <a:buNone/>
-              <a:defRPr sz="1600" b="1" dirty="0"/>
+              <a:defRPr sz="1600" b="1"/>
             </a:lvl8pPr>
             <a:lvl9pPr marL="3657600" indent="0">
               <a:buNone/>
-              <a:defRPr sz="1600" b="1" dirty="0"/>
+              <a:defRPr sz="1600" b="1"/>
             </a:lvl9pPr>
           </a:lstStyle>
           <a:p>
-            <a:pPr/>
-            <a:r>
-              <a:rPr lang="en-US" dirty="0"/>
+            <a:pPr lvl="0"/>
+            <a:r>
+              <a:rPr lang="en-US"/>
               <a:t>Edit Master text styles</a:t>
             </a:r>
           </a:p>
@@ -1682,7 +2761,13 @@
       </p:sp>
       <p:sp>
         <p:nvSpPr>
-          <p:cNvPr id="6" name="Content Placeholder 5"/>
+          <p:cNvPr id="6" name="Content Placeholder 5">
+            <a:extLst>
+              <a:ext uri="{FF2B5EF4-FFF2-40B4-BE49-F238E27FC236}">
+                <a16:creationId xmlns:a16="http://schemas.microsoft.com/office/drawing/2014/main" id="{28D4A927-7B61-40C1-92AB-688051757663}"/>
+              </a:ext>
+            </a:extLst>
+          </p:cNvPr>
           <p:cNvSpPr>
             <a:spLocks noGrp="1"/>
           </p:cNvSpPr>
@@ -1690,51 +2775,47 @@
             <p:ph sz="quarter" idx="4"/>
           </p:nvPr>
         </p:nvSpPr>
-        <p:spPr bwMode="white">
+        <p:spPr>
           <a:xfrm>
             <a:off x="6172200" y="2505075"/>
             <a:ext cx="5183188" cy="3684588"/>
           </a:xfrm>
-          <a:ln>
-            <a:headEnd type="none"/>
-            <a:tailEnd type="none"/>
-          </a:ln>
         </p:spPr>
         <p:txBody>
-          <a:bodyPr wrap="square"/>
+          <a:bodyPr/>
           <a:lstStyle/>
           <a:p>
-            <a:pPr/>
-            <a:r>
-              <a:rPr lang="en-US" dirty="0"/>
+            <a:pPr lvl="0"/>
+            <a:r>
+              <a:rPr lang="en-US"/>
               <a:t>Edit Master text styles</a:t>
             </a:r>
           </a:p>
           <a:p>
             <a:pPr lvl="1"/>
             <a:r>
-              <a:rPr lang="en-US" dirty="0"/>
+              <a:rPr lang="en-US"/>
               <a:t>Second level</a:t>
             </a:r>
           </a:p>
           <a:p>
             <a:pPr lvl="2"/>
             <a:r>
-              <a:rPr lang="en-US" dirty="0"/>
+              <a:rPr lang="en-US"/>
               <a:t>Third level</a:t>
             </a:r>
           </a:p>
           <a:p>
             <a:pPr lvl="3"/>
             <a:r>
-              <a:rPr lang="en-US" dirty="0"/>
+              <a:rPr lang="en-US"/>
               <a:t>Fourth level</a:t>
             </a:r>
           </a:p>
           <a:p>
             <a:pPr lvl="4"/>
             <a:r>
-              <a:rPr lang="en-US" dirty="0"/>
+              <a:rPr lang="en-US"/>
               <a:t>Fifth level</a:t>
             </a:r>
           </a:p>
@@ -1742,7 +2823,13 @@
       </p:sp>
       <p:sp>
         <p:nvSpPr>
-          <p:cNvPr id="7" name="Date Placeholder 6"/>
+          <p:cNvPr id="7" name="Date Placeholder 6">
+            <a:extLst>
+              <a:ext uri="{FF2B5EF4-FFF2-40B4-BE49-F238E27FC236}">
+                <a16:creationId xmlns:a16="http://schemas.microsoft.com/office/drawing/2014/main" id="{77AB97D1-5A3B-4059-815A-340FB824448A}"/>
+              </a:ext>
+            </a:extLst>
+          </p:cNvPr>
           <p:cNvSpPr>
             <a:spLocks noGrp="1"/>
           </p:cNvSpPr>
@@ -1750,28 +2837,28 @@
             <p:ph type="dt" sz="half" idx="10"/>
           </p:nvPr>
         </p:nvSpPr>
-        <p:spPr bwMode="white">
-          <a:ln>
-            <a:headEnd type="none"/>
-            <a:tailEnd type="none"/>
-          </a:ln>
-        </p:spPr>
+        <p:spPr/>
         <p:txBody>
-          <a:bodyPr wrap="square"/>
+          <a:bodyPr/>
           <a:lstStyle/>
           <a:p>
-            <a:pPr/>
             <a:fld id="{5455A7CF-DB6C-4325-93B5-8C3F06D80356}" type="datetimeFigureOut">
-              <a:rPr lang="en-US" dirty="0"/>
-              <a:t>25-Nov-22</a:t>
+              <a:rPr lang="en-US" smtClean="0"/>
+              <a:t>12/17/2024</a:t>
             </a:fld>
-            <a:endParaRPr lang="en-US" dirty="0"/>
+            <a:endParaRPr lang="en-US"/>
           </a:p>
         </p:txBody>
       </p:sp>
       <p:sp>
         <p:nvSpPr>
-          <p:cNvPr id="8" name="Footer Placeholder 7"/>
+          <p:cNvPr id="8" name="Footer Placeholder 7">
+            <a:extLst>
+              <a:ext uri="{FF2B5EF4-FFF2-40B4-BE49-F238E27FC236}">
+                <a16:creationId xmlns:a16="http://schemas.microsoft.com/office/drawing/2014/main" id="{B72DE78E-294B-446D-8474-6BA224D5B36E}"/>
+              </a:ext>
+            </a:extLst>
+          </p:cNvPr>
           <p:cNvSpPr>
             <a:spLocks noGrp="1"/>
           </p:cNvSpPr>
@@ -1779,24 +2866,24 @@
             <p:ph type="ftr" sz="quarter" idx="11"/>
           </p:nvPr>
         </p:nvSpPr>
-        <p:spPr bwMode="white">
-          <a:ln>
-            <a:headEnd type="none"/>
-            <a:tailEnd type="none"/>
-          </a:ln>
-        </p:spPr>
+        <p:spPr/>
         <p:txBody>
-          <a:bodyPr wrap="square"/>
+          <a:bodyPr/>
           <a:lstStyle/>
           <a:p>
-            <a:pPr/>
-            <a:endParaRPr lang="en-US" dirty="0"/>
+            <a:endParaRPr lang="en-US"/>
           </a:p>
         </p:txBody>
       </p:sp>
       <p:sp>
         <p:nvSpPr>
-          <p:cNvPr id="9" name="Slide Number Placeholder 8"/>
+          <p:cNvPr id="9" name="Slide Number Placeholder 8">
+            <a:extLst>
+              <a:ext uri="{FF2B5EF4-FFF2-40B4-BE49-F238E27FC236}">
+                <a16:creationId xmlns:a16="http://schemas.microsoft.com/office/drawing/2014/main" id="{EBC3293A-4FD6-4428-85E0-574DF5719A86}"/>
+              </a:ext>
+            </a:extLst>
+          </p:cNvPr>
           <p:cNvSpPr>
             <a:spLocks noGrp="1"/>
           </p:cNvSpPr>
@@ -1804,26 +2891,25 @@
             <p:ph type="sldNum" sz="quarter" idx="12"/>
           </p:nvPr>
         </p:nvSpPr>
-        <p:spPr bwMode="white">
-          <a:ln>
-            <a:headEnd type="none"/>
-            <a:tailEnd type="none"/>
-          </a:ln>
-        </p:spPr>
+        <p:spPr/>
         <p:txBody>
-          <a:bodyPr wrap="square"/>
+          <a:bodyPr/>
           <a:lstStyle/>
           <a:p>
-            <a:pPr/>
             <a:fld id="{24E76E65-7777-4C32-B153-6028045D6BD3}" type="slidenum">
-              <a:rPr lang="en-US" dirty="0"/>
+              <a:rPr lang="en-US" smtClean="0"/>
               <a:t>‹#›</a:t>
             </a:fld>
-            <a:endParaRPr lang="en-US" dirty="0"/>
+            <a:endParaRPr lang="en-US"/>
           </a:p>
         </p:txBody>
       </p:sp>
     </p:spTree>
+    <p:extLst>
+      <p:ext uri="{BB962C8B-B14F-4D97-AF65-F5344CB8AC3E}">
+        <p14:creationId xmlns:p14="http://schemas.microsoft.com/office/powerpoint/2010/main" val="1978228230"/>
+      </p:ext>
+    </p:extLst>
   </p:cSld>
   <p:clrMapOvr>
     <a:masterClrMapping/>
@@ -1832,7 +2918,7 @@
 </file>
 
 <file path=ppt/slideLayouts/slideLayout6.xml><?xml version="1.0" encoding="utf-8"?>
-<p:sldLayout xmlns:a="http://schemas.openxmlformats.org/drawingml/2006/main" xmlns:r="http://schemas.openxmlformats.org/officeDocument/2006/relationships" xmlns:p="http://schemas.openxmlformats.org/presentationml/2006/main">
+<p:sldLayout xmlns:a="http://schemas.openxmlformats.org/drawingml/2006/main" xmlns:r="http://schemas.openxmlformats.org/officeDocument/2006/relationships" xmlns:p="http://schemas.openxmlformats.org/presentationml/2006/main" type="titleOnly" preserve="1">
   <p:cSld name="Title Only">
     <p:spTree>
       <p:nvGrpSpPr>
@@ -1850,7 +2936,13 @@
       </p:grpSpPr>
       <p:sp>
         <p:nvSpPr>
-          <p:cNvPr id="2" name="Title 1"/>
+          <p:cNvPr id="2" name="Title 1">
+            <a:extLst>
+              <a:ext uri="{FF2B5EF4-FFF2-40B4-BE49-F238E27FC236}">
+                <a16:creationId xmlns:a16="http://schemas.microsoft.com/office/drawing/2014/main" id="{03521404-108D-4FCC-8492-ACE9DCF177A3}"/>
+              </a:ext>
+            </a:extLst>
+          </p:cNvPr>
           <p:cNvSpPr>
             <a:spLocks noGrp="1"/>
           </p:cNvSpPr>
@@ -1858,19 +2950,13 @@
             <p:ph type="title"/>
           </p:nvPr>
         </p:nvSpPr>
-        <p:spPr bwMode="white">
-          <a:ln>
-            <a:headEnd type="none"/>
-            <a:tailEnd type="none"/>
-          </a:ln>
-        </p:spPr>
+        <p:spPr/>
         <p:txBody>
-          <a:bodyPr wrap="square"/>
+          <a:bodyPr/>
           <a:lstStyle/>
           <a:p>
-            <a:pPr/>
-            <a:r>
-              <a:rPr lang="en-US" dirty="0"/>
+            <a:r>
+              <a:rPr lang="en-US"/>
               <a:t>Click to edit Master title style</a:t>
             </a:r>
           </a:p>
@@ -1878,7 +2964,13 @@
       </p:sp>
       <p:sp>
         <p:nvSpPr>
-          <p:cNvPr id="3" name="Date Placeholder 2"/>
+          <p:cNvPr id="3" name="Date Placeholder 2">
+            <a:extLst>
+              <a:ext uri="{FF2B5EF4-FFF2-40B4-BE49-F238E27FC236}">
+                <a16:creationId xmlns:a16="http://schemas.microsoft.com/office/drawing/2014/main" id="{7AFFD965-28FF-4929-B0DA-92C66945B932}"/>
+              </a:ext>
+            </a:extLst>
+          </p:cNvPr>
           <p:cNvSpPr>
             <a:spLocks noGrp="1"/>
           </p:cNvSpPr>
@@ -1886,28 +2978,28 @@
             <p:ph type="dt" sz="half" idx="10"/>
           </p:nvPr>
         </p:nvSpPr>
-        <p:spPr bwMode="white">
-          <a:ln>
-            <a:headEnd type="none"/>
-            <a:tailEnd type="none"/>
-          </a:ln>
-        </p:spPr>
+        <p:spPr/>
         <p:txBody>
-          <a:bodyPr wrap="square"/>
+          <a:bodyPr/>
           <a:lstStyle/>
           <a:p>
-            <a:pPr/>
             <a:fld id="{5455A7CF-DB6C-4325-93B5-8C3F06D80356}" type="datetimeFigureOut">
-              <a:rPr lang="en-US" dirty="0"/>
-              <a:t>25-Nov-22</a:t>
+              <a:rPr lang="en-US" smtClean="0"/>
+              <a:t>12/17/2024</a:t>
             </a:fld>
-            <a:endParaRPr lang="en-US" dirty="0"/>
+            <a:endParaRPr lang="en-US"/>
           </a:p>
         </p:txBody>
       </p:sp>
       <p:sp>
         <p:nvSpPr>
-          <p:cNvPr id="4" name="Footer Placeholder 3"/>
+          <p:cNvPr id="4" name="Footer Placeholder 3">
+            <a:extLst>
+              <a:ext uri="{FF2B5EF4-FFF2-40B4-BE49-F238E27FC236}">
+                <a16:creationId xmlns:a16="http://schemas.microsoft.com/office/drawing/2014/main" id="{16DAA5E0-83C1-4CF4-880B-2CF539CB7F10}"/>
+              </a:ext>
+            </a:extLst>
+          </p:cNvPr>
           <p:cNvSpPr>
             <a:spLocks noGrp="1"/>
           </p:cNvSpPr>
@@ -1915,24 +3007,24 @@
             <p:ph type="ftr" sz="quarter" idx="11"/>
           </p:nvPr>
         </p:nvSpPr>
-        <p:spPr bwMode="white">
-          <a:ln>
-            <a:headEnd type="none"/>
-            <a:tailEnd type="none"/>
-          </a:ln>
-        </p:spPr>
+        <p:spPr/>
         <p:txBody>
-          <a:bodyPr wrap="square"/>
+          <a:bodyPr/>
           <a:lstStyle/>
           <a:p>
-            <a:pPr/>
-            <a:endParaRPr lang="en-US" dirty="0"/>
+            <a:endParaRPr lang="en-US"/>
           </a:p>
         </p:txBody>
       </p:sp>
       <p:sp>
         <p:nvSpPr>
-          <p:cNvPr id="5" name="Slide Number Placeholder 4"/>
+          <p:cNvPr id="5" name="Slide Number Placeholder 4">
+            <a:extLst>
+              <a:ext uri="{FF2B5EF4-FFF2-40B4-BE49-F238E27FC236}">
+                <a16:creationId xmlns:a16="http://schemas.microsoft.com/office/drawing/2014/main" id="{DBAF3922-374B-4171-8BC5-F1E0F8421F58}"/>
+              </a:ext>
+            </a:extLst>
+          </p:cNvPr>
           <p:cNvSpPr>
             <a:spLocks noGrp="1"/>
           </p:cNvSpPr>
@@ -1940,26 +3032,25 @@
             <p:ph type="sldNum" sz="quarter" idx="12"/>
           </p:nvPr>
         </p:nvSpPr>
-        <p:spPr bwMode="white">
-          <a:ln>
-            <a:headEnd type="none"/>
-            <a:tailEnd type="none"/>
-          </a:ln>
-        </p:spPr>
+        <p:spPr/>
         <p:txBody>
-          <a:bodyPr wrap="square"/>
+          <a:bodyPr/>
           <a:lstStyle/>
           <a:p>
-            <a:pPr/>
             <a:fld id="{24E76E65-7777-4C32-B153-6028045D6BD3}" type="slidenum">
-              <a:rPr lang="en-US" dirty="0"/>
+              <a:rPr lang="en-US" smtClean="0"/>
               <a:t>‹#›</a:t>
             </a:fld>
-            <a:endParaRPr lang="en-US" dirty="0"/>
+            <a:endParaRPr lang="en-US"/>
           </a:p>
         </p:txBody>
       </p:sp>
     </p:spTree>
+    <p:extLst>
+      <p:ext uri="{BB962C8B-B14F-4D97-AF65-F5344CB8AC3E}">
+        <p14:creationId xmlns:p14="http://schemas.microsoft.com/office/powerpoint/2010/main" val="3607219534"/>
+      </p:ext>
+    </p:extLst>
   </p:cSld>
   <p:clrMapOvr>
     <a:masterClrMapping/>
@@ -1968,7 +3059,7 @@
 </file>
 
 <file path=ppt/slideLayouts/slideLayout7.xml><?xml version="1.0" encoding="utf-8"?>
-<p:sldLayout xmlns:a="http://schemas.openxmlformats.org/drawingml/2006/main" xmlns:r="http://schemas.openxmlformats.org/officeDocument/2006/relationships" xmlns:p="http://schemas.openxmlformats.org/presentationml/2006/main">
+<p:sldLayout xmlns:a="http://schemas.openxmlformats.org/drawingml/2006/main" xmlns:r="http://schemas.openxmlformats.org/officeDocument/2006/relationships" xmlns:p="http://schemas.openxmlformats.org/presentationml/2006/main" type="blank" preserve="1">
   <p:cSld name="Blank">
     <p:spTree>
       <p:nvGrpSpPr>
@@ -1986,7 +3077,13 @@
       </p:grpSpPr>
       <p:sp>
         <p:nvSpPr>
-          <p:cNvPr id="2" name="Date Placeholder 1"/>
+          <p:cNvPr id="2" name="Date Placeholder 1">
+            <a:extLst>
+              <a:ext uri="{FF2B5EF4-FFF2-40B4-BE49-F238E27FC236}">
+                <a16:creationId xmlns:a16="http://schemas.microsoft.com/office/drawing/2014/main" id="{FBAB476E-AC05-47E6-A12F-24C0D753CF12}"/>
+              </a:ext>
+            </a:extLst>
+          </p:cNvPr>
           <p:cNvSpPr>
             <a:spLocks noGrp="1"/>
           </p:cNvSpPr>
@@ -1994,28 +3091,28 @@
             <p:ph type="dt" sz="half" idx="10"/>
           </p:nvPr>
         </p:nvSpPr>
-        <p:spPr bwMode="white">
-          <a:ln>
-            <a:headEnd type="none"/>
-            <a:tailEnd type="none"/>
-          </a:ln>
-        </p:spPr>
+        <p:spPr/>
         <p:txBody>
-          <a:bodyPr wrap="square"/>
+          <a:bodyPr/>
           <a:lstStyle/>
           <a:p>
-            <a:pPr/>
             <a:fld id="{5455A7CF-DB6C-4325-93B5-8C3F06D80356}" type="datetimeFigureOut">
-              <a:rPr lang="en-US" dirty="0"/>
-              <a:t>25-Nov-22</a:t>
+              <a:rPr lang="en-US" smtClean="0"/>
+              <a:t>12/17/2024</a:t>
             </a:fld>
-            <a:endParaRPr lang="en-US" dirty="0"/>
+            <a:endParaRPr lang="en-US"/>
           </a:p>
         </p:txBody>
       </p:sp>
       <p:sp>
         <p:nvSpPr>
-          <p:cNvPr id="3" name="Footer Placeholder 2"/>
+          <p:cNvPr id="3" name="Footer Placeholder 2">
+            <a:extLst>
+              <a:ext uri="{FF2B5EF4-FFF2-40B4-BE49-F238E27FC236}">
+                <a16:creationId xmlns:a16="http://schemas.microsoft.com/office/drawing/2014/main" id="{63C97C91-D4AD-4F7E-B19C-A36AC68BCE86}"/>
+              </a:ext>
+            </a:extLst>
+          </p:cNvPr>
           <p:cNvSpPr>
             <a:spLocks noGrp="1"/>
           </p:cNvSpPr>
@@ -2023,24 +3120,24 @@
             <p:ph type="ftr" sz="quarter" idx="11"/>
           </p:nvPr>
         </p:nvSpPr>
-        <p:spPr bwMode="white">
-          <a:ln>
-            <a:headEnd type="none"/>
-            <a:tailEnd type="none"/>
-          </a:ln>
-        </p:spPr>
+        <p:spPr/>
         <p:txBody>
-          <a:bodyPr wrap="square"/>
+          <a:bodyPr/>
           <a:lstStyle/>
           <a:p>
-            <a:pPr/>
-            <a:endParaRPr lang="en-US" dirty="0"/>
+            <a:endParaRPr lang="en-US"/>
           </a:p>
         </p:txBody>
       </p:sp>
       <p:sp>
         <p:nvSpPr>
-          <p:cNvPr id="4" name="Slide Number Placeholder 3"/>
+          <p:cNvPr id="4" name="Slide Number Placeholder 3">
+            <a:extLst>
+              <a:ext uri="{FF2B5EF4-FFF2-40B4-BE49-F238E27FC236}">
+                <a16:creationId xmlns:a16="http://schemas.microsoft.com/office/drawing/2014/main" id="{9F2E8A34-EE4E-4307-B20A-F719CBC3FB1F}"/>
+              </a:ext>
+            </a:extLst>
+          </p:cNvPr>
           <p:cNvSpPr>
             <a:spLocks noGrp="1"/>
           </p:cNvSpPr>
@@ -2048,26 +3145,25 @@
             <p:ph type="sldNum" sz="quarter" idx="12"/>
           </p:nvPr>
         </p:nvSpPr>
-        <p:spPr bwMode="white">
-          <a:ln>
-            <a:headEnd type="none"/>
-            <a:tailEnd type="none"/>
-          </a:ln>
-        </p:spPr>
+        <p:spPr/>
         <p:txBody>
-          <a:bodyPr wrap="square"/>
+          <a:bodyPr/>
           <a:lstStyle/>
           <a:p>
-            <a:pPr/>
             <a:fld id="{24E76E65-7777-4C32-B153-6028045D6BD3}" type="slidenum">
-              <a:rPr lang="en-US" dirty="0"/>
+              <a:rPr lang="en-US" smtClean="0"/>
               <a:t>‹#›</a:t>
             </a:fld>
-            <a:endParaRPr lang="en-US" dirty="0"/>
+            <a:endParaRPr lang="en-US"/>
           </a:p>
         </p:txBody>
       </p:sp>
     </p:spTree>
+    <p:extLst>
+      <p:ext uri="{BB962C8B-B14F-4D97-AF65-F5344CB8AC3E}">
+        <p14:creationId xmlns:p14="http://schemas.microsoft.com/office/powerpoint/2010/main" val="682592777"/>
+      </p:ext>
+    </p:extLst>
   </p:cSld>
   <p:clrMapOvr>
     <a:masterClrMapping/>
@@ -2076,7 +3172,7 @@
 </file>
 
 <file path=ppt/slideLayouts/slideLayout8.xml><?xml version="1.0" encoding="utf-8"?>
-<p:sldLayout xmlns:a="http://schemas.openxmlformats.org/drawingml/2006/main" xmlns:r="http://schemas.openxmlformats.org/officeDocument/2006/relationships" xmlns:p="http://schemas.openxmlformats.org/presentationml/2006/main">
+<p:sldLayout xmlns:a="http://schemas.openxmlformats.org/drawingml/2006/main" xmlns:r="http://schemas.openxmlformats.org/officeDocument/2006/relationships" xmlns:p="http://schemas.openxmlformats.org/presentationml/2006/main" type="objTx" preserve="1">
   <p:cSld name="Content with Caption">
     <p:spTree>
       <p:nvGrpSpPr>
@@ -2094,7 +3190,13 @@
       </p:grpSpPr>
       <p:sp>
         <p:nvSpPr>
-          <p:cNvPr id="2" name="Title 1"/>
+          <p:cNvPr id="2" name="Title 1">
+            <a:extLst>
+              <a:ext uri="{FF2B5EF4-FFF2-40B4-BE49-F238E27FC236}">
+                <a16:creationId xmlns:a16="http://schemas.microsoft.com/office/drawing/2014/main" id="{A0E73019-6048-4EF1-8E67-3302EF95BF88}"/>
+              </a:ext>
+            </a:extLst>
+          </p:cNvPr>
           <p:cNvSpPr>
             <a:spLocks noGrp="1"/>
           </p:cNvSpPr>
@@ -2102,27 +3204,22 @@
             <p:ph type="title"/>
           </p:nvPr>
         </p:nvSpPr>
-        <p:spPr bwMode="white">
+        <p:spPr>
           <a:xfrm>
             <a:off x="839788" y="457200"/>
             <a:ext cx="3932237" cy="1600200"/>
           </a:xfrm>
-          <a:ln>
-            <a:headEnd type="none"/>
-            <a:tailEnd type="none"/>
-          </a:ln>
         </p:spPr>
         <p:txBody>
-          <a:bodyPr anchor="b" wrap="square"/>
+          <a:bodyPr anchor="b"/>
           <a:lstStyle>
             <a:lvl1pPr>
-              <a:defRPr sz="3200" dirty="0"/>
+              <a:defRPr sz="3200"/>
             </a:lvl1pPr>
           </a:lstStyle>
           <a:p>
-            <a:pPr/>
-            <a:r>
-              <a:rPr lang="en-US" dirty="0"/>
+            <a:r>
+              <a:rPr lang="en-US"/>
               <a:t>Click to edit Master title style</a:t>
             </a:r>
           </a:p>
@@ -2130,7 +3227,13 @@
       </p:sp>
       <p:sp>
         <p:nvSpPr>
-          <p:cNvPr id="3" name="Content Placeholder 2"/>
+          <p:cNvPr id="3" name="Content Placeholder 2">
+            <a:extLst>
+              <a:ext uri="{FF2B5EF4-FFF2-40B4-BE49-F238E27FC236}">
+                <a16:creationId xmlns:a16="http://schemas.microsoft.com/office/drawing/2014/main" id="{FDEAC829-6F62-4C5B-A4FE-88D795CAC2F0}"/>
+              </a:ext>
+            </a:extLst>
+          </p:cNvPr>
           <p:cNvSpPr>
             <a:spLocks noGrp="1"/>
           </p:cNvSpPr>
@@ -2138,79 +3241,75 @@
             <p:ph idx="1"/>
           </p:nvPr>
         </p:nvSpPr>
-        <p:spPr bwMode="white">
+        <p:spPr>
           <a:xfrm>
             <a:off x="5183188" y="987425"/>
             <a:ext cx="6172200" cy="4873625"/>
           </a:xfrm>
-          <a:ln>
-            <a:headEnd type="none"/>
-            <a:tailEnd type="none"/>
-          </a:ln>
         </p:spPr>
         <p:txBody>
-          <a:bodyPr wrap="square"/>
+          <a:bodyPr/>
           <a:lstStyle>
             <a:lvl1pPr>
-              <a:defRPr sz="3200" dirty="0"/>
+              <a:defRPr sz="3200"/>
             </a:lvl1pPr>
             <a:lvl2pPr>
-              <a:defRPr sz="2800" dirty="0"/>
+              <a:defRPr sz="2800"/>
             </a:lvl2pPr>
             <a:lvl3pPr>
-              <a:defRPr sz="2400" dirty="0"/>
+              <a:defRPr sz="2400"/>
             </a:lvl3pPr>
             <a:lvl4pPr>
-              <a:defRPr sz="2000" dirty="0"/>
+              <a:defRPr sz="2000"/>
             </a:lvl4pPr>
             <a:lvl5pPr>
-              <a:defRPr sz="2000" dirty="0"/>
+              <a:defRPr sz="2000"/>
             </a:lvl5pPr>
             <a:lvl6pPr>
-              <a:defRPr sz="2000" dirty="0"/>
+              <a:defRPr sz="2000"/>
             </a:lvl6pPr>
             <a:lvl7pPr>
-              <a:defRPr sz="2000" dirty="0"/>
+              <a:defRPr sz="2000"/>
             </a:lvl7pPr>
             <a:lvl8pPr>
-              <a:defRPr sz="2000" dirty="0"/>
+              <a:defRPr sz="2000"/>
             </a:lvl8pPr>
             <a:lvl9pPr>
-              <a:defRPr sz="2000" dirty="0"/>
+              <a:defRPr sz="2000"/>
             </a:lvl9pPr>
           </a:lstStyle>
           <a:p>
-            <a:pPr/>
-            <a:r>
-              <a:rPr lang="en-US" dirty="0"/>
+            <a:pPr lvl="0"/>
+            <a:r>
+              <a:rPr lang="en-US"/>
               <a:t>Edit Master text styles</a:t>
             </a:r>
           </a:p>
           <a:p>
             <a:pPr lvl="1"/>
             <a:r>
-              <a:rPr lang="en-US" dirty="0"/>
+              <a:rPr lang="en-US"/>
               <a:t>Second level</a:t>
             </a:r>
           </a:p>
           <a:p>
             <a:pPr lvl="2"/>
             <a:r>
-              <a:rPr lang="en-US" dirty="0"/>
+              <a:rPr lang="en-US"/>
               <a:t>Third level</a:t>
             </a:r>
           </a:p>
           <a:p>
             <a:pPr lvl="3"/>
             <a:r>
-              <a:rPr lang="en-US" dirty="0"/>
+              <a:rPr lang="en-US"/>
               <a:t>Fourth level</a:t>
             </a:r>
           </a:p>
           <a:p>
             <a:pPr lvl="4"/>
             <a:r>
-              <a:rPr lang="en-US" dirty="0"/>
+              <a:rPr lang="en-US"/>
               <a:t>Fifth level</a:t>
             </a:r>
           </a:p>
@@ -2218,7 +3317,13 @@
       </p:sp>
       <p:sp>
         <p:nvSpPr>
-          <p:cNvPr id="4" name="Text Placeholder 3"/>
+          <p:cNvPr id="4" name="Text Placeholder 3">
+            <a:extLst>
+              <a:ext uri="{FF2B5EF4-FFF2-40B4-BE49-F238E27FC236}">
+                <a16:creationId xmlns:a16="http://schemas.microsoft.com/office/drawing/2014/main" id="{B37B1730-5CED-46AB-8AF2-3560B72661EE}"/>
+              </a:ext>
+            </a:extLst>
+          </p:cNvPr>
           <p:cNvSpPr>
             <a:spLocks noGrp="1"/>
           </p:cNvSpPr>
@@ -2226,60 +3331,56 @@
             <p:ph type="body" sz="half" idx="2"/>
           </p:nvPr>
         </p:nvSpPr>
-        <p:spPr bwMode="white">
+        <p:spPr>
           <a:xfrm>
             <a:off x="839788" y="2057400"/>
             <a:ext cx="3932237" cy="3811588"/>
           </a:xfrm>
-          <a:ln>
-            <a:headEnd type="none"/>
-            <a:tailEnd type="none"/>
-          </a:ln>
         </p:spPr>
         <p:txBody>
-          <a:bodyPr wrap="square"/>
+          <a:bodyPr/>
           <a:lstStyle>
             <a:lvl1pPr marL="0" indent="0">
               <a:buNone/>
-              <a:defRPr sz="1600" dirty="0"/>
+              <a:defRPr sz="1600"/>
             </a:lvl1pPr>
             <a:lvl2pPr marL="457200" indent="0">
               <a:buNone/>
-              <a:defRPr sz="1400" dirty="0"/>
+              <a:defRPr sz="1400"/>
             </a:lvl2pPr>
             <a:lvl3pPr marL="914400" indent="0">
               <a:buNone/>
-              <a:defRPr sz="1200" dirty="0"/>
+              <a:defRPr sz="1200"/>
             </a:lvl3pPr>
             <a:lvl4pPr marL="1371600" indent="0">
               <a:buNone/>
-              <a:defRPr sz="1000" dirty="0"/>
+              <a:defRPr sz="1000"/>
             </a:lvl4pPr>
             <a:lvl5pPr marL="1828800" indent="0">
               <a:buNone/>
-              <a:defRPr sz="1000" dirty="0"/>
+              <a:defRPr sz="1000"/>
             </a:lvl5pPr>
             <a:lvl6pPr marL="2286000" indent="0">
               <a:buNone/>
-              <a:defRPr sz="1000" dirty="0"/>
+              <a:defRPr sz="1000"/>
             </a:lvl6pPr>
             <a:lvl7pPr marL="2743200" indent="0">
               <a:buNone/>
-              <a:defRPr sz="1000" dirty="0"/>
+              <a:defRPr sz="1000"/>
             </a:lvl7pPr>
             <a:lvl8pPr marL="3200400" indent="0">
               <a:buNone/>
-              <a:defRPr sz="1000" dirty="0"/>
+              <a:defRPr sz="1000"/>
             </a:lvl8pPr>
             <a:lvl9pPr marL="3657600" indent="0">
               <a:buNone/>
-              <a:defRPr sz="1000" dirty="0"/>
+              <a:defRPr sz="1000"/>
             </a:lvl9pPr>
           </a:lstStyle>
           <a:p>
-            <a:pPr/>
-            <a:r>
-              <a:rPr lang="en-US" dirty="0"/>
+            <a:pPr lvl="0"/>
+            <a:r>
+              <a:rPr lang="en-US"/>
               <a:t>Edit Master text styles</a:t>
             </a:r>
           </a:p>
@@ -2287,7 +3388,13 @@
       </p:sp>
       <p:sp>
         <p:nvSpPr>
-          <p:cNvPr id="5" name="Date Placeholder 4"/>
+          <p:cNvPr id="5" name="Date Placeholder 4">
+            <a:extLst>
+              <a:ext uri="{FF2B5EF4-FFF2-40B4-BE49-F238E27FC236}">
+                <a16:creationId xmlns:a16="http://schemas.microsoft.com/office/drawing/2014/main" id="{817798A2-8D49-4C9C-8CB7-5367A10AB5B7}"/>
+              </a:ext>
+            </a:extLst>
+          </p:cNvPr>
           <p:cNvSpPr>
             <a:spLocks noGrp="1"/>
           </p:cNvSpPr>
@@ -2295,28 +3402,28 @@
             <p:ph type="dt" sz="half" idx="10"/>
           </p:nvPr>
         </p:nvSpPr>
-        <p:spPr bwMode="white">
-          <a:ln>
-            <a:headEnd type="none"/>
-            <a:tailEnd type="none"/>
-          </a:ln>
-        </p:spPr>
+        <p:spPr/>
         <p:txBody>
-          <a:bodyPr wrap="square"/>
+          <a:bodyPr/>
           <a:lstStyle/>
           <a:p>
-            <a:pPr/>
             <a:fld id="{5455A7CF-DB6C-4325-93B5-8C3F06D80356}" type="datetimeFigureOut">
-              <a:rPr lang="en-US" dirty="0"/>
-              <a:t>25-Nov-22</a:t>
+              <a:rPr lang="en-US" smtClean="0"/>
+              <a:t>12/17/2024</a:t>
             </a:fld>
-            <a:endParaRPr lang="en-US" dirty="0"/>
+            <a:endParaRPr lang="en-US"/>
           </a:p>
         </p:txBody>
       </p:sp>
       <p:sp>
         <p:nvSpPr>
-          <p:cNvPr id="6" name="Footer Placeholder 5"/>
+          <p:cNvPr id="6" name="Footer Placeholder 5">
+            <a:extLst>
+              <a:ext uri="{FF2B5EF4-FFF2-40B4-BE49-F238E27FC236}">
+                <a16:creationId xmlns:a16="http://schemas.microsoft.com/office/drawing/2014/main" id="{7C709CD0-EF6C-41C7-B9BA-9FC337BD76EC}"/>
+              </a:ext>
+            </a:extLst>
+          </p:cNvPr>
           <p:cNvSpPr>
             <a:spLocks noGrp="1"/>
           </p:cNvSpPr>
@@ -2324,24 +3431,24 @@
             <p:ph type="ftr" sz="quarter" idx="11"/>
           </p:nvPr>
         </p:nvSpPr>
-        <p:spPr bwMode="white">
-          <a:ln>
-            <a:headEnd type="none"/>
-            <a:tailEnd type="none"/>
-          </a:ln>
-        </p:spPr>
+        <p:spPr/>
         <p:txBody>
-          <a:bodyPr wrap="square"/>
+          <a:bodyPr/>
           <a:lstStyle/>
           <a:p>
-            <a:pPr/>
-            <a:endParaRPr lang="en-US" dirty="0"/>
+            <a:endParaRPr lang="en-US"/>
           </a:p>
         </p:txBody>
       </p:sp>
       <p:sp>
         <p:nvSpPr>
-          <p:cNvPr id="7" name="Slide Number Placeholder 6"/>
+          <p:cNvPr id="7" name="Slide Number Placeholder 6">
+            <a:extLst>
+              <a:ext uri="{FF2B5EF4-FFF2-40B4-BE49-F238E27FC236}">
+                <a16:creationId xmlns:a16="http://schemas.microsoft.com/office/drawing/2014/main" id="{A34E108C-CC43-4553-B063-33D1C360EC5A}"/>
+              </a:ext>
+            </a:extLst>
+          </p:cNvPr>
           <p:cNvSpPr>
             <a:spLocks noGrp="1"/>
           </p:cNvSpPr>
@@ -2349,26 +3456,25 @@
             <p:ph type="sldNum" sz="quarter" idx="12"/>
           </p:nvPr>
         </p:nvSpPr>
-        <p:spPr bwMode="white">
-          <a:ln>
-            <a:headEnd type="none"/>
-            <a:tailEnd type="none"/>
-          </a:ln>
-        </p:spPr>
+        <p:spPr/>
         <p:txBody>
-          <a:bodyPr wrap="square"/>
+          <a:bodyPr/>
           <a:lstStyle/>
           <a:p>
-            <a:pPr/>
             <a:fld id="{24E76E65-7777-4C32-B153-6028045D6BD3}" type="slidenum">
-              <a:rPr lang="en-US" dirty="0"/>
+              <a:rPr lang="en-US" smtClean="0"/>
               <a:t>‹#›</a:t>
             </a:fld>
-            <a:endParaRPr lang="en-US" dirty="0"/>
+            <a:endParaRPr lang="en-US"/>
           </a:p>
         </p:txBody>
       </p:sp>
     </p:spTree>
+    <p:extLst>
+      <p:ext uri="{BB962C8B-B14F-4D97-AF65-F5344CB8AC3E}">
+        <p14:creationId xmlns:p14="http://schemas.microsoft.com/office/powerpoint/2010/main" val="822060622"/>
+      </p:ext>
+    </p:extLst>
   </p:cSld>
   <p:clrMapOvr>
     <a:masterClrMapping/>
@@ -2377,7 +3483,7 @@
 </file>
 
 <file path=ppt/slideLayouts/slideLayout9.xml><?xml version="1.0" encoding="utf-8"?>
-<p:sldLayout xmlns:a="http://schemas.openxmlformats.org/drawingml/2006/main" xmlns:r="http://schemas.openxmlformats.org/officeDocument/2006/relationships" xmlns:p="http://schemas.openxmlformats.org/presentationml/2006/main">
+<p:sldLayout xmlns:a="http://schemas.openxmlformats.org/drawingml/2006/main" xmlns:r="http://schemas.openxmlformats.org/officeDocument/2006/relationships" xmlns:p="http://schemas.openxmlformats.org/presentationml/2006/main" type="picTx" preserve="1">
   <p:cSld name="Picture with Caption">
     <p:spTree>
       <p:nvGrpSpPr>
@@ -2395,7 +3501,13 @@
       </p:grpSpPr>
       <p:sp>
         <p:nvSpPr>
-          <p:cNvPr id="2" name="Title 1"/>
+          <p:cNvPr id="2" name="Title 1">
+            <a:extLst>
+              <a:ext uri="{FF2B5EF4-FFF2-40B4-BE49-F238E27FC236}">
+                <a16:creationId xmlns:a16="http://schemas.microsoft.com/office/drawing/2014/main" id="{E482A4BF-7EBD-4087-A800-77CFD938AE50}"/>
+              </a:ext>
+            </a:extLst>
+          </p:cNvPr>
           <p:cNvSpPr>
             <a:spLocks noGrp="1"/>
           </p:cNvSpPr>
@@ -2403,27 +3515,22 @@
             <p:ph type="title"/>
           </p:nvPr>
         </p:nvSpPr>
-        <p:spPr bwMode="white">
+        <p:spPr>
           <a:xfrm>
             <a:off x="839788" y="457200"/>
             <a:ext cx="3932237" cy="1600200"/>
           </a:xfrm>
-          <a:ln>
-            <a:headEnd type="none"/>
-            <a:tailEnd type="none"/>
-          </a:ln>
         </p:spPr>
         <p:txBody>
-          <a:bodyPr anchor="b" wrap="square"/>
+          <a:bodyPr anchor="b"/>
           <a:lstStyle>
             <a:lvl1pPr>
-              <a:defRPr sz="3200" dirty="0"/>
+              <a:defRPr sz="3200"/>
             </a:lvl1pPr>
           </a:lstStyle>
           <a:p>
-            <a:pPr/>
-            <a:r>
-              <a:rPr lang="en-US" dirty="0"/>
+            <a:r>
+              <a:rPr lang="en-US"/>
               <a:t>Click to edit Master title style</a:t>
             </a:r>
           </a:p>
@@ -2431,7 +3538,13 @@
       </p:sp>
       <p:sp>
         <p:nvSpPr>
-          <p:cNvPr id="3" name="Picture Placeholder 2"/>
+          <p:cNvPr id="3" name="Picture Placeholder 2">
+            <a:extLst>
+              <a:ext uri="{FF2B5EF4-FFF2-40B4-BE49-F238E27FC236}">
+                <a16:creationId xmlns:a16="http://schemas.microsoft.com/office/drawing/2014/main" id="{8A2AE39C-E7E5-4536-968C-65137F387DC9}"/>
+              </a:ext>
+            </a:extLst>
+          </p:cNvPr>
           <p:cNvSpPr>
             <a:spLocks noGrp="1"/>
           </p:cNvSpPr>
@@ -2439,65 +3552,66 @@
             <p:ph type="pic" idx="1"/>
           </p:nvPr>
         </p:nvSpPr>
-        <p:spPr bwMode="white">
+        <p:spPr>
           <a:xfrm>
             <a:off x="5183188" y="987425"/>
             <a:ext cx="6172200" cy="4873625"/>
           </a:xfrm>
-          <a:ln>
-            <a:headEnd type="none"/>
-            <a:tailEnd type="none"/>
-          </a:ln>
         </p:spPr>
         <p:txBody>
-          <a:bodyPr wrap="square"/>
+          <a:bodyPr/>
           <a:lstStyle>
             <a:lvl1pPr marL="0" indent="0">
               <a:buNone/>
-              <a:defRPr sz="3200" dirty="0"/>
+              <a:defRPr sz="3200"/>
             </a:lvl1pPr>
             <a:lvl2pPr marL="457200" indent="0">
               <a:buNone/>
-              <a:defRPr sz="2800" dirty="0"/>
+              <a:defRPr sz="2800"/>
             </a:lvl2pPr>
             <a:lvl3pPr marL="914400" indent="0">
               <a:buNone/>
-              <a:defRPr sz="2400" dirty="0"/>
+              <a:defRPr sz="2400"/>
             </a:lvl3pPr>
             <a:lvl4pPr marL="1371600" indent="0">
               <a:buNone/>
-              <a:defRPr sz="2000" dirty="0"/>
+              <a:defRPr sz="2000"/>
             </a:lvl4pPr>
             <a:lvl5pPr marL="1828800" indent="0">
               <a:buNone/>
-              <a:defRPr sz="2000" dirty="0"/>
+              <a:defRPr sz="2000"/>
             </a:lvl5pPr>
             <a:lvl6pPr marL="2286000" indent="0">
               <a:buNone/>
-              <a:defRPr sz="2000" dirty="0"/>
+              <a:defRPr sz="2000"/>
             </a:lvl6pPr>
             <a:lvl7pPr marL="2743200" indent="0">
               <a:buNone/>
-              <a:defRPr sz="2000" dirty="0"/>
+              <a:defRPr sz="2000"/>
             </a:lvl7pPr>
             <a:lvl8pPr marL="3200400" indent="0">
               <a:buNone/>
-              <a:defRPr sz="2000" dirty="0"/>
+              <a:defRPr sz="2000"/>
             </a:lvl8pPr>
             <a:lvl9pPr marL="3657600" indent="0">
               <a:buNone/>
-              <a:defRPr sz="2000" dirty="0"/>
+              <a:defRPr sz="2000"/>
             </a:lvl9pPr>
           </a:lstStyle>
           <a:p>
-            <a:pPr/>
-            <a:endParaRPr lang="en-US" dirty="0"/>
+            <a:endParaRPr lang="en-US"/>
           </a:p>
         </p:txBody>
       </p:sp>
       <p:sp>
         <p:nvSpPr>
-          <p:cNvPr id="4" name="Text Placeholder 3"/>
+          <p:cNvPr id="4" name="Text Placeholder 3">
+            <a:extLst>
+              <a:ext uri="{FF2B5EF4-FFF2-40B4-BE49-F238E27FC236}">
+                <a16:creationId xmlns:a16="http://schemas.microsoft.com/office/drawing/2014/main" id="{096C026E-0017-4FFD-BB30-78C5416B2316}"/>
+              </a:ext>
+            </a:extLst>
+          </p:cNvPr>
           <p:cNvSpPr>
             <a:spLocks noGrp="1"/>
           </p:cNvSpPr>
@@ -2505,60 +3619,56 @@
             <p:ph type="body" sz="half" idx="2"/>
           </p:nvPr>
         </p:nvSpPr>
-        <p:spPr bwMode="white">
+        <p:spPr>
           <a:xfrm>
             <a:off x="839788" y="2057400"/>
             <a:ext cx="3932237" cy="3811588"/>
           </a:xfrm>
-          <a:ln>
-            <a:headEnd type="none"/>
-            <a:tailEnd type="none"/>
-          </a:ln>
         </p:spPr>
         <p:txBody>
-          <a:bodyPr wrap="square"/>
+          <a:bodyPr/>
           <a:lstStyle>
             <a:lvl1pPr marL="0" indent="0">
               <a:buNone/>
-              <a:defRPr sz="1600" dirty="0"/>
+              <a:defRPr sz="1600"/>
             </a:lvl1pPr>
             <a:lvl2pPr marL="457200" indent="0">
               <a:buNone/>
-              <a:defRPr sz="1400" dirty="0"/>
+              <a:defRPr sz="1400"/>
             </a:lvl2pPr>
             <a:lvl3pPr marL="914400" indent="0">
               <a:buNone/>
-              <a:defRPr sz="1200" dirty="0"/>
+              <a:defRPr sz="1200"/>
             </a:lvl3pPr>
             <a:lvl4pPr marL="1371600" indent="0">
               <a:buNone/>
-              <a:defRPr sz="1000" dirty="0"/>
+              <a:defRPr sz="1000"/>
             </a:lvl4pPr>
             <a:lvl5pPr marL="1828800" indent="0">
               <a:buNone/>
-              <a:defRPr sz="1000" dirty="0"/>
+              <a:defRPr sz="1000"/>
             </a:lvl5pPr>
             <a:lvl6pPr marL="2286000" indent="0">
               <a:buNone/>
-              <a:defRPr sz="1000" dirty="0"/>
+              <a:defRPr sz="1000"/>
             </a:lvl6pPr>
             <a:lvl7pPr marL="2743200" indent="0">
               <a:buNone/>
-              <a:defRPr sz="1000" dirty="0"/>
+              <a:defRPr sz="1000"/>
             </a:lvl7pPr>
             <a:lvl8pPr marL="3200400" indent="0">
               <a:buNone/>
-              <a:defRPr sz="1000" dirty="0"/>
+              <a:defRPr sz="1000"/>
             </a:lvl8pPr>
             <a:lvl9pPr marL="3657600" indent="0">
               <a:buNone/>
-              <a:defRPr sz="1000" dirty="0"/>
+              <a:defRPr sz="1000"/>
             </a:lvl9pPr>
           </a:lstStyle>
           <a:p>
-            <a:pPr/>
-            <a:r>
-              <a:rPr lang="en-US" dirty="0"/>
+            <a:pPr lvl="0"/>
+            <a:r>
+              <a:rPr lang="en-US"/>
               <a:t>Edit Master text styles</a:t>
             </a:r>
           </a:p>
@@ -2566,7 +3676,13 @@
       </p:sp>
       <p:sp>
         <p:nvSpPr>
-          <p:cNvPr id="5" name="Date Placeholder 4"/>
+          <p:cNvPr id="5" name="Date Placeholder 4">
+            <a:extLst>
+              <a:ext uri="{FF2B5EF4-FFF2-40B4-BE49-F238E27FC236}">
+                <a16:creationId xmlns:a16="http://schemas.microsoft.com/office/drawing/2014/main" id="{96C98FE5-8A1C-4192-984C-C18B093CADF6}"/>
+              </a:ext>
+            </a:extLst>
+          </p:cNvPr>
           <p:cNvSpPr>
             <a:spLocks noGrp="1"/>
           </p:cNvSpPr>
@@ -2574,28 +3690,28 @@
             <p:ph type="dt" sz="half" idx="10"/>
           </p:nvPr>
         </p:nvSpPr>
-        <p:spPr bwMode="white">
-          <a:ln>
-            <a:headEnd type="none"/>
-            <a:tailEnd type="none"/>
-          </a:ln>
-        </p:spPr>
+        <p:spPr/>
         <p:txBody>
-          <a:bodyPr wrap="square"/>
+          <a:bodyPr/>
           <a:lstStyle/>
           <a:p>
-            <a:pPr/>
             <a:fld id="{5455A7CF-DB6C-4325-93B5-8C3F06D80356}" type="datetimeFigureOut">
-              <a:rPr lang="en-US" dirty="0"/>
-              <a:t>25-Nov-22</a:t>
+              <a:rPr lang="en-US" smtClean="0"/>
+              <a:t>12/17/2024</a:t>
             </a:fld>
-            <a:endParaRPr lang="en-US" dirty="0"/>
+            <a:endParaRPr lang="en-US"/>
           </a:p>
         </p:txBody>
       </p:sp>
       <p:sp>
         <p:nvSpPr>
-          <p:cNvPr id="6" name="Footer Placeholder 5"/>
+          <p:cNvPr id="6" name="Footer Placeholder 5">
+            <a:extLst>
+              <a:ext uri="{FF2B5EF4-FFF2-40B4-BE49-F238E27FC236}">
+                <a16:creationId xmlns:a16="http://schemas.microsoft.com/office/drawing/2014/main" id="{6E25DD6C-2A37-4709-B29A-446A57181981}"/>
+              </a:ext>
+            </a:extLst>
+          </p:cNvPr>
           <p:cNvSpPr>
             <a:spLocks noGrp="1"/>
           </p:cNvSpPr>
@@ -2603,24 +3719,24 @@
             <p:ph type="ftr" sz="quarter" idx="11"/>
           </p:nvPr>
         </p:nvSpPr>
-        <p:spPr bwMode="white">
-          <a:ln>
-            <a:headEnd type="none"/>
-            <a:tailEnd type="none"/>
-          </a:ln>
-        </p:spPr>
+        <p:spPr/>
         <p:txBody>
-          <a:bodyPr wrap="square"/>
+          <a:bodyPr/>
           <a:lstStyle/>
           <a:p>
-            <a:pPr/>
-            <a:endParaRPr lang="en-US" dirty="0"/>
+            <a:endParaRPr lang="en-US"/>
           </a:p>
         </p:txBody>
       </p:sp>
       <p:sp>
         <p:nvSpPr>
-          <p:cNvPr id="7" name="Slide Number Placeholder 6"/>
+          <p:cNvPr id="7" name="Slide Number Placeholder 6">
+            <a:extLst>
+              <a:ext uri="{FF2B5EF4-FFF2-40B4-BE49-F238E27FC236}">
+                <a16:creationId xmlns:a16="http://schemas.microsoft.com/office/drawing/2014/main" id="{0256A181-3C79-475A-8A12-7267413561EB}"/>
+              </a:ext>
+            </a:extLst>
+          </p:cNvPr>
           <p:cNvSpPr>
             <a:spLocks noGrp="1"/>
           </p:cNvSpPr>
@@ -2628,26 +3744,25 @@
             <p:ph type="sldNum" sz="quarter" idx="12"/>
           </p:nvPr>
         </p:nvSpPr>
-        <p:spPr bwMode="white">
-          <a:ln>
-            <a:headEnd type="none"/>
-            <a:tailEnd type="none"/>
-          </a:ln>
-        </p:spPr>
+        <p:spPr/>
         <p:txBody>
-          <a:bodyPr wrap="square"/>
+          <a:bodyPr/>
           <a:lstStyle/>
           <a:p>
-            <a:pPr/>
             <a:fld id="{24E76E65-7777-4C32-B153-6028045D6BD3}" type="slidenum">
-              <a:rPr lang="en-US" dirty="0"/>
+              <a:rPr lang="en-US" smtClean="0"/>
               <a:t>‹#›</a:t>
             </a:fld>
-            <a:endParaRPr lang="en-US" dirty="0"/>
+            <a:endParaRPr lang="en-US"/>
           </a:p>
         </p:txBody>
       </p:sp>
     </p:spTree>
+    <p:extLst>
+      <p:ext uri="{BB962C8B-B14F-4D97-AF65-F5344CB8AC3E}">
+        <p14:creationId xmlns:p14="http://schemas.microsoft.com/office/powerpoint/2010/main" val="209579900"/>
+      </p:ext>
+    </p:extLst>
   </p:cSld>
   <p:clrMapOvr>
     <a:masterClrMapping/>
@@ -2659,11 +3774,9 @@
 <p:sldMaster xmlns:a="http://schemas.openxmlformats.org/drawingml/2006/main" xmlns:r="http://schemas.openxmlformats.org/officeDocument/2006/relationships" xmlns:p="http://schemas.openxmlformats.org/presentationml/2006/main">
   <p:cSld>
     <p:bg>
-      <p:bgPr>
-        <a:solidFill>
-          <a:schemeClr val="bg1"/>
-        </a:solidFill>
-      </p:bgPr>
+      <p:bgRef idx="1001">
+        <a:schemeClr val="bg1"/>
+      </p:bgRef>
     </p:bg>
     <p:spTree>
       <p:nvGrpSpPr>
@@ -2681,7 +3794,13 @@
       </p:grpSpPr>
       <p:sp>
         <p:nvSpPr>
-          <p:cNvPr id="2" name="Title Placeholder 1"/>
+          <p:cNvPr id="2" name="Title Placeholder 1">
+            <a:extLst>
+              <a:ext uri="{FF2B5EF4-FFF2-40B4-BE49-F238E27FC236}">
+                <a16:creationId xmlns:a16="http://schemas.microsoft.com/office/drawing/2014/main" id="{BB55371D-5B24-4F8F-B844-6B7F15843C6B}"/>
+              </a:ext>
+            </a:extLst>
+          </p:cNvPr>
           <p:cNvSpPr>
             <a:spLocks noGrp="1"/>
           </p:cNvSpPr>
@@ -2689,7 +3808,7 @@
             <p:ph type="title"/>
           </p:nvPr>
         </p:nvSpPr>
-        <p:spPr bwMode="white">
+        <p:spPr>
           <a:xfrm>
             <a:off x="838200" y="365125"/>
             <a:ext cx="10515600" cy="1325563"/>
@@ -2697,20 +3816,15 @@
           <a:prstGeom prst="rect">
             <a:avLst/>
           </a:prstGeom>
-          <a:ln>
-            <a:headEnd type="none"/>
-            <a:tailEnd type="none"/>
-          </a:ln>
         </p:spPr>
         <p:txBody>
-          <a:bodyPr lIns="91440" tIns="45720" rIns="91440" bIns="45720" anchor="ctr" wrap="square">
+          <a:bodyPr vert="horz" lIns="91440" tIns="45720" rIns="91440" bIns="45720" rtlCol="0" anchor="ctr">
             <a:normAutofit/>
           </a:bodyPr>
           <a:lstStyle/>
           <a:p>
-            <a:pPr/>
-            <a:r>
-              <a:rPr lang="en-US" dirty="0"/>
+            <a:r>
+              <a:rPr lang="en-US"/>
               <a:t>Click to edit Master title style</a:t>
             </a:r>
           </a:p>
@@ -2718,7 +3832,13 @@
       </p:sp>
       <p:sp>
         <p:nvSpPr>
-          <p:cNvPr id="3" name="Text Placeholder 2"/>
+          <p:cNvPr id="3" name="Text Placeholder 2">
+            <a:extLst>
+              <a:ext uri="{FF2B5EF4-FFF2-40B4-BE49-F238E27FC236}">
+                <a16:creationId xmlns:a16="http://schemas.microsoft.com/office/drawing/2014/main" id="{46108F94-535E-4939-99EE-305982298D23}"/>
+              </a:ext>
+            </a:extLst>
+          </p:cNvPr>
           <p:cNvSpPr>
             <a:spLocks noGrp="1"/>
           </p:cNvSpPr>
@@ -2726,7 +3846,7 @@
             <p:ph type="body" idx="1"/>
           </p:nvPr>
         </p:nvSpPr>
-        <p:spPr bwMode="white">
+        <p:spPr>
           <a:xfrm>
             <a:off x="838200" y="1825625"/>
             <a:ext cx="10515600" cy="4351338"/>
@@ -2734,48 +3854,44 @@
           <a:prstGeom prst="rect">
             <a:avLst/>
           </a:prstGeom>
-          <a:ln>
-            <a:headEnd type="none"/>
-            <a:tailEnd type="none"/>
-          </a:ln>
         </p:spPr>
         <p:txBody>
-          <a:bodyPr lIns="91440" tIns="45720" rIns="91440" bIns="45720" wrap="square">
+          <a:bodyPr vert="horz" lIns="91440" tIns="45720" rIns="91440" bIns="45720" rtlCol="0">
             <a:normAutofit/>
           </a:bodyPr>
           <a:lstStyle/>
           <a:p>
-            <a:pPr/>
-            <a:r>
-              <a:rPr lang="en-US" dirty="0"/>
+            <a:pPr lvl="0"/>
+            <a:r>
+              <a:rPr lang="en-US"/>
               <a:t>Edit Master text styles</a:t>
             </a:r>
           </a:p>
           <a:p>
             <a:pPr lvl="1"/>
             <a:r>
-              <a:rPr lang="en-US" dirty="0"/>
+              <a:rPr lang="en-US"/>
               <a:t>Second level</a:t>
             </a:r>
           </a:p>
           <a:p>
             <a:pPr lvl="2"/>
             <a:r>
-              <a:rPr lang="en-US" dirty="0"/>
+              <a:rPr lang="en-US"/>
               <a:t>Third level</a:t>
             </a:r>
           </a:p>
           <a:p>
             <a:pPr lvl="3"/>
             <a:r>
-              <a:rPr lang="en-US" dirty="0"/>
+              <a:rPr lang="en-US"/>
               <a:t>Fourth level</a:t>
             </a:r>
           </a:p>
           <a:p>
             <a:pPr lvl="4"/>
             <a:r>
-              <a:rPr lang="en-US" dirty="0"/>
+              <a:rPr lang="en-US"/>
               <a:t>Fifth level</a:t>
             </a:r>
           </a:p>
@@ -2783,7 +3899,13 @@
       </p:sp>
       <p:sp>
         <p:nvSpPr>
-          <p:cNvPr id="4" name="Date Placeholder 3"/>
+          <p:cNvPr id="4" name="Date Placeholder 3">
+            <a:extLst>
+              <a:ext uri="{FF2B5EF4-FFF2-40B4-BE49-F238E27FC236}">
+                <a16:creationId xmlns:a16="http://schemas.microsoft.com/office/drawing/2014/main" id="{37A8EA68-1C72-4720-B1FE-ED04C5E77114}"/>
+              </a:ext>
+            </a:extLst>
+          </p:cNvPr>
           <p:cNvSpPr>
             <a:spLocks noGrp="1"/>
           </p:cNvSpPr>
@@ -2791,7 +3913,7 @@
             <p:ph type="dt" sz="half" idx="2"/>
           </p:nvPr>
         </p:nvSpPr>
-        <p:spPr bwMode="white">
+        <p:spPr>
           <a:xfrm>
             <a:off x="838200" y="6356350"/>
             <a:ext cx="2743200" cy="365125"/>
@@ -2799,16 +3921,12 @@
           <a:prstGeom prst="rect">
             <a:avLst/>
           </a:prstGeom>
-          <a:ln>
-            <a:headEnd type="none"/>
-            <a:tailEnd type="none"/>
-          </a:ln>
         </p:spPr>
         <p:txBody>
-          <a:bodyPr lIns="91440" tIns="45720" rIns="91440" bIns="45720" anchor="ctr" wrap="square"/>
+          <a:bodyPr vert="horz" lIns="91440" tIns="45720" rIns="91440" bIns="45720" rtlCol="0" anchor="ctr"/>
           <a:lstStyle>
             <a:lvl1pPr algn="l">
-              <a:defRPr sz="1200" dirty="0">
+              <a:defRPr sz="1200">
                 <a:solidFill>
                   <a:schemeClr val="tx1">
                     <a:tint val="75000"/>
@@ -2818,18 +3936,23 @@
             </a:lvl1pPr>
           </a:lstStyle>
           <a:p>
-            <a:pPr/>
             <a:fld id="{5455A7CF-DB6C-4325-93B5-8C3F06D80356}" type="datetimeFigureOut">
-              <a:rPr lang="en-US" dirty="0"/>
-              <a:t>25-Nov-22</a:t>
+              <a:rPr lang="en-US" smtClean="0"/>
+              <a:t>12/17/2024</a:t>
             </a:fld>
-            <a:endParaRPr lang="en-US" dirty="0"/>
+            <a:endParaRPr lang="en-US"/>
           </a:p>
         </p:txBody>
       </p:sp>
       <p:sp>
         <p:nvSpPr>
-          <p:cNvPr id="5" name="Footer Placeholder 4"/>
+          <p:cNvPr id="5" name="Footer Placeholder 4">
+            <a:extLst>
+              <a:ext uri="{FF2B5EF4-FFF2-40B4-BE49-F238E27FC236}">
+                <a16:creationId xmlns:a16="http://schemas.microsoft.com/office/drawing/2014/main" id="{E13B2E32-A768-4ED6-970A-84BCB388DE07}"/>
+              </a:ext>
+            </a:extLst>
+          </p:cNvPr>
           <p:cNvSpPr>
             <a:spLocks noGrp="1"/>
           </p:cNvSpPr>
@@ -2837,7 +3960,7 @@
             <p:ph type="ftr" sz="quarter" idx="3"/>
           </p:nvPr>
         </p:nvSpPr>
-        <p:spPr bwMode="white">
+        <p:spPr>
           <a:xfrm>
             <a:off x="4038600" y="6356350"/>
             <a:ext cx="4114800" cy="365125"/>
@@ -2845,16 +3968,12 @@
           <a:prstGeom prst="rect">
             <a:avLst/>
           </a:prstGeom>
-          <a:ln>
-            <a:headEnd type="none"/>
-            <a:tailEnd type="none"/>
-          </a:ln>
         </p:spPr>
         <p:txBody>
-          <a:bodyPr lIns="91440" tIns="45720" rIns="91440" bIns="45720" anchor="ctr" wrap="square"/>
+          <a:bodyPr vert="horz" lIns="91440" tIns="45720" rIns="91440" bIns="45720" rtlCol="0" anchor="ctr"/>
           <a:lstStyle>
             <a:lvl1pPr algn="ctr">
-              <a:defRPr sz="1200" dirty="0">
+              <a:defRPr sz="1200">
                 <a:solidFill>
                   <a:schemeClr val="tx1">
                     <a:tint val="75000"/>
@@ -2864,14 +3983,19 @@
             </a:lvl1pPr>
           </a:lstStyle>
           <a:p>
-            <a:pPr/>
-            <a:endParaRPr lang="en-US" dirty="0"/>
+            <a:endParaRPr lang="en-US"/>
           </a:p>
         </p:txBody>
       </p:sp>
       <p:sp>
         <p:nvSpPr>
-          <p:cNvPr id="6" name="Slide Number Placeholder 5"/>
+          <p:cNvPr id="6" name="Slide Number Placeholder 5">
+            <a:extLst>
+              <a:ext uri="{FF2B5EF4-FFF2-40B4-BE49-F238E27FC236}">
+                <a16:creationId xmlns:a16="http://schemas.microsoft.com/office/drawing/2014/main" id="{B42913F1-F29E-45B5-BF89-6221E2F9F9E3}"/>
+              </a:ext>
+            </a:extLst>
+          </p:cNvPr>
           <p:cNvSpPr>
             <a:spLocks noGrp="1"/>
           </p:cNvSpPr>
@@ -2879,7 +4003,7 @@
             <p:ph type="sldNum" sz="quarter" idx="4"/>
           </p:nvPr>
         </p:nvSpPr>
-        <p:spPr bwMode="white">
+        <p:spPr>
           <a:xfrm>
             <a:off x="8610600" y="6356350"/>
             <a:ext cx="2743200" cy="365125"/>
@@ -2887,16 +4011,12 @@
           <a:prstGeom prst="rect">
             <a:avLst/>
           </a:prstGeom>
-          <a:ln>
-            <a:headEnd type="none"/>
-            <a:tailEnd type="none"/>
-          </a:ln>
         </p:spPr>
         <p:txBody>
-          <a:bodyPr lIns="91440" tIns="45720" rIns="91440" bIns="45720" anchor="ctr" wrap="square"/>
+          <a:bodyPr vert="horz" lIns="91440" tIns="45720" rIns="91440" bIns="45720" rtlCol="0" anchor="ctr"/>
           <a:lstStyle>
             <a:lvl1pPr algn="r">
-              <a:defRPr sz="1200" dirty="0">
+              <a:defRPr sz="1200">
                 <a:solidFill>
                   <a:schemeClr val="tx1">
                     <a:tint val="75000"/>
@@ -2906,64 +4026,20 @@
             </a:lvl1pPr>
           </a:lstStyle>
           <a:p>
-            <a:pPr/>
             <a:fld id="{24E76E65-7777-4C32-B153-6028045D6BD3}" type="slidenum">
-              <a:rPr lang="en-US" dirty="0"/>
+              <a:rPr lang="en-US" smtClean="0"/>
               <a:t>‹#›</a:t>
             </a:fld>
-            <a:endParaRPr lang="en-US" dirty="0"/>
-          </a:p>
-        </p:txBody>
-      </p:sp>
-      <p:sp>
-        <p:nvSpPr>
-          <p:cNvPr id="7" name="TextBox 6"/>
-          <p:cNvSpPr txBox="1">
-            <a:spLocks noChangeArrowheads="1"/>
-          </p:cNvSpPr>
-          <p:nvPr userDrawn="1"/>
-        </p:nvSpPr>
-        <p:spPr bwMode="white">
-          <a:xfrm>
-            <a:off x="9342268" y="6356350"/>
-            <a:ext cx="2743200" cy="369332"/>
-          </a:xfrm>
-          <a:prstGeom prst="rect">
-            <a:avLst/>
-          </a:prstGeom>
-          <a:noFill/>
-          <a:ln>
-            <a:headEnd type="none"/>
-            <a:tailEnd type="none"/>
-          </a:ln>
-        </p:spPr>
-        <p:txBody>
-          <a:bodyPr wrap="square">
-            <a:spAutoFit/>
-          </a:bodyPr>
-          <a:lstStyle/>
-          <a:p>
-            <a:pPr defTabSz="914400"/>
-            <a:r>
-              <a:rPr lang="en-US" dirty="0">
-                <a:solidFill>
-                  <a:schemeClr val="tx1"/>
-                </a:solidFill>
-              </a:rPr>
-              <a:t>@ </a:t>
-            </a:r>
-            <a:r>
-              <a:rPr lang="en-US" dirty="0">
-                <a:solidFill>
-                  <a:srgbClr val="FF0000"/>
-                </a:solidFill>
-              </a:rPr>
-              <a:t>The Product Company</a:t>
-            </a:r>
+            <a:endParaRPr lang="en-US"/>
           </a:p>
         </p:txBody>
       </p:sp>
     </p:spTree>
+    <p:extLst>
+      <p:ext uri="{BB962C8B-B14F-4D97-AF65-F5344CB8AC3E}">
+        <p14:creationId xmlns:p14="http://schemas.microsoft.com/office/powerpoint/2010/main" val="2094410008"/>
+      </p:ext>
+    </p:extLst>
   </p:cSld>
   <p:clrMap bg1="lt1" tx1="dk1" bg2="lt2" tx2="dk2" accent1="accent1" accent2="accent2" accent3="accent3" accent4="accent4" accent5="accent5" accent6="accent6" hlink="hlink" folHlink="folHlink"/>
   <p:sldLayoutIdLst>
@@ -2981,7 +4057,7 @@
   </p:sldLayoutIdLst>
   <p:txStyles>
     <p:titleStyle>
-      <a:lvl1pPr rtl="0" algn="l" defTabSz="914400">
+      <a:lvl1pPr algn="l" defTabSz="914400" rtl="0" eaLnBrk="1" latinLnBrk="0" hangingPunct="1">
         <a:lnSpc>
           <a:spcPct val="90000"/>
         </a:lnSpc>
@@ -2989,7 +4065,7 @@
           <a:spcPct val="0"/>
         </a:spcBef>
         <a:buNone/>
-        <a:defRPr sz="4400" kern="1200" dirty="0">
+        <a:defRPr sz="4400" kern="1200">
           <a:solidFill>
             <a:schemeClr val="tx1"/>
           </a:solidFill>
@@ -3000,16 +4076,16 @@
       </a:lvl1pPr>
     </p:titleStyle>
     <p:bodyStyle>
-      <a:lvl1pPr marL="228600" indent="-228600" rtl="0" algn="l" defTabSz="914400">
+      <a:lvl1pPr marL="228600" indent="-228600" algn="l" defTabSz="914400" rtl="0" eaLnBrk="1" latinLnBrk="0" hangingPunct="1">
         <a:lnSpc>
           <a:spcPct val="90000"/>
         </a:lnSpc>
         <a:spcBef>
           <a:spcPts val="1000"/>
         </a:spcBef>
-        <a:buFont typeface="Arial"/>
+        <a:buFont typeface="Arial" panose="020B0604020202020204" pitchFamily="34" charset="0"/>
         <a:buChar char="•"/>
-        <a:defRPr sz="2800" kern="1200" dirty="0">
+        <a:defRPr sz="2800" kern="1200">
           <a:solidFill>
             <a:schemeClr val="tx1"/>
           </a:solidFill>
@@ -3018,16 +4094,16 @@
           <a:cs typeface="+mn-cs"/>
         </a:defRPr>
       </a:lvl1pPr>
-      <a:lvl2pPr marL="685800" indent="-228600" rtl="0" algn="l" defTabSz="914400">
+      <a:lvl2pPr marL="685800" indent="-228600" algn="l" defTabSz="914400" rtl="0" eaLnBrk="1" latinLnBrk="0" hangingPunct="1">
         <a:lnSpc>
           <a:spcPct val="90000"/>
         </a:lnSpc>
         <a:spcBef>
           <a:spcPts val="500"/>
         </a:spcBef>
-        <a:buFont typeface="Arial"/>
+        <a:buFont typeface="Arial" panose="020B0604020202020204" pitchFamily="34" charset="0"/>
         <a:buChar char="•"/>
-        <a:defRPr sz="2400" kern="1200" dirty="0">
+        <a:defRPr sz="2400" kern="1200">
           <a:solidFill>
             <a:schemeClr val="tx1"/>
           </a:solidFill>
@@ -3036,16 +4112,16 @@
           <a:cs typeface="+mn-cs"/>
         </a:defRPr>
       </a:lvl2pPr>
-      <a:lvl3pPr marL="1143000" indent="-228600" rtl="0" algn="l" defTabSz="914400">
+      <a:lvl3pPr marL="1143000" indent="-228600" algn="l" defTabSz="914400" rtl="0" eaLnBrk="1" latinLnBrk="0" hangingPunct="1">
         <a:lnSpc>
           <a:spcPct val="90000"/>
         </a:lnSpc>
         <a:spcBef>
           <a:spcPts val="500"/>
         </a:spcBef>
-        <a:buFont typeface="Arial"/>
+        <a:buFont typeface="Arial" panose="020B0604020202020204" pitchFamily="34" charset="0"/>
         <a:buChar char="•"/>
-        <a:defRPr sz="2000" kern="1200" dirty="0">
+        <a:defRPr sz="2000" kern="1200">
           <a:solidFill>
             <a:schemeClr val="tx1"/>
           </a:solidFill>
@@ -3054,16 +4130,16 @@
           <a:cs typeface="+mn-cs"/>
         </a:defRPr>
       </a:lvl3pPr>
-      <a:lvl4pPr marL="1600200" indent="-228600" rtl="0" algn="l" defTabSz="914400">
+      <a:lvl4pPr marL="1600200" indent="-228600" algn="l" defTabSz="914400" rtl="0" eaLnBrk="1" latinLnBrk="0" hangingPunct="1">
         <a:lnSpc>
           <a:spcPct val="90000"/>
         </a:lnSpc>
         <a:spcBef>
           <a:spcPts val="500"/>
         </a:spcBef>
-        <a:buFont typeface="Arial"/>
+        <a:buFont typeface="Arial" panose="020B0604020202020204" pitchFamily="34" charset="0"/>
         <a:buChar char="•"/>
-        <a:defRPr sz="1800" kern="1200" dirty="0">
+        <a:defRPr sz="1800" kern="1200">
           <a:solidFill>
             <a:schemeClr val="tx1"/>
           </a:solidFill>
@@ -3072,16 +4148,16 @@
           <a:cs typeface="+mn-cs"/>
         </a:defRPr>
       </a:lvl4pPr>
-      <a:lvl5pPr marL="2057400" indent="-228600" rtl="0" algn="l" defTabSz="914400">
+      <a:lvl5pPr marL="2057400" indent="-228600" algn="l" defTabSz="914400" rtl="0" eaLnBrk="1" latinLnBrk="0" hangingPunct="1">
         <a:lnSpc>
           <a:spcPct val="90000"/>
         </a:lnSpc>
         <a:spcBef>
           <a:spcPts val="500"/>
         </a:spcBef>
-        <a:buFont typeface="Arial"/>
+        <a:buFont typeface="Arial" panose="020B0604020202020204" pitchFamily="34" charset="0"/>
         <a:buChar char="•"/>
-        <a:defRPr sz="1800" kern="1200" dirty="0">
+        <a:defRPr sz="1800" kern="1200">
           <a:solidFill>
             <a:schemeClr val="tx1"/>
           </a:solidFill>
@@ -3090,16 +4166,16 @@
           <a:cs typeface="+mn-cs"/>
         </a:defRPr>
       </a:lvl5pPr>
-      <a:lvl6pPr marL="2514600" indent="-228600" rtl="0" algn="l" defTabSz="914400">
+      <a:lvl6pPr marL="2514600" indent="-228600" algn="l" defTabSz="914400" rtl="0" eaLnBrk="1" latinLnBrk="0" hangingPunct="1">
         <a:lnSpc>
           <a:spcPct val="90000"/>
         </a:lnSpc>
         <a:spcBef>
           <a:spcPts val="500"/>
         </a:spcBef>
-        <a:buFont typeface="Arial"/>
+        <a:buFont typeface="Arial" panose="020B0604020202020204" pitchFamily="34" charset="0"/>
         <a:buChar char="•"/>
-        <a:defRPr sz="1800" kern="1200" dirty="0">
+        <a:defRPr sz="1800" kern="1200">
           <a:solidFill>
             <a:schemeClr val="tx1"/>
           </a:solidFill>
@@ -3108,16 +4184,16 @@
           <a:cs typeface="+mn-cs"/>
         </a:defRPr>
       </a:lvl6pPr>
-      <a:lvl7pPr marL="2971800" indent="-228600" rtl="0" algn="l" defTabSz="914400">
+      <a:lvl7pPr marL="2971800" indent="-228600" algn="l" defTabSz="914400" rtl="0" eaLnBrk="1" latinLnBrk="0" hangingPunct="1">
         <a:lnSpc>
           <a:spcPct val="90000"/>
         </a:lnSpc>
         <a:spcBef>
           <a:spcPts val="500"/>
         </a:spcBef>
-        <a:buFont typeface="Arial"/>
+        <a:buFont typeface="Arial" panose="020B0604020202020204" pitchFamily="34" charset="0"/>
         <a:buChar char="•"/>
-        <a:defRPr sz="1800" kern="1200" dirty="0">
+        <a:defRPr sz="1800" kern="1200">
           <a:solidFill>
             <a:schemeClr val="tx1"/>
           </a:solidFill>
@@ -3126,16 +4202,16 @@
           <a:cs typeface="+mn-cs"/>
         </a:defRPr>
       </a:lvl7pPr>
-      <a:lvl8pPr marL="3429000" indent="-228600" rtl="0" algn="l" defTabSz="914400">
+      <a:lvl8pPr marL="3429000" indent="-228600" algn="l" defTabSz="914400" rtl="0" eaLnBrk="1" latinLnBrk="0" hangingPunct="1">
         <a:lnSpc>
           <a:spcPct val="90000"/>
         </a:lnSpc>
         <a:spcBef>
           <a:spcPts val="500"/>
         </a:spcBef>
-        <a:buFont typeface="Arial"/>
+        <a:buFont typeface="Arial" panose="020B0604020202020204" pitchFamily="34" charset="0"/>
         <a:buChar char="•"/>
-        <a:defRPr sz="1800" kern="1200" dirty="0">
+        <a:defRPr sz="1800" kern="1200">
           <a:solidFill>
             <a:schemeClr val="tx1"/>
           </a:solidFill>
@@ -3144,16 +4220,16 @@
           <a:cs typeface="+mn-cs"/>
         </a:defRPr>
       </a:lvl8pPr>
-      <a:lvl9pPr marL="3886200" indent="-228600" rtl="0" algn="l" defTabSz="914400">
+      <a:lvl9pPr marL="3886200" indent="-228600" algn="l" defTabSz="914400" rtl="0" eaLnBrk="1" latinLnBrk="0" hangingPunct="1">
         <a:lnSpc>
           <a:spcPct val="90000"/>
         </a:lnSpc>
         <a:spcBef>
           <a:spcPts val="500"/>
         </a:spcBef>
-        <a:buFont typeface="Arial"/>
+        <a:buFont typeface="Arial" panose="020B0604020202020204" pitchFamily="34" charset="0"/>
         <a:buChar char="•"/>
-        <a:defRPr sz="1800" kern="1200" dirty="0">
+        <a:defRPr sz="1800" kern="1200">
           <a:solidFill>
             <a:schemeClr val="tx1"/>
           </a:solidFill>
@@ -3164,11 +4240,11 @@
       </a:lvl9pPr>
     </p:bodyStyle>
     <p:otherStyle>
-      <a:defPPr defTabSz="914400">
-        <a:defRPr lang="en-US" dirty="0"/>
+      <a:defPPr>
+        <a:defRPr lang="en-US"/>
       </a:defPPr>
-      <a:lvl1pPr marL="0" rtl="0" algn="l" defTabSz="914400">
-        <a:defRPr sz="1800" kern="1200" dirty="0">
+      <a:lvl1pPr marL="0" algn="l" defTabSz="914400" rtl="0" eaLnBrk="1" latinLnBrk="0" hangingPunct="1">
+        <a:defRPr sz="1800" kern="1200">
           <a:solidFill>
             <a:schemeClr val="tx1"/>
           </a:solidFill>
@@ -3177,8 +4253,8 @@
           <a:cs typeface="+mn-cs"/>
         </a:defRPr>
       </a:lvl1pPr>
-      <a:lvl2pPr marL="457200" rtl="0" algn="l" defTabSz="914400">
-        <a:defRPr sz="1800" kern="1200" dirty="0">
+      <a:lvl2pPr marL="457200" algn="l" defTabSz="914400" rtl="0" eaLnBrk="1" latinLnBrk="0" hangingPunct="1">
+        <a:defRPr sz="1800" kern="1200">
           <a:solidFill>
             <a:schemeClr val="tx1"/>
           </a:solidFill>
@@ -3187,8 +4263,8 @@
           <a:cs typeface="+mn-cs"/>
         </a:defRPr>
       </a:lvl2pPr>
-      <a:lvl3pPr marL="914400" rtl="0" algn="l" defTabSz="914400">
-        <a:defRPr sz="1800" kern="1200" dirty="0">
+      <a:lvl3pPr marL="914400" algn="l" defTabSz="914400" rtl="0" eaLnBrk="1" latinLnBrk="0" hangingPunct="1">
+        <a:defRPr sz="1800" kern="1200">
           <a:solidFill>
             <a:schemeClr val="tx1"/>
           </a:solidFill>
@@ -3197,8 +4273,8 @@
           <a:cs typeface="+mn-cs"/>
         </a:defRPr>
       </a:lvl3pPr>
-      <a:lvl4pPr marL="1371600" rtl="0" algn="l" defTabSz="914400">
-        <a:defRPr sz="1800" kern="1200" dirty="0">
+      <a:lvl4pPr marL="1371600" algn="l" defTabSz="914400" rtl="0" eaLnBrk="1" latinLnBrk="0" hangingPunct="1">
+        <a:defRPr sz="1800" kern="1200">
           <a:solidFill>
             <a:schemeClr val="tx1"/>
           </a:solidFill>
@@ -3207,8 +4283,8 @@
           <a:cs typeface="+mn-cs"/>
         </a:defRPr>
       </a:lvl4pPr>
-      <a:lvl5pPr marL="1828800" rtl="0" algn="l" defTabSz="914400">
-        <a:defRPr sz="1800" kern="1200" dirty="0">
+      <a:lvl5pPr marL="1828800" algn="l" defTabSz="914400" rtl="0" eaLnBrk="1" latinLnBrk="0" hangingPunct="1">
+        <a:defRPr sz="1800" kern="1200">
           <a:solidFill>
             <a:schemeClr val="tx1"/>
           </a:solidFill>
@@ -3217,8 +4293,8 @@
           <a:cs typeface="+mn-cs"/>
         </a:defRPr>
       </a:lvl5pPr>
-      <a:lvl6pPr marL="2286000" rtl="0" algn="l" defTabSz="914400">
-        <a:defRPr sz="1800" kern="1200" dirty="0">
+      <a:lvl6pPr marL="2286000" algn="l" defTabSz="914400" rtl="0" eaLnBrk="1" latinLnBrk="0" hangingPunct="1">
+        <a:defRPr sz="1800" kern="1200">
           <a:solidFill>
             <a:schemeClr val="tx1"/>
           </a:solidFill>
@@ -3227,8 +4303,8 @@
           <a:cs typeface="+mn-cs"/>
         </a:defRPr>
       </a:lvl6pPr>
-      <a:lvl7pPr marL="2743200" rtl="0" algn="l" defTabSz="914400">
-        <a:defRPr sz="1800" kern="1200" dirty="0">
+      <a:lvl7pPr marL="2743200" algn="l" defTabSz="914400" rtl="0" eaLnBrk="1" latinLnBrk="0" hangingPunct="1">
+        <a:defRPr sz="1800" kern="1200">
           <a:solidFill>
             <a:schemeClr val="tx1"/>
           </a:solidFill>
@@ -3237,8 +4313,8 @@
           <a:cs typeface="+mn-cs"/>
         </a:defRPr>
       </a:lvl7pPr>
-      <a:lvl8pPr marL="3200400" rtl="0" algn="l" defTabSz="914400">
-        <a:defRPr sz="1800" kern="1200" dirty="0">
+      <a:lvl8pPr marL="3200400" algn="l" defTabSz="914400" rtl="0" eaLnBrk="1" latinLnBrk="0" hangingPunct="1">
+        <a:defRPr sz="1800" kern="1200">
           <a:solidFill>
             <a:schemeClr val="tx1"/>
           </a:solidFill>
@@ -3247,8 +4323,8 @@
           <a:cs typeface="+mn-cs"/>
         </a:defRPr>
       </a:lvl8pPr>
-      <a:lvl9pPr marL="3657600" rtl="0" algn="l" defTabSz="914400">
-        <a:defRPr sz="1800" kern="1200" dirty="0">
+      <a:lvl9pPr marL="3657600" algn="l" defTabSz="914400" rtl="0" eaLnBrk="1" latinLnBrk="0" hangingPunct="1">
+        <a:defRPr sz="1800" kern="1200">
           <a:solidFill>
             <a:schemeClr val="tx1"/>
           </a:solidFill>
@@ -3281,7 +4357,13 @@
       </p:grpSpPr>
       <p:sp>
         <p:nvSpPr>
-          <p:cNvPr id="2" name="Title 1"/>
+          <p:cNvPr id="8" name="Title 7">
+            <a:extLst>
+              <a:ext uri="{FF2B5EF4-FFF2-40B4-BE49-F238E27FC236}">
+                <a16:creationId xmlns:a16="http://schemas.microsoft.com/office/drawing/2014/main" id="{4F16AC0B-17C4-E0D9-8BD1-8FBE72CA81A1}"/>
+              </a:ext>
+            </a:extLst>
+          </p:cNvPr>
           <p:cNvSpPr>
             <a:spLocks noGrp="1"/>
           </p:cNvSpPr>
@@ -3289,27 +4371,89 @@
             <p:ph type="title"/>
           </p:nvPr>
         </p:nvSpPr>
+        <p:spPr/>
+        <p:txBody>
+          <a:bodyPr/>
+          <a:lstStyle/>
+          <a:p>
+            <a:pPr algn="ctr"/>
+            <a:r>
+              <a:rPr lang="en-US" b="1" dirty="0">
+                <a:latin typeface="+mn-lt"/>
+              </a:rPr>
+              <a:t>Adventure Works Cycles</a:t>
+            </a:r>
+            <a:endParaRPr lang="en-US" dirty="0"/>
+          </a:p>
+        </p:txBody>
+      </p:sp>
+      <p:sp>
+        <p:nvSpPr>
+          <p:cNvPr id="9" name="Title 1">
+            <a:extLst>
+              <a:ext uri="{FF2B5EF4-FFF2-40B4-BE49-F238E27FC236}">
+                <a16:creationId xmlns:a16="http://schemas.microsoft.com/office/drawing/2014/main" id="{DBAC40C9-E748-AD76-6263-FEF71519E2BB}"/>
+              </a:ext>
+            </a:extLst>
+          </p:cNvPr>
+          <p:cNvSpPr txBox="1">
+            <a:spLocks/>
+          </p:cNvSpPr>
+          <p:nvPr/>
+        </p:nvSpPr>
         <p:spPr bwMode="white">
+          <a:xfrm>
+            <a:off x="838200" y="365125"/>
+            <a:ext cx="10515600" cy="1325563"/>
+          </a:xfrm>
+          <a:prstGeom prst="rect">
+            <a:avLst/>
+          </a:prstGeom>
           <a:ln>
             <a:headEnd type="none"/>
             <a:tailEnd type="none"/>
           </a:ln>
         </p:spPr>
         <p:txBody>
-          <a:bodyPr wrap="square"/>
-          <a:lstStyle/>
-          <a:p>
-            <a:pPr algn="ctr" defTabSz="914400"/>
-            <a:r>
-              <a:rPr dirty="0"/>
-              <a:t>Company History</a:t>
-            </a:r>
+          <a:bodyPr vert="horz" wrap="square" lIns="91440" tIns="45720" rIns="91440" bIns="45720" rtlCol="0" anchor="ctr">
+            <a:normAutofit/>
+          </a:bodyPr>
+          <a:lstStyle>
+            <a:lvl1pPr algn="l" defTabSz="914400" rtl="0" eaLnBrk="1" latinLnBrk="0" hangingPunct="1">
+              <a:lnSpc>
+                <a:spcPct val="90000"/>
+              </a:lnSpc>
+              <a:spcBef>
+                <a:spcPct val="0"/>
+              </a:spcBef>
+              <a:buNone/>
+              <a:defRPr sz="4400" kern="1200">
+                <a:solidFill>
+                  <a:schemeClr val="tx1"/>
+                </a:solidFill>
+                <a:latin typeface="+mj-lt"/>
+                <a:ea typeface="+mj-ea"/>
+                <a:cs typeface="+mj-cs"/>
+              </a:defRPr>
+            </a:lvl1pPr>
+          </a:lstStyle>
+          <a:p>
+            <a:pPr algn="ctr"/>
+            <a:endParaRPr lang="en-US" b="1" dirty="0">
+              <a:latin typeface="+mn-lt"/>
+            </a:endParaRPr>
           </a:p>
         </p:txBody>
       </p:sp>
       <p:sp>
         <p:nvSpPr>
-          <p:cNvPr id="3" name="TextBox3"/>
+          <p:cNvPr id="10" name="TextBox3">
+            <a:extLst>
+              <a:ext uri="{FF2B5EF4-FFF2-40B4-BE49-F238E27FC236}">
+                <a16:creationId xmlns:a16="http://schemas.microsoft.com/office/drawing/2014/main" id="{2CC6C805-1B74-CDC4-D710-E2F03F239A77}"/>
+              </a:ext>
+            </a:extLst>
+          </p:cNvPr>
           <p:cNvSpPr txBox="1">
             <a:spLocks noChangeArrowheads="1"/>
           </p:cNvSpPr>
@@ -3336,23 +4480,22 @@
           <a:p>
             <a:pPr defTabSz="914400"/>
             <a:r>
-              <a:rPr dirty="0"/>
-              <a:t>IMN Solutions PVT LTD is the software company, established in 1987, by George Milton. The company has been listed as the trusted partner for many high-profile organizations since 1988 and got awards for quality product</a:t>
-            </a:r>
-            <a:r>
               <a:rPr lang="en-US" dirty="0"/>
-              <a:t>ion</a:t>
-            </a:r>
-            <a:r>
-              <a:rPr dirty="0"/>
-              <a:t> from reputed organizations.</a:t>
-            </a:r>
+              <a:t>Adventure Works Cycles, the fictitious company on which the Adventure Works sample databases are based, is a large, multinational manufacturing company. The company manufactures and sells metal and composite bicycles to North American, European and Asian commercial markets.</a:t>
+            </a:r>
+            <a:endParaRPr dirty="0"/>
           </a:p>
         </p:txBody>
       </p:sp>
       <p:sp>
         <p:nvSpPr>
-          <p:cNvPr id="4" name="TextBox4"/>
+          <p:cNvPr id="11" name="TextBox4">
+            <a:extLst>
+              <a:ext uri="{FF2B5EF4-FFF2-40B4-BE49-F238E27FC236}">
+                <a16:creationId xmlns:a16="http://schemas.microsoft.com/office/drawing/2014/main" id="{EE61BCC6-009F-4A68-44BF-924D71E34B8D}"/>
+              </a:ext>
+            </a:extLst>
+          </p:cNvPr>
           <p:cNvSpPr txBox="1">
             <a:spLocks noChangeArrowheads="1"/>
           </p:cNvSpPr>
@@ -3360,8 +4503,8 @@
         </p:nvSpPr>
         <p:spPr bwMode="white">
           <a:xfrm>
-            <a:off x="675894" y="3429000"/>
-            <a:ext cx="5561330" cy="1477264"/>
+            <a:off x="665670" y="3168461"/>
+            <a:ext cx="5561330" cy="1754326"/>
           </a:xfrm>
           <a:prstGeom prst="rect">
             <a:avLst/>
@@ -3381,16 +4524,16 @@
               <a:buAutoNum type="arabicPeriod"/>
             </a:pPr>
             <a:r>
-              <a:rPr dirty="0"/>
-              <a:t>The company </a:t>
-            </a:r>
-            <a:r>
               <a:rPr lang="en-US" dirty="0"/>
-              <a:t>product </a:t>
-            </a:r>
-            <a:r>
-              <a:rPr dirty="0"/>
-              <a:t>acquired the MCY corporation for 20 billion dollars and became the top revenue maker for the year 2015.</a:t>
+              <a:t>In 2000, Adventure Works Cycles bought a small manufacturing plant, </a:t>
+            </a:r>
+            <a:r>
+              <a:rPr lang="en-US" dirty="0" err="1"/>
+              <a:t>Importadores</a:t>
+            </a:r>
+            <a:r>
+              <a:rPr lang="en-US" dirty="0"/>
+              <a:t> Neptuno, located in Mexico.</a:t>
             </a:r>
           </a:p>
           <a:p>
@@ -3398,46 +4541,25 @@
               <a:buAutoNum type="arabicPeriod"/>
             </a:pPr>
             <a:r>
-              <a:rPr dirty="0"/>
-              <a:t>The company is participating in top open source projects in automation industry.</a:t>
+              <a:rPr lang="en-US" dirty="0" err="1"/>
+              <a:t>Importadores</a:t>
+            </a:r>
+            <a:r>
+              <a:rPr lang="en-US" dirty="0"/>
+              <a:t> Neptuno manufactures several critical subcomponents for the Adventure Works Cycles product line.</a:t>
             </a:r>
           </a:p>
         </p:txBody>
       </p:sp>
-      <p:pic>
-        <p:nvPicPr>
-          <p:cNvPr id="5" name="Picture 5"/>
-          <p:cNvPicPr>
-            <a:picLocks noChangeAspect="1"/>
-          </p:cNvPicPr>
-          <p:nvPr/>
-        </p:nvPicPr>
-        <p:blipFill>
-          <a:blip r:embed="rId2">
-            <a:lum/>
-          </a:blip>
-          <a:srcRect/>
-          <a:stretch>
-            <a:fillRect/>
-          </a:stretch>
-        </p:blipFill>
-        <p:spPr bwMode="white">
-          <a:xfrm>
-            <a:off x="6347333" y="3030093"/>
-            <a:ext cx="4629658" cy="2440432"/>
-          </a:xfrm>
-          <a:prstGeom prst="rect">
-            <a:avLst/>
-          </a:prstGeom>
-          <a:ln>
-            <a:headEnd type="none"/>
-            <a:tailEnd type="none"/>
-          </a:ln>
-        </p:spPr>
-      </p:pic>
       <p:sp>
         <p:nvSpPr>
-          <p:cNvPr id="6" name="Explosion16"/>
+          <p:cNvPr id="12" name="Explosion16">
+            <a:extLst>
+              <a:ext uri="{FF2B5EF4-FFF2-40B4-BE49-F238E27FC236}">
+                <a16:creationId xmlns:a16="http://schemas.microsoft.com/office/drawing/2014/main" id="{DFB97716-9B5C-CBEA-97EA-116D5806A4B2}"/>
+              </a:ext>
+            </a:extLst>
+          </p:cNvPr>
           <p:cNvSpPr>
             <a:spLocks/>
           </p:cNvSpPr>
@@ -3479,12 +4601,49 @@
           <a:p>
             <a:pPr algn="ctr" defTabSz="914400"/>
             <a:r>
-              <a:rPr dirty="0"/>
-              <a:t>IMN</a:t>
-            </a:r>
+              <a:rPr lang="en-US" dirty="0"/>
+              <a:t>Cycle</a:t>
+            </a:r>
+            <a:endParaRPr dirty="0"/>
           </a:p>
         </p:txBody>
       </p:sp>
+      <p:pic>
+        <p:nvPicPr>
+          <p:cNvPr id="13" name="Picture 12" descr="A logo for a bicycle company&#10;&#10;Description automatically generated">
+            <a:extLst>
+              <a:ext uri="{FF2B5EF4-FFF2-40B4-BE49-F238E27FC236}">
+                <a16:creationId xmlns:a16="http://schemas.microsoft.com/office/drawing/2014/main" id="{6B24D0D2-7D80-42E6-C458-D8B6FC34666D}"/>
+              </a:ext>
+            </a:extLst>
+          </p:cNvPr>
+          <p:cNvPicPr>
+            <a:picLocks noChangeAspect="1"/>
+          </p:cNvPicPr>
+          <p:nvPr/>
+        </p:nvPicPr>
+        <p:blipFill>
+          <a:blip r:embed="rId2">
+            <a:extLst>
+              <a:ext uri="{28A0092B-C50C-407E-A947-70E740481C1C}">
+                <a14:useLocalDpi xmlns:a14="http://schemas.microsoft.com/office/drawing/2010/main" val="0"/>
+              </a:ext>
+            </a:extLst>
+          </a:blip>
+          <a:stretch>
+            <a:fillRect/>
+          </a:stretch>
+        </p:blipFill>
+        <p:spPr>
+          <a:xfrm>
+            <a:off x="6801492" y="3310544"/>
+            <a:ext cx="4552308" cy="1470161"/>
+          </a:xfrm>
+          <a:prstGeom prst="rect">
+            <a:avLst/>
+          </a:prstGeom>
+        </p:spPr>
+      </p:pic>
     </p:spTree>
   </p:cSld>
   <p:clrMapOvr>
@@ -3551,167 +4710,565 @@
           </a:p>
         </p:txBody>
       </p:sp>
-      <p:sp>
-        <p:nvSpPr>
-          <p:cNvPr id="3" name="Text Placeholder 2"/>
-          <p:cNvSpPr>
-            <a:spLocks noGrp="1"/>
-          </p:cNvSpPr>
+      <p:graphicFrame>
+        <p:nvGraphicFramePr>
+          <p:cNvPr id="4" name="Table 3">
+            <a:extLst>
+              <a:ext uri="{FF2B5EF4-FFF2-40B4-BE49-F238E27FC236}">
+                <a16:creationId xmlns:a16="http://schemas.microsoft.com/office/drawing/2014/main" id="{46E03A2C-B210-8331-B184-3AE471482E28}"/>
+              </a:ext>
+            </a:extLst>
+          </p:cNvPr>
+          <p:cNvGraphicFramePr>
+            <a:graphicFrameLocks noGrp="1"/>
+          </p:cNvGraphicFramePr>
           <p:nvPr>
-            <p:ph type="body" idx="1"/>
+            <p:extLst>
+              <p:ext uri="{D42A27DB-BD31-4B8C-83A1-F6EECF244321}">
+                <p14:modId xmlns:p14="http://schemas.microsoft.com/office/powerpoint/2010/main" val="316450303"/>
+              </p:ext>
+            </p:extLst>
           </p:nvPr>
-        </p:nvSpPr>
-        <p:spPr bwMode="white">
+        </p:nvGraphicFramePr>
+        <p:xfrm>
+          <a:off x="1619250" y="1379220"/>
+          <a:ext cx="8953500" cy="5012055"/>
+        </p:xfrm>
+        <a:graphic>
+          <a:graphicData uri="http://schemas.openxmlformats.org/drawingml/2006/table">
+            <a:tbl>
+              <a:tblPr firstRow="1" firstCol="1" bandRow="1">
+                <a:tableStyleId>{5940675A-B579-460E-94D1-54222C63F5DA}</a:tableStyleId>
+              </a:tblPr>
+              <a:tblGrid>
+                <a:gridCol w="4476750">
+                  <a:extLst>
+                    <a:ext uri="{9D8B030D-6E8A-4147-A177-3AD203B41FA5}">
+                      <a16:colId xmlns:a16="http://schemas.microsoft.com/office/drawing/2014/main" val="61929827"/>
+                    </a:ext>
+                  </a:extLst>
+                </a:gridCol>
+                <a:gridCol w="4476750">
+                  <a:extLst>
+                    <a:ext uri="{9D8B030D-6E8A-4147-A177-3AD203B41FA5}">
+                      <a16:colId xmlns:a16="http://schemas.microsoft.com/office/drawing/2014/main" val="1959648650"/>
+                    </a:ext>
+                  </a:extLst>
+                </a:gridCol>
+              </a:tblGrid>
+              <a:tr h="1606806">
+                <a:tc>
+                  <a:txBody>
+                    <a:bodyPr/>
+                    <a:lstStyle/>
+                    <a:p>
+                      <a:pPr marL="0" marR="0" algn="just"/>
+                      <a:br>
+                        <a:rPr lang="en-US" sz="1200" dirty="0">
+                          <a:effectLst/>
+                        </a:rPr>
+                      </a:br>
+                      <a:endParaRPr lang="en-US" sz="1200" dirty="0">
+                        <a:effectLst/>
+                        <a:latin typeface="Times New Roman" panose="02020603050405020304" pitchFamily="18" charset="0"/>
+                        <a:ea typeface="Times New Roman" panose="02020603050405020304" pitchFamily="18" charset="0"/>
+                      </a:endParaRPr>
+                    </a:p>
+                  </a:txBody>
+                  <a:tcPr marL="68580" marR="68580" marT="0" marB="0"/>
+                </a:tc>
+                <a:tc>
+                  <a:txBody>
+                    <a:bodyPr/>
+                    <a:lstStyle/>
+                    <a:p>
+                      <a:pPr marL="0" marR="0" algn="just">
+                        <a:lnSpc>
+                          <a:spcPct val="150000"/>
+                        </a:lnSpc>
+                        <a:spcBef>
+                          <a:spcPts val="1200"/>
+                        </a:spcBef>
+                        <a:spcAft>
+                          <a:spcPts val="300"/>
+                        </a:spcAft>
+                      </a:pPr>
+                      <a:r>
+                        <a:rPr lang="en-US" sz="1400" b="1" kern="1600" dirty="0">
+                          <a:effectLst/>
+                        </a:rPr>
+                        <a:t>Mountain-200</a:t>
+                      </a:r>
+                    </a:p>
+                    <a:p>
+                      <a:pPr marL="0" marR="0" algn="just">
+                        <a:lnSpc>
+                          <a:spcPct val="150000"/>
+                        </a:lnSpc>
+                      </a:pPr>
+                      <a:r>
+                        <a:rPr lang="en-US" sz="1400" dirty="0">
+                          <a:effectLst/>
+                        </a:rPr>
+                        <a:t>Product No: BK-M68B-38</a:t>
+                      </a:r>
+                    </a:p>
+                    <a:p>
+                      <a:pPr marL="0" marR="0" algn="just">
+                        <a:lnSpc>
+                          <a:spcPct val="150000"/>
+                        </a:lnSpc>
+                      </a:pPr>
+                      <a:r>
+                        <a:rPr lang="en-US" sz="1400" dirty="0">
+                          <a:effectLst/>
+                        </a:rPr>
+                        <a:t>Size: 38</a:t>
+                      </a:r>
+                    </a:p>
+                    <a:p>
+                      <a:pPr marL="0" marR="0" algn="just">
+                        <a:lnSpc>
+                          <a:spcPct val="150000"/>
+                        </a:lnSpc>
+                      </a:pPr>
+                      <a:r>
+                        <a:rPr lang="en-US" sz="1400" dirty="0">
+                          <a:effectLst/>
+                        </a:rPr>
+                        <a:t>Weight: 25</a:t>
+                      </a:r>
+                    </a:p>
+                    <a:p>
+                      <a:pPr marL="0" marR="0" algn="just">
+                        <a:lnSpc>
+                          <a:spcPct val="150000"/>
+                        </a:lnSpc>
+                      </a:pPr>
+                      <a:r>
+                        <a:rPr lang="en-US" sz="1400" dirty="0">
+                          <a:effectLst/>
+                        </a:rPr>
+                        <a:t>Price: $2,294.99  </a:t>
+                      </a:r>
+                      <a:endParaRPr lang="en-US" sz="1400" dirty="0">
+                        <a:effectLst/>
+                        <a:latin typeface="Times New Roman" panose="02020603050405020304" pitchFamily="18" charset="0"/>
+                        <a:ea typeface="Times New Roman" panose="02020603050405020304" pitchFamily="18" charset="0"/>
+                      </a:endParaRPr>
+                    </a:p>
+                  </a:txBody>
+                  <a:tcPr marL="68580" marR="68580" marT="0" marB="0"/>
+                </a:tc>
+                <a:extLst>
+                  <a:ext uri="{0D108BD9-81ED-4DB2-BD59-A6C34878D82A}">
+                    <a16:rowId xmlns:a16="http://schemas.microsoft.com/office/drawing/2014/main" val="3354211576"/>
+                  </a:ext>
+                </a:extLst>
+              </a:tr>
+              <a:tr h="1606806">
+                <a:tc>
+                  <a:txBody>
+                    <a:bodyPr/>
+                    <a:lstStyle/>
+                    <a:p>
+                      <a:pPr marL="0" marR="0" lvl="0" algn="just">
+                        <a:lnSpc>
+                          <a:spcPct val="150000"/>
+                        </a:lnSpc>
+                        <a:spcBef>
+                          <a:spcPts val="1200"/>
+                        </a:spcBef>
+                        <a:spcAft>
+                          <a:spcPts val="300"/>
+                        </a:spcAft>
+                      </a:pPr>
+                      <a:r>
+                        <a:rPr lang="en-US" sz="1400" b="1" kern="1600" dirty="0">
+                          <a:effectLst/>
+                        </a:rPr>
+                        <a:t>Mountain-300</a:t>
+                      </a:r>
+                    </a:p>
+                    <a:p>
+                      <a:pPr marL="0" marR="0" lvl="0" algn="just">
+                        <a:lnSpc>
+                          <a:spcPct val="150000"/>
+                        </a:lnSpc>
+                      </a:pPr>
+                      <a:r>
+                        <a:rPr lang="en-US" sz="1400" dirty="0">
+                          <a:effectLst/>
+                        </a:rPr>
+                        <a:t>Product No: BK-M47B-38</a:t>
+                      </a:r>
+                    </a:p>
+                    <a:p>
+                      <a:pPr marL="0" marR="0" lvl="0" algn="just">
+                        <a:lnSpc>
+                          <a:spcPct val="150000"/>
+                        </a:lnSpc>
+                      </a:pPr>
+                      <a:r>
+                        <a:rPr lang="en-US" sz="1400" dirty="0">
+                          <a:effectLst/>
+                        </a:rPr>
+                        <a:t>Size: 35</a:t>
+                      </a:r>
+                    </a:p>
+                    <a:p>
+                      <a:pPr marL="0" marR="0" lvl="0" algn="just">
+                        <a:lnSpc>
+                          <a:spcPct val="150000"/>
+                        </a:lnSpc>
+                      </a:pPr>
+                      <a:r>
+                        <a:rPr lang="en-US" sz="1400" dirty="0">
+                          <a:effectLst/>
+                        </a:rPr>
+                        <a:t>Weight: 22</a:t>
+                      </a:r>
+                    </a:p>
+                    <a:p>
+                      <a:pPr marL="0" marR="0" lvl="0" algn="just">
+                        <a:lnSpc>
+                          <a:spcPct val="150000"/>
+                        </a:lnSpc>
+                      </a:pPr>
+                      <a:r>
+                        <a:rPr lang="en-US" sz="1400" dirty="0">
+                          <a:effectLst/>
+                        </a:rPr>
+                        <a:t>Price: $1,079.99 </a:t>
+                      </a:r>
+                      <a:r>
+                        <a:rPr lang="en-US" sz="1100" dirty="0">
+                          <a:effectLst/>
+                        </a:rPr>
+                        <a:t> </a:t>
+                      </a:r>
+                      <a:endParaRPr lang="en-US" sz="1200" dirty="0">
+                        <a:effectLst/>
+                        <a:latin typeface="Times New Roman" panose="02020603050405020304" pitchFamily="18" charset="0"/>
+                        <a:ea typeface="Times New Roman" panose="02020603050405020304" pitchFamily="18" charset="0"/>
+                      </a:endParaRPr>
+                    </a:p>
+                  </a:txBody>
+                  <a:tcPr marL="68580" marR="68580" marT="0" marB="0"/>
+                </a:tc>
+                <a:tc>
+                  <a:txBody>
+                    <a:bodyPr/>
+                    <a:lstStyle/>
+                    <a:p>
+                      <a:pPr marL="0" marR="0" algn="just">
+                        <a:spcBef>
+                          <a:spcPts val="1200"/>
+                        </a:spcBef>
+                        <a:spcAft>
+                          <a:spcPts val="300"/>
+                        </a:spcAft>
+                      </a:pPr>
+                      <a:br>
+                        <a:rPr lang="en-US" sz="1000" kern="1600">
+                          <a:effectLst/>
+                        </a:rPr>
+                      </a:br>
+                      <a:endParaRPr lang="en-US" sz="1000" b="1" kern="1600">
+                        <a:effectLst/>
+                        <a:latin typeface="Times New Roman" panose="02020603050405020304" pitchFamily="18" charset="0"/>
+                        <a:ea typeface="MS Mincho" panose="02020609040205080304" pitchFamily="49" charset="-128"/>
+                      </a:endParaRPr>
+                    </a:p>
+                  </a:txBody>
+                  <a:tcPr marL="68580" marR="68580" marT="0" marB="0"/>
+                </a:tc>
+                <a:extLst>
+                  <a:ext uri="{0D108BD9-81ED-4DB2-BD59-A6C34878D82A}">
+                    <a16:rowId xmlns:a16="http://schemas.microsoft.com/office/drawing/2014/main" val="1225990938"/>
+                  </a:ext>
+                </a:extLst>
+              </a:tr>
+              <a:tr h="1798443">
+                <a:tc>
+                  <a:txBody>
+                    <a:bodyPr/>
+                    <a:lstStyle/>
+                    <a:p>
+                      <a:pPr marL="0" marR="0" algn="just">
+                        <a:spcBef>
+                          <a:spcPts val="1200"/>
+                        </a:spcBef>
+                        <a:spcAft>
+                          <a:spcPts val="300"/>
+                        </a:spcAft>
+                      </a:pPr>
+                      <a:br>
+                        <a:rPr lang="en-US" sz="1000" kern="1600" dirty="0">
+                          <a:effectLst/>
+                        </a:rPr>
+                      </a:br>
+                      <a:endParaRPr lang="en-US" sz="1000" b="1" kern="1600" dirty="0">
+                        <a:effectLst/>
+                        <a:latin typeface="Times New Roman" panose="02020603050405020304" pitchFamily="18" charset="0"/>
+                        <a:ea typeface="MS Mincho" panose="02020609040205080304" pitchFamily="49" charset="-128"/>
+                      </a:endParaRPr>
+                    </a:p>
+                  </a:txBody>
+                  <a:tcPr marL="68580" marR="68580" marT="0" marB="0"/>
+                </a:tc>
+                <a:tc>
+                  <a:txBody>
+                    <a:bodyPr/>
+                    <a:lstStyle/>
+                    <a:p>
+                      <a:pPr marL="0" marR="0" algn="just">
+                        <a:lnSpc>
+                          <a:spcPct val="150000"/>
+                        </a:lnSpc>
+                        <a:spcBef>
+                          <a:spcPts val="1200"/>
+                        </a:spcBef>
+                        <a:spcAft>
+                          <a:spcPts val="300"/>
+                        </a:spcAft>
+                      </a:pPr>
+                      <a:r>
+                        <a:rPr lang="en-US" sz="1800" b="1" kern="1600" dirty="0">
+                          <a:effectLst/>
+                        </a:rPr>
+                        <a:t>Road-150</a:t>
+                      </a:r>
+                      <a:endParaRPr lang="en-US" sz="1100" b="1" kern="1600" dirty="0">
+                        <a:effectLst/>
+                      </a:endParaRPr>
+                    </a:p>
+                    <a:p>
+                      <a:pPr marL="0" marR="0" algn="just">
+                        <a:lnSpc>
+                          <a:spcPct val="150000"/>
+                        </a:lnSpc>
+                      </a:pPr>
+                      <a:r>
+                        <a:rPr lang="en-US" sz="1400" dirty="0">
+                          <a:effectLst/>
+                        </a:rPr>
+                        <a:t>Product No: BK-R93R-44</a:t>
+                      </a:r>
+                      <a:endParaRPr lang="en-US" sz="1600" dirty="0">
+                        <a:effectLst/>
+                      </a:endParaRPr>
+                    </a:p>
+                    <a:p>
+                      <a:pPr marL="0" marR="0" algn="just">
+                        <a:lnSpc>
+                          <a:spcPct val="150000"/>
+                        </a:lnSpc>
+                      </a:pPr>
+                      <a:r>
+                        <a:rPr lang="en-US" sz="1400" dirty="0">
+                          <a:effectLst/>
+                        </a:rPr>
+                        <a:t>Size: 44</a:t>
+                      </a:r>
+                      <a:endParaRPr lang="en-US" sz="1600" dirty="0">
+                        <a:effectLst/>
+                      </a:endParaRPr>
+                    </a:p>
+                    <a:p>
+                      <a:pPr marL="0" marR="0" algn="just">
+                        <a:lnSpc>
+                          <a:spcPct val="150000"/>
+                        </a:lnSpc>
+                      </a:pPr>
+                      <a:r>
+                        <a:rPr lang="en-US" sz="1400" dirty="0">
+                          <a:effectLst/>
+                        </a:rPr>
+                        <a:t>Weight: 14</a:t>
+                      </a:r>
+                      <a:endParaRPr lang="en-US" sz="1600" dirty="0">
+                        <a:effectLst/>
+                      </a:endParaRPr>
+                    </a:p>
+                    <a:p>
+                      <a:pPr marL="0" marR="0" algn="just">
+                        <a:lnSpc>
+                          <a:spcPct val="150000"/>
+                        </a:lnSpc>
+                      </a:pPr>
+                      <a:r>
+                        <a:rPr lang="en-US" sz="1400" dirty="0">
+                          <a:effectLst/>
+                        </a:rPr>
+                        <a:t>Price: $3,578.27</a:t>
+                      </a:r>
+                      <a:r>
+                        <a:rPr lang="en-US" sz="1100" dirty="0">
+                          <a:effectLst/>
+                        </a:rPr>
+                        <a:t> </a:t>
+                      </a:r>
+                      <a:endParaRPr lang="en-US" sz="1000" b="1" kern="1600" dirty="0">
+                        <a:effectLst/>
+                        <a:latin typeface="Times New Roman" panose="02020603050405020304" pitchFamily="18" charset="0"/>
+                        <a:ea typeface="MS Mincho" panose="02020609040205080304" pitchFamily="49" charset="-128"/>
+                      </a:endParaRPr>
+                    </a:p>
+                  </a:txBody>
+                  <a:tcPr marL="68580" marR="68580" marT="0" marB="0"/>
+                </a:tc>
+                <a:extLst>
+                  <a:ext uri="{0D108BD9-81ED-4DB2-BD59-A6C34878D82A}">
+                    <a16:rowId xmlns:a16="http://schemas.microsoft.com/office/drawing/2014/main" val="2145464982"/>
+                  </a:ext>
+                </a:extLst>
+              </a:tr>
+            </a:tbl>
+          </a:graphicData>
+        </a:graphic>
+      </p:graphicFrame>
+      <p:pic>
+        <p:nvPicPr>
+          <p:cNvPr id="2051" name="Picture 3">
+            <a:extLst>
+              <a:ext uri="{FF2B5EF4-FFF2-40B4-BE49-F238E27FC236}">
+                <a16:creationId xmlns:a16="http://schemas.microsoft.com/office/drawing/2014/main" id="{3F34ADB3-0541-5DA6-8F9F-0A08959BAA9B}"/>
+              </a:ext>
+            </a:extLst>
+          </p:cNvPr>
+          <p:cNvPicPr>
+            <a:picLocks noChangeAspect="1" noChangeArrowheads="1"/>
+          </p:cNvPicPr>
+          <p:nvPr/>
+        </p:nvPicPr>
+        <p:blipFill>
+          <a:blip r:embed="rId2">
+            <a:extLst>
+              <a:ext uri="{28A0092B-C50C-407E-A947-70E740481C1C}">
+                <a14:useLocalDpi xmlns:a14="http://schemas.microsoft.com/office/drawing/2010/main" val="0"/>
+              </a:ext>
+            </a:extLst>
+          </a:blip>
+          <a:srcRect/>
+          <a:stretch>
+            <a:fillRect/>
+          </a:stretch>
+        </p:blipFill>
+        <p:spPr bwMode="auto">
           <a:xfrm>
-            <a:off x="1106424" y="1517904"/>
-            <a:ext cx="9217152" cy="4507992"/>
+            <a:off x="2495378" y="1532474"/>
+            <a:ext cx="1963923" cy="1218392"/>
           </a:xfrm>
-          <a:ln>
-            <a:headEnd type="none"/>
-            <a:tailEnd type="none"/>
-          </a:ln>
+          <a:prstGeom prst="rect">
+            <a:avLst/>
+          </a:prstGeom>
+          <a:noFill/>
+          <a:extLst>
+            <a:ext uri="{909E8E84-426E-40DD-AFC4-6F175D3DCCD1}">
+              <a14:hiddenFill xmlns:a14="http://schemas.microsoft.com/office/drawing/2010/main">
+                <a:solidFill>
+                  <a:srgbClr val="FFFFFF"/>
+                </a:solidFill>
+              </a14:hiddenFill>
+            </a:ext>
+          </a:extLst>
         </p:spPr>
-        <p:txBody>
-          <a:bodyPr wrap="square">
-            <a:normAutofit/>
-          </a:bodyPr>
-          <a:lstStyle/>
-          <a:p>
-            <a:pPr marL="285750" indent="-285750" algn="l" defTabSz="914400">
-              <a:buFont typeface="Arial"/>
-              <a:buChar char="•"/>
-            </a:pPr>
-            <a:r>
-              <a:rPr lang="en-US" sz="1800" dirty="0">
+      </p:pic>
+      <p:pic>
+        <p:nvPicPr>
+          <p:cNvPr id="2050" name="Picture 2">
+            <a:extLst>
+              <a:ext uri="{FF2B5EF4-FFF2-40B4-BE49-F238E27FC236}">
+                <a16:creationId xmlns:a16="http://schemas.microsoft.com/office/drawing/2014/main" id="{0C58AF8E-3BC6-E546-9BDB-7694A4FB9AA8}"/>
+              </a:ext>
+            </a:extLst>
+          </p:cNvPr>
+          <p:cNvPicPr>
+            <a:picLocks noChangeAspect="1" noChangeArrowheads="1"/>
+          </p:cNvPicPr>
+          <p:nvPr/>
+        </p:nvPicPr>
+        <p:blipFill>
+          <a:blip r:embed="rId3">
+            <a:extLst>
+              <a:ext uri="{28A0092B-C50C-407E-A947-70E740481C1C}">
+                <a14:useLocalDpi xmlns:a14="http://schemas.microsoft.com/office/drawing/2010/main" val="0"/>
+              </a:ext>
+            </a:extLst>
+          </a:blip>
+          <a:srcRect/>
+          <a:stretch>
+            <a:fillRect/>
+          </a:stretch>
+        </p:blipFill>
+        <p:spPr bwMode="auto">
+          <a:xfrm>
+            <a:off x="2495378" y="4878716"/>
+            <a:ext cx="2149486" cy="1333477"/>
+          </a:xfrm>
+          <a:prstGeom prst="rect">
+            <a:avLst/>
+          </a:prstGeom>
+          <a:noFill/>
+          <a:extLst>
+            <a:ext uri="{909E8E84-426E-40DD-AFC4-6F175D3DCCD1}">
+              <a14:hiddenFill xmlns:a14="http://schemas.microsoft.com/office/drawing/2010/main">
                 <a:solidFill>
-                  <a:srgbClr val="000000"/>
+                  <a:srgbClr val="FFFFFF"/>
                 </a:solidFill>
-                <a:latin typeface="Calibri (Body)"/>
-                <a:ea typeface="Calibri (Body)"/>
-                <a:cs typeface="Calibri (Body)"/>
-              </a:rPr>
-              <a:t>Adventure Works Cycles, the fictitious company on which the Adventure Works sample databases are based, is a large, multinational manufacturing company. </a:t>
-            </a:r>
-          </a:p>
-          <a:p>
-            <a:pPr marL="285750" indent="-285750" algn="l" defTabSz="914400">
-              <a:buFont typeface="Arial"/>
-              <a:buChar char="•"/>
-            </a:pPr>
-            <a:r>
-              <a:rPr lang="en-US" sz="1800" dirty="0">
+              </a14:hiddenFill>
+            </a:ext>
+          </a:extLst>
+        </p:spPr>
+      </p:pic>
+      <p:pic>
+        <p:nvPicPr>
+          <p:cNvPr id="2049" name="Picture 1">
+            <a:extLst>
+              <a:ext uri="{FF2B5EF4-FFF2-40B4-BE49-F238E27FC236}">
+                <a16:creationId xmlns:a16="http://schemas.microsoft.com/office/drawing/2014/main" id="{463C4282-538E-43FB-CC27-0AD8CD5341CC}"/>
+              </a:ext>
+            </a:extLst>
+          </p:cNvPr>
+          <p:cNvPicPr>
+            <a:picLocks noChangeAspect="1" noChangeArrowheads="1"/>
+          </p:cNvPicPr>
+          <p:nvPr/>
+        </p:nvPicPr>
+        <p:blipFill>
+          <a:blip r:embed="rId4">
+            <a:extLst>
+              <a:ext uri="{28A0092B-C50C-407E-A947-70E740481C1C}">
+                <a14:useLocalDpi xmlns:a14="http://schemas.microsoft.com/office/drawing/2010/main" val="0"/>
+              </a:ext>
+            </a:extLst>
+          </a:blip>
+          <a:srcRect/>
+          <a:stretch>
+            <a:fillRect/>
+          </a:stretch>
+        </p:blipFill>
+        <p:spPr bwMode="auto">
+          <a:xfrm>
+            <a:off x="7020673" y="3157411"/>
+            <a:ext cx="1924078" cy="1193656"/>
+          </a:xfrm>
+          <a:prstGeom prst="rect">
+            <a:avLst/>
+          </a:prstGeom>
+          <a:noFill/>
+          <a:extLst>
+            <a:ext uri="{909E8E84-426E-40DD-AFC4-6F175D3DCCD1}">
+              <a14:hiddenFill xmlns:a14="http://schemas.microsoft.com/office/drawing/2010/main">
                 <a:solidFill>
-                  <a:srgbClr val="000000"/>
+                  <a:srgbClr val="FFFFFF"/>
                 </a:solidFill>
-                <a:latin typeface="Calibri (Body)"/>
-                <a:ea typeface="Calibri (Body)"/>
-                <a:cs typeface="Calibri (Body)"/>
-              </a:rPr>
-              <a:t>The company manufactures and sells metal and composite bicycles to North American, European and Asian commercial markets. While its base operation is located in Bothell, Washington with 290 employees, several regional sales teams are located throughout their market base.</a:t>
-            </a:r>
-          </a:p>
-          <a:p>
-            <a:pPr marL="285750" indent="-285750" algn="l" defTabSz="914400">
-              <a:buFont typeface="Arial"/>
-              <a:buChar char="•"/>
-            </a:pPr>
-            <a:r>
-              <a:rPr lang="en-US" sz="1800" dirty="0">
-                <a:solidFill>
-                  <a:srgbClr val="000000"/>
-                </a:solidFill>
-                <a:latin typeface="Calibri (Body)"/>
-                <a:ea typeface="Calibri (Body)"/>
-                <a:cs typeface="Calibri (Body)"/>
-              </a:rPr>
-              <a:t>In 2000, Adventure Works Cycles bought a small manufacturing plant, </a:t>
-            </a:r>
-            <a:r>
-              <a:rPr lang="en-US" sz="1800" dirty="0">
-                <a:solidFill>
-                  <a:srgbClr val="000000"/>
-                </a:solidFill>
-                <a:latin typeface="Calibri (Body)"/>
-                <a:ea typeface="Calibri (Body)"/>
-                <a:cs typeface="Calibri (Body)"/>
-              </a:rPr>
-              <a:t>Importadores</a:t>
-            </a:r>
-            <a:r>
-              <a:rPr lang="en-US" sz="1800" dirty="0">
-                <a:solidFill>
-                  <a:srgbClr val="000000"/>
-                </a:solidFill>
-                <a:latin typeface="Calibri (Body)"/>
-                <a:ea typeface="Calibri (Body)"/>
-                <a:cs typeface="Calibri (Body)"/>
-              </a:rPr>
-              <a:t> Neptuno, located in Mexico. </a:t>
-            </a:r>
-            <a:r>
-              <a:rPr lang="en-US" sz="1800" dirty="0">
-                <a:solidFill>
-                  <a:srgbClr val="000000"/>
-                </a:solidFill>
-                <a:latin typeface="Calibri (Body)"/>
-                <a:ea typeface="Calibri (Body)"/>
-                <a:cs typeface="Calibri (Body)"/>
-              </a:rPr>
-              <a:t>Importadores</a:t>
-            </a:r>
-            <a:r>
-              <a:rPr lang="en-US" sz="1800" dirty="0">
-                <a:solidFill>
-                  <a:srgbClr val="000000"/>
-                </a:solidFill>
-                <a:latin typeface="Calibri (Body)"/>
-                <a:ea typeface="Calibri (Body)"/>
-                <a:cs typeface="Calibri (Body)"/>
-              </a:rPr>
-              <a:t> Neptuno manufactures several critical subcomponents for the Adventure Works Cycles production line. </a:t>
-            </a:r>
-          </a:p>
-          <a:p>
-            <a:pPr marL="285750" indent="-285750" algn="l" defTabSz="914400">
-              <a:buFont typeface="Arial"/>
-              <a:buChar char="•"/>
-            </a:pPr>
-            <a:r>
-              <a:rPr lang="en-US" sz="1800" dirty="0">
-                <a:solidFill>
-                  <a:srgbClr val="000000"/>
-                </a:solidFill>
-                <a:latin typeface="Calibri (Body)"/>
-                <a:ea typeface="Calibri (Body)"/>
-                <a:cs typeface="Calibri (Body)"/>
-              </a:rPr>
-              <a:t>These subcomponents are shipped to the Bothell location for final product assembly. In 2001, </a:t>
-            </a:r>
-            <a:r>
-              <a:rPr lang="en-US" sz="1800" dirty="0">
-                <a:solidFill>
-                  <a:srgbClr val="000000"/>
-                </a:solidFill>
-                <a:latin typeface="Calibri (Body)"/>
-                <a:ea typeface="Calibri (Body)"/>
-                <a:cs typeface="Calibri (Body)"/>
-              </a:rPr>
-              <a:t>Importadores</a:t>
-            </a:r>
-            <a:r>
-              <a:rPr lang="en-US" sz="1800" dirty="0">
-                <a:solidFill>
-                  <a:srgbClr val="000000"/>
-                </a:solidFill>
-                <a:latin typeface="Calibri (Body)"/>
-                <a:ea typeface="Calibri (Body)"/>
-                <a:cs typeface="Calibri (Body)"/>
-              </a:rPr>
-              <a:t> Neptuno, became the sole manufacturer and distributor of the touring bicycle productivity group.</a:t>
-            </a:r>
-          </a:p>
-        </p:txBody>
-      </p:sp>
+              </a14:hiddenFill>
+            </a:ext>
+          </a:extLst>
+        </p:spPr>
+      </p:pic>
     </p:spTree>
   </p:cSld>
   <p:clrMapOvr>
@@ -3721,6 +5278,64 @@
 </file>
 
 <file path=ppt/slides/slide3.xml><?xml version="1.0" encoding="utf-8"?>
+<p:sld xmlns:a="http://schemas.openxmlformats.org/drawingml/2006/main" xmlns:r="http://schemas.openxmlformats.org/officeDocument/2006/relationships" xmlns:p="http://schemas.openxmlformats.org/presentationml/2006/main">
+  <p:cSld>
+    <p:spTree>
+      <p:nvGrpSpPr>
+        <p:cNvPr id="1" name=""/>
+        <p:cNvGrpSpPr/>
+        <p:nvPr/>
+      </p:nvGrpSpPr>
+      <p:grpSpPr>
+        <a:xfrm>
+          <a:off x="0" y="0"/>
+          <a:ext cx="0" cy="0"/>
+          <a:chOff x="0" y="0"/>
+          <a:chExt cx="0" cy="0"/>
+        </a:xfrm>
+      </p:grpSpPr>
+      <p:graphicFrame>
+        <p:nvGraphicFramePr>
+          <p:cNvPr id="4" name="Chart 3">
+            <a:extLst>
+              <a:ext uri="{FF2B5EF4-FFF2-40B4-BE49-F238E27FC236}">
+                <a16:creationId xmlns:a16="http://schemas.microsoft.com/office/drawing/2014/main" id="{3275F726-C0B5-47DE-BC71-6DFED385E2E6}"/>
+              </a:ext>
+            </a:extLst>
+          </p:cNvPr>
+          <p:cNvGraphicFramePr/>
+          <p:nvPr>
+            <p:extLst>
+              <p:ext uri="{D42A27DB-BD31-4B8C-83A1-F6EECF244321}">
+                <p14:modId xmlns:p14="http://schemas.microsoft.com/office/powerpoint/2010/main" val="351699678"/>
+              </p:ext>
+            </p:extLst>
+          </p:nvPr>
+        </p:nvGraphicFramePr>
+        <p:xfrm>
+          <a:off x="2032000" y="719666"/>
+          <a:ext cx="8128000" cy="5418667"/>
+        </p:xfrm>
+        <a:graphic>
+          <a:graphicData uri="http://schemas.openxmlformats.org/drawingml/2006/chart">
+            <c:chart xmlns:c="http://schemas.openxmlformats.org/drawingml/2006/chart" xmlns:r="http://schemas.openxmlformats.org/officeDocument/2006/relationships" r:id="rId2"/>
+          </a:graphicData>
+        </a:graphic>
+      </p:graphicFrame>
+    </p:spTree>
+    <p:extLst>
+      <p:ext uri="{BB962C8B-B14F-4D97-AF65-F5344CB8AC3E}">
+        <p14:creationId xmlns:p14="http://schemas.microsoft.com/office/powerpoint/2010/main" val="4111059315"/>
+      </p:ext>
+    </p:extLst>
+  </p:cSld>
+  <p:clrMapOvr>
+    <a:masterClrMapping/>
+  </p:clrMapOvr>
+</p:sld>
+</file>
+
+<file path=ppt/slides/slide4.xml><?xml version="1.0" encoding="utf-8"?>
 <p:sld xmlns:a="http://schemas.openxmlformats.org/drawingml/2006/main" xmlns:r="http://schemas.openxmlformats.org/officeDocument/2006/relationships" xmlns:p="http://schemas.openxmlformats.org/presentationml/2006/main">
   <p:cSld>
     <p:spTree>
@@ -3791,7 +5406,7 @@
         </p:nvGraphicFramePr>
         <p:xfrm>
           <a:off x="786384" y="1216152"/>
-          <a:ext cx="10858500" cy="4930123"/>
+          <a:ext cx="10858500" cy="5263388"/>
         </p:xfrm>
         <a:graphic>
           <a:graphicData uri="http://schemas.openxmlformats.org/drawingml/2006/table">
@@ -3800,17 +5415,71 @@
                 <a:tableStyleId>{93296810-A885-4BE3-A3E7-6D5BEEA58F35}</a:tableStyleId>
               </a:tblPr>
               <a:tblGrid>
-                <a:gridCol w="1206500"/>
-                <a:gridCol w="1206500"/>
-                <a:gridCol w="1206500"/>
-                <a:gridCol w="1206500"/>
-                <a:gridCol w="1206500"/>
-                <a:gridCol w="1206500"/>
-                <a:gridCol w="1206500"/>
-                <a:gridCol w="1206500"/>
-                <a:gridCol w="1206500"/>
+                <a:gridCol w="1206500">
+                  <a:extLst>
+                    <a:ext uri="{9D8B030D-6E8A-4147-A177-3AD203B41FA5}">
+                      <a16:colId xmlns:a16="http://schemas.microsoft.com/office/drawing/2014/main" val="20000"/>
+                    </a:ext>
+                  </a:extLst>
+                </a:gridCol>
+                <a:gridCol w="1206500">
+                  <a:extLst>
+                    <a:ext uri="{9D8B030D-6E8A-4147-A177-3AD203B41FA5}">
+                      <a16:colId xmlns:a16="http://schemas.microsoft.com/office/drawing/2014/main" val="20001"/>
+                    </a:ext>
+                  </a:extLst>
+                </a:gridCol>
+                <a:gridCol w="1206500">
+                  <a:extLst>
+                    <a:ext uri="{9D8B030D-6E8A-4147-A177-3AD203B41FA5}">
+                      <a16:colId xmlns:a16="http://schemas.microsoft.com/office/drawing/2014/main" val="20002"/>
+                    </a:ext>
+                  </a:extLst>
+                </a:gridCol>
+                <a:gridCol w="1206500">
+                  <a:extLst>
+                    <a:ext uri="{9D8B030D-6E8A-4147-A177-3AD203B41FA5}">
+                      <a16:colId xmlns:a16="http://schemas.microsoft.com/office/drawing/2014/main" val="20003"/>
+                    </a:ext>
+                  </a:extLst>
+                </a:gridCol>
+                <a:gridCol w="1206500">
+                  <a:extLst>
+                    <a:ext uri="{9D8B030D-6E8A-4147-A177-3AD203B41FA5}">
+                      <a16:colId xmlns:a16="http://schemas.microsoft.com/office/drawing/2014/main" val="20004"/>
+                    </a:ext>
+                  </a:extLst>
+                </a:gridCol>
+                <a:gridCol w="1206500">
+                  <a:extLst>
+                    <a:ext uri="{9D8B030D-6E8A-4147-A177-3AD203B41FA5}">
+                      <a16:colId xmlns:a16="http://schemas.microsoft.com/office/drawing/2014/main" val="20005"/>
+                    </a:ext>
+                  </a:extLst>
+                </a:gridCol>
+                <a:gridCol w="1206500">
+                  <a:extLst>
+                    <a:ext uri="{9D8B030D-6E8A-4147-A177-3AD203B41FA5}">
+                      <a16:colId xmlns:a16="http://schemas.microsoft.com/office/drawing/2014/main" val="20006"/>
+                    </a:ext>
+                  </a:extLst>
+                </a:gridCol>
+                <a:gridCol w="1206500">
+                  <a:extLst>
+                    <a:ext uri="{9D8B030D-6E8A-4147-A177-3AD203B41FA5}">
+                      <a16:colId xmlns:a16="http://schemas.microsoft.com/office/drawing/2014/main" val="20007"/>
+                    </a:ext>
+                  </a:extLst>
+                </a:gridCol>
+                <a:gridCol w="1206500">
+                  <a:extLst>
+                    <a:ext uri="{9D8B030D-6E8A-4147-A177-3AD203B41FA5}">
+                      <a16:colId xmlns:a16="http://schemas.microsoft.com/office/drawing/2014/main" val="20008"/>
+                    </a:ext>
+                  </a:extLst>
+                </a:gridCol>
               </a:tblGrid>
-              <a:tr h="968800">
+              <a:tr h="1034288">
                 <a:tc>
                   <a:txBody>
                     <a:bodyPr/>
@@ -3955,8 +5624,13 @@
                   </a:txBody>
                   <a:tcPr anchor="ctr" horzOverflow="overflow"/>
                 </a:tc>
+                <a:extLst>
+                  <a:ext uri="{0D108BD9-81ED-4DB2-BD59-A6C34878D82A}">
+                    <a16:rowId xmlns:a16="http://schemas.microsoft.com/office/drawing/2014/main" val="10000"/>
+                  </a:ext>
+                </a:extLst>
               </a:tr>
-              <a:tr h="440147">
+              <a:tr h="469900">
                 <a:tc>
                   <a:txBody>
                     <a:bodyPr/>
@@ -4101,8 +5775,13 @@
                   </a:txBody>
                   <a:tcPr horzOverflow="overflow"/>
                 </a:tc>
+                <a:extLst>
+                  <a:ext uri="{0D108BD9-81ED-4DB2-BD59-A6C34878D82A}">
+                    <a16:rowId xmlns:a16="http://schemas.microsoft.com/office/drawing/2014/main" val="10001"/>
+                  </a:ext>
+                </a:extLst>
               </a:tr>
-              <a:tr h="440147">
+              <a:tr h="469900">
                 <a:tc>
                   <a:txBody>
                     <a:bodyPr/>
@@ -4247,8 +5926,13 @@
                   </a:txBody>
                   <a:tcPr horzOverflow="overflow"/>
                 </a:tc>
+                <a:extLst>
+                  <a:ext uri="{0D108BD9-81ED-4DB2-BD59-A6C34878D82A}">
+                    <a16:rowId xmlns:a16="http://schemas.microsoft.com/office/drawing/2014/main" val="10002"/>
+                  </a:ext>
+                </a:extLst>
               </a:tr>
-              <a:tr h="440147">
+              <a:tr h="469900">
                 <a:tc>
                   <a:txBody>
                     <a:bodyPr/>
@@ -4393,8 +6077,13 @@
                   </a:txBody>
                   <a:tcPr horzOverflow="overflow"/>
                 </a:tc>
+                <a:extLst>
+                  <a:ext uri="{0D108BD9-81ED-4DB2-BD59-A6C34878D82A}">
+                    <a16:rowId xmlns:a16="http://schemas.microsoft.com/office/drawing/2014/main" val="10003"/>
+                  </a:ext>
+                </a:extLst>
               </a:tr>
-              <a:tr h="440147">
+              <a:tr h="469900">
                 <a:tc>
                   <a:txBody>
                     <a:bodyPr/>
@@ -4539,8 +6228,13 @@
                   </a:txBody>
                   <a:tcPr horzOverflow="overflow"/>
                 </a:tc>
+                <a:extLst>
+                  <a:ext uri="{0D108BD9-81ED-4DB2-BD59-A6C34878D82A}">
+                    <a16:rowId xmlns:a16="http://schemas.microsoft.com/office/drawing/2014/main" val="10004"/>
+                  </a:ext>
+                </a:extLst>
               </a:tr>
-              <a:tr h="440147">
+              <a:tr h="469900">
                 <a:tc>
                   <a:txBody>
                     <a:bodyPr/>
@@ -4685,8 +6379,13 @@
                   </a:txBody>
                   <a:tcPr horzOverflow="overflow"/>
                 </a:tc>
+                <a:extLst>
+                  <a:ext uri="{0D108BD9-81ED-4DB2-BD59-A6C34878D82A}">
+                    <a16:rowId xmlns:a16="http://schemas.microsoft.com/office/drawing/2014/main" val="10005"/>
+                  </a:ext>
+                </a:extLst>
               </a:tr>
-              <a:tr h="440147">
+              <a:tr h="469900">
                 <a:tc>
                   <a:txBody>
                     <a:bodyPr/>
@@ -4831,8 +6530,13 @@
                   </a:txBody>
                   <a:tcPr horzOverflow="overflow"/>
                 </a:tc>
+                <a:extLst>
+                  <a:ext uri="{0D108BD9-81ED-4DB2-BD59-A6C34878D82A}">
+                    <a16:rowId xmlns:a16="http://schemas.microsoft.com/office/drawing/2014/main" val="10006"/>
+                  </a:ext>
+                </a:extLst>
               </a:tr>
-              <a:tr h="440147">
+              <a:tr h="469900">
                 <a:tc>
                   <a:txBody>
                     <a:bodyPr/>
@@ -4977,8 +6681,13 @@
                   </a:txBody>
                   <a:tcPr horzOverflow="overflow"/>
                 </a:tc>
+                <a:extLst>
+                  <a:ext uri="{0D108BD9-81ED-4DB2-BD59-A6C34878D82A}">
+                    <a16:rowId xmlns:a16="http://schemas.microsoft.com/office/drawing/2014/main" val="10007"/>
+                  </a:ext>
+                </a:extLst>
               </a:tr>
-              <a:tr h="440147">
+              <a:tr h="469900">
                 <a:tc>
                   <a:txBody>
                     <a:bodyPr/>
@@ -5123,8 +6832,13 @@
                   </a:txBody>
                   <a:tcPr horzOverflow="overflow"/>
                 </a:tc>
+                <a:extLst>
+                  <a:ext uri="{0D108BD9-81ED-4DB2-BD59-A6C34878D82A}">
+                    <a16:rowId xmlns:a16="http://schemas.microsoft.com/office/drawing/2014/main" val="10008"/>
+                  </a:ext>
+                </a:extLst>
               </a:tr>
-              <a:tr h="440147">
+              <a:tr h="469900">
                 <a:tc>
                   <a:txBody>
                     <a:bodyPr/>
@@ -5269,6 +6983,11 @@
                   </a:txBody>
                   <a:tcPr horzOverflow="overflow"/>
                 </a:tc>
+                <a:extLst>
+                  <a:ext uri="{0D108BD9-81ED-4DB2-BD59-A6C34878D82A}">
+                    <a16:rowId xmlns:a16="http://schemas.microsoft.com/office/drawing/2014/main" val="10009"/>
+                  </a:ext>
+                </a:extLst>
               </a:tr>
             </a:tbl>
           </a:graphicData>
@@ -5282,15 +7001,108 @@
 </p:sld>
 </file>
 
+<file path=ppt/slides/slide5.xml><?xml version="1.0" encoding="utf-8"?>
+<p:sld xmlns:a="http://schemas.openxmlformats.org/drawingml/2006/main" xmlns:r="http://schemas.openxmlformats.org/officeDocument/2006/relationships" xmlns:p="http://schemas.openxmlformats.org/presentationml/2006/main">
+  <p:cSld>
+    <p:spTree>
+      <p:nvGrpSpPr>
+        <p:cNvPr id="1" name=""/>
+        <p:cNvGrpSpPr/>
+        <p:nvPr/>
+      </p:nvGrpSpPr>
+      <p:grpSpPr>
+        <a:xfrm>
+          <a:off x="0" y="0"/>
+          <a:ext cx="0" cy="0"/>
+          <a:chOff x="0" y="0"/>
+          <a:chExt cx="0" cy="0"/>
+        </a:xfrm>
+      </p:grpSpPr>
+      <p:sp>
+        <p:nvSpPr>
+          <p:cNvPr id="2" name="Title 1"/>
+          <p:cNvSpPr>
+            <a:spLocks noGrp="1"/>
+          </p:cNvSpPr>
+          <p:nvPr>
+            <p:ph type="title"/>
+          </p:nvPr>
+        </p:nvSpPr>
+        <p:spPr>
+          <a:ln>
+            <a:headEnd type="none"/>
+            <a:tailEnd type="none"/>
+          </a:ln>
+        </p:spPr>
+        <p:txBody>
+          <a:bodyPr wrap="square"/>
+          <a:lstStyle/>
+          <a:p>
+            <a:pPr algn="ctr" defTabSz="914400"/>
+            <a:r>
+              <a:rPr sz="4000" dirty="0">
+                <a:latin typeface="Calibri"/>
+                <a:ea typeface="Calibri"/>
+                <a:cs typeface="Calibri"/>
+              </a:rPr>
+              <a:t>About Adventure Works Cycles</a:t>
+            </a:r>
+          </a:p>
+        </p:txBody>
+      </p:sp>
+      <p:pic>
+        <p:nvPicPr>
+          <p:cNvPr id="3" name="Picture 3" descr="About Adventure Works Cycles"/>
+          <p:cNvPicPr>
+            <a:picLocks noChangeAspect="1"/>
+          </p:cNvPicPr>
+          <p:nvPr/>
+        </p:nvPicPr>
+        <p:blipFill>
+          <a:blip r:embed="rId2">
+            <a:lum/>
+            <a:extLst>
+              <a:ext uri="{96DAC541-7B7A-43D3-8B79-37D633B846F1}">
+                <asvg:svgBlip xmlns:asvg="http://schemas.microsoft.com/office/drawing/2016/SVG/main" r:embed="rId3"/>
+              </a:ext>
+            </a:extLst>
+          </a:blip>
+          <a:srcRect/>
+          <a:stretch>
+            <a:fillRect/>
+          </a:stretch>
+        </p:blipFill>
+        <p:spPr>
+          <a:xfrm>
+            <a:off x="2184400" y="1968500"/>
+            <a:ext cx="8166100" cy="3251200"/>
+          </a:xfrm>
+          <a:prstGeom prst="rect">
+            <a:avLst/>
+          </a:prstGeom>
+          <a:ln>
+            <a:headEnd type="none"/>
+            <a:tailEnd type="none"/>
+          </a:ln>
+        </p:spPr>
+      </p:pic>
+    </p:spTree>
+  </p:cSld>
+  <p:clrMapOvr>
+    <a:masterClrMapping/>
+  </p:clrMapOvr>
+</p:sld>
+</file>
+
 <file path=ppt/theme/theme1.xml><?xml version="1.0" encoding="utf-8"?>
-<a:theme xmlns:a="http://schemas.openxmlformats.org/drawingml/2006/main" name="Office">
+<a:theme xmlns:a="http://schemas.openxmlformats.org/drawingml/2006/main" name="Office Theme">
   <a:themeElements>
     <a:clrScheme name="Office">
       <a:dk1>
-        <a:srgbClr val="000000"/>
+        <a:sysClr val="windowText" lastClr="000000"/>
       </a:dk1>
       <a:lt1>
-        <a:srgbClr val="ffffff"/>
+        <a:sysClr val="window" lastClr="FFFFFF"/>
       </a:lt1>
       <a:dk2>
         <a:srgbClr val="44546A"/>
@@ -5325,7 +7137,7 @@
     </a:clrScheme>
     <a:fontScheme name="Office">
       <a:majorFont>
-        <a:latin typeface="Calibri Light"/>
+        <a:latin typeface="Calibri Light" panose="020F0302020204030204"/>
         <a:ea typeface=""/>
         <a:cs typeface=""/>
         <a:font script="Jpan" typeface="游ゴシック Light"/>
@@ -5377,7 +7189,7 @@
         <a:font script="Tfng" typeface="Ebrima"/>
       </a:majorFont>
       <a:minorFont>
-        <a:latin typeface="Calibri"/>
+        <a:latin typeface="Calibri" panose="020F0502020204030204"/>
         <a:ea typeface=""/>
         <a:cs typeface=""/>
         <a:font script="Jpan" typeface="游ゴシック"/>
@@ -5458,7 +7270,7 @@
               </a:schemeClr>
             </a:gs>
           </a:gsLst>
-          <a:lin ang="5400000"/>
+          <a:lin ang="5400000" scaled="0"/>
         </a:gradFill>
         <a:gradFill rotWithShape="1">
           <a:gsLst>
@@ -5484,36 +7296,30 @@
               </a:schemeClr>
             </a:gs>
           </a:gsLst>
-          <a:lin ang="5400000"/>
+          <a:lin ang="5400000" scaled="0"/>
         </a:gradFill>
       </a:fillStyleLst>
       <a:lnStyleLst>
-        <a:ln w="6350" cap="flat">
+        <a:ln w="6350" cap="flat" cmpd="sng" algn="ctr">
           <a:solidFill>
             <a:schemeClr val="phClr"/>
           </a:solidFill>
           <a:prstDash val="solid"/>
-          <a:miter/>
-          <a:headEnd type="none"/>
-          <a:tailEnd type="none"/>
+          <a:miter lim="800000"/>
         </a:ln>
-        <a:ln w="12700" cap="flat">
+        <a:ln w="12700" cap="flat" cmpd="sng" algn="ctr">
           <a:solidFill>
             <a:schemeClr val="phClr"/>
           </a:solidFill>
           <a:prstDash val="solid"/>
-          <a:miter/>
-          <a:headEnd type="none"/>
-          <a:tailEnd type="none"/>
+          <a:miter lim="800000"/>
         </a:ln>
-        <a:ln w="19050" cap="flat">
+        <a:ln w="19050" cap="flat" cmpd="sng" algn="ctr">
           <a:solidFill>
             <a:schemeClr val="phClr"/>
           </a:solidFill>
           <a:prstDash val="solid"/>
-          <a:miter/>
-          <a:headEnd type="none"/>
-          <a:tailEnd type="none"/>
+          <a:miter lim="800000"/>
         </a:ln>
       </a:lnStyleLst>
       <a:effectStyleLst>
@@ -5568,10 +7374,17 @@
               </a:schemeClr>
             </a:gs>
           </a:gsLst>
-          <a:lin ang="5400000"/>
+          <a:lin ang="5400000" scaled="0"/>
         </a:gradFill>
       </a:bgFillStyleLst>
     </a:fmtScheme>
   </a:themeElements>
+  <a:objectDefaults/>
+  <a:extraClrSchemeLst/>
+  <a:extLst>
+    <a:ext uri="{05A4C25C-085E-4340-85A3-A5531E510DB2}">
+      <thm15:themeFamily xmlns:thm15="http://schemas.microsoft.com/office/thememl/2012/main" name="Office Theme" id="{62F939B6-93AF-4DB8-9C6B-D6C7DFDC589F}" vid="{4A3C46E8-61CC-4603-A589-7422A47A8E4A}"/>
+    </a:ext>
+  </a:extLst>
 </a:theme>
 </file>